--- a/trees/trees/images-ppt.pptx
+++ b/trees/trees/images-ppt.pptx
@@ -5,12 +5,16 @@
     <p:sldMasterId id="2147483720" r:id="rId1"/>
   </p:sldMasterIdLst>
   <p:notesMasterIdLst>
-    <p:notesMasterId r:id="rId5"/>
+    <p:notesMasterId r:id="rId9"/>
   </p:notesMasterIdLst>
   <p:sldIdLst>
-    <p:sldId id="300" r:id="rId2"/>
-    <p:sldId id="301" r:id="rId3"/>
-    <p:sldId id="302" r:id="rId4"/>
+    <p:sldId id="304" r:id="rId2"/>
+    <p:sldId id="306" r:id="rId3"/>
+    <p:sldId id="305" r:id="rId4"/>
+    <p:sldId id="300" r:id="rId5"/>
+    <p:sldId id="303" r:id="rId6"/>
+    <p:sldId id="301" r:id="rId7"/>
+    <p:sldId id="302" r:id="rId8"/>
   </p:sldIdLst>
   <p:sldSz cx="12192000" cy="6858000"/>
   <p:notesSz cx="6858000" cy="9144000"/>
@@ -199,7 +203,7 @@
           <a:p>
             <a:fld id="{E05353D2-CEDD-4E7E-9FD0-903A645858BF}" type="datetimeFigureOut">
               <a:rPr lang="en-US" smtClean="0"/>
-              <a:t>4/20/2025</a:t>
+              <a:t>4/25/2025</a:t>
             </a:fld>
             <a:endParaRPr lang="en-US"/>
           </a:p>
@@ -466,6 +470,306 @@
 </p:notesMaster>
 </file>
 
+<file path=ppt/notesSlides/notesSlide1.xml><?xml version="1.0" encoding="utf-8"?>
+<p:notes xmlns:a="http://schemas.openxmlformats.org/drawingml/2006/main" xmlns:r="http://schemas.openxmlformats.org/officeDocument/2006/relationships" xmlns:p="http://schemas.openxmlformats.org/presentationml/2006/main">
+  <p:cSld>
+    <p:spTree>
+      <p:nvGrpSpPr>
+        <p:cNvPr id="1" name=""/>
+        <p:cNvGrpSpPr/>
+        <p:nvPr/>
+      </p:nvGrpSpPr>
+      <p:grpSpPr>
+        <a:xfrm>
+          <a:off x="0" y="0"/>
+          <a:ext cx="0" cy="0"/>
+          <a:chOff x="0" y="0"/>
+          <a:chExt cx="0" cy="0"/>
+        </a:xfrm>
+      </p:grpSpPr>
+      <p:sp>
+        <p:nvSpPr>
+          <p:cNvPr id="2" name="Slide Image Placeholder 1"/>
+          <p:cNvSpPr>
+            <a:spLocks noGrp="1" noRot="1" noChangeAspect="1"/>
+          </p:cNvSpPr>
+          <p:nvPr>
+            <p:ph type="sldImg"/>
+          </p:nvPr>
+        </p:nvSpPr>
+        <p:spPr/>
+      </p:sp>
+      <p:sp>
+        <p:nvSpPr>
+          <p:cNvPr id="3" name="Notes Placeholder 2"/>
+          <p:cNvSpPr>
+            <a:spLocks noGrp="1"/>
+          </p:cNvSpPr>
+          <p:nvPr>
+            <p:ph type="body" idx="1"/>
+          </p:nvPr>
+        </p:nvSpPr>
+        <p:spPr/>
+        <p:txBody>
+          <a:bodyPr/>
+          <a:lstStyle/>
+          <a:p>
+            <a:endParaRPr lang="en-US"/>
+          </a:p>
+        </p:txBody>
+      </p:sp>
+      <p:sp>
+        <p:nvSpPr>
+          <p:cNvPr id="4" name="Slide Number Placeholder 3"/>
+          <p:cNvSpPr>
+            <a:spLocks noGrp="1"/>
+          </p:cNvSpPr>
+          <p:nvPr>
+            <p:ph type="sldNum" sz="quarter" idx="5"/>
+          </p:nvPr>
+        </p:nvSpPr>
+        <p:spPr/>
+        <p:txBody>
+          <a:bodyPr/>
+          <a:lstStyle/>
+          <a:p>
+            <a:fld id="{DD7587C3-F34C-4E9E-BE26-D4569730CEE5}" type="slidenum">
+              <a:rPr lang="en-US" smtClean="0"/>
+              <a:t>1</a:t>
+            </a:fld>
+            <a:endParaRPr lang="en-US"/>
+          </a:p>
+        </p:txBody>
+      </p:sp>
+    </p:spTree>
+    <p:extLst>
+      <p:ext uri="{BB962C8B-B14F-4D97-AF65-F5344CB8AC3E}">
+        <p14:creationId xmlns:p14="http://schemas.microsoft.com/office/powerpoint/2010/main" val="4081606235"/>
+      </p:ext>
+    </p:extLst>
+  </p:cSld>
+  <p:clrMapOvr>
+    <a:masterClrMapping/>
+  </p:clrMapOvr>
+</p:notes>
+</file>
+
+<file path=ppt/notesSlides/notesSlide2.xml><?xml version="1.0" encoding="utf-8"?>
+<p:notes xmlns:a="http://schemas.openxmlformats.org/drawingml/2006/main" xmlns:r="http://schemas.openxmlformats.org/officeDocument/2006/relationships" xmlns:p="http://schemas.openxmlformats.org/presentationml/2006/main">
+  <p:cSld>
+    <p:spTree>
+      <p:nvGrpSpPr>
+        <p:cNvPr id="1" name="">
+          <a:extLst>
+            <a:ext uri="{FF2B5EF4-FFF2-40B4-BE49-F238E27FC236}">
+              <a16:creationId xmlns:a16="http://schemas.microsoft.com/office/drawing/2014/main" id="{25A4B0BB-1B6F-65C9-8D5E-5506DF551373}"/>
+            </a:ext>
+          </a:extLst>
+        </p:cNvPr>
+        <p:cNvGrpSpPr/>
+        <p:nvPr/>
+      </p:nvGrpSpPr>
+      <p:grpSpPr>
+        <a:xfrm>
+          <a:off x="0" y="0"/>
+          <a:ext cx="0" cy="0"/>
+          <a:chOff x="0" y="0"/>
+          <a:chExt cx="0" cy="0"/>
+        </a:xfrm>
+      </p:grpSpPr>
+      <p:sp>
+        <p:nvSpPr>
+          <p:cNvPr id="2" name="Slide Image Placeholder 1">
+            <a:extLst>
+              <a:ext uri="{FF2B5EF4-FFF2-40B4-BE49-F238E27FC236}">
+                <a16:creationId xmlns:a16="http://schemas.microsoft.com/office/drawing/2014/main" id="{B18B73E6-97E2-7C58-C270-5B54BE6F095B}"/>
+              </a:ext>
+            </a:extLst>
+          </p:cNvPr>
+          <p:cNvSpPr>
+            <a:spLocks noGrp="1" noRot="1" noChangeAspect="1"/>
+          </p:cNvSpPr>
+          <p:nvPr>
+            <p:ph type="sldImg"/>
+          </p:nvPr>
+        </p:nvSpPr>
+        <p:spPr/>
+      </p:sp>
+      <p:sp>
+        <p:nvSpPr>
+          <p:cNvPr id="3" name="Notes Placeholder 2">
+            <a:extLst>
+              <a:ext uri="{FF2B5EF4-FFF2-40B4-BE49-F238E27FC236}">
+                <a16:creationId xmlns:a16="http://schemas.microsoft.com/office/drawing/2014/main" id="{A3A5A107-D7A3-94DC-579D-30372A087707}"/>
+              </a:ext>
+            </a:extLst>
+          </p:cNvPr>
+          <p:cNvSpPr>
+            <a:spLocks noGrp="1"/>
+          </p:cNvSpPr>
+          <p:nvPr>
+            <p:ph type="body" idx="1"/>
+          </p:nvPr>
+        </p:nvSpPr>
+        <p:spPr/>
+        <p:txBody>
+          <a:bodyPr/>
+          <a:lstStyle/>
+          <a:p>
+            <a:endParaRPr lang="en-US"/>
+          </a:p>
+        </p:txBody>
+      </p:sp>
+      <p:sp>
+        <p:nvSpPr>
+          <p:cNvPr id="4" name="Slide Number Placeholder 3">
+            <a:extLst>
+              <a:ext uri="{FF2B5EF4-FFF2-40B4-BE49-F238E27FC236}">
+                <a16:creationId xmlns:a16="http://schemas.microsoft.com/office/drawing/2014/main" id="{5AAF3D87-5721-EFD3-5C50-31F4DBB3ECBE}"/>
+              </a:ext>
+            </a:extLst>
+          </p:cNvPr>
+          <p:cNvSpPr>
+            <a:spLocks noGrp="1"/>
+          </p:cNvSpPr>
+          <p:nvPr>
+            <p:ph type="sldNum" sz="quarter" idx="5"/>
+          </p:nvPr>
+        </p:nvSpPr>
+        <p:spPr/>
+        <p:txBody>
+          <a:bodyPr/>
+          <a:lstStyle/>
+          <a:p>
+            <a:fld id="{DD7587C3-F34C-4E9E-BE26-D4569730CEE5}" type="slidenum">
+              <a:rPr lang="en-US" smtClean="0"/>
+              <a:t>2</a:t>
+            </a:fld>
+            <a:endParaRPr lang="en-US"/>
+          </a:p>
+        </p:txBody>
+      </p:sp>
+    </p:spTree>
+    <p:extLst>
+      <p:ext uri="{BB962C8B-B14F-4D97-AF65-F5344CB8AC3E}">
+        <p14:creationId xmlns:p14="http://schemas.microsoft.com/office/powerpoint/2010/main" val="331720193"/>
+      </p:ext>
+    </p:extLst>
+  </p:cSld>
+  <p:clrMapOvr>
+    <a:masterClrMapping/>
+  </p:clrMapOvr>
+</p:notes>
+</file>
+
+<file path=ppt/notesSlides/notesSlide3.xml><?xml version="1.0" encoding="utf-8"?>
+<p:notes xmlns:a="http://schemas.openxmlformats.org/drawingml/2006/main" xmlns:r="http://schemas.openxmlformats.org/officeDocument/2006/relationships" xmlns:p="http://schemas.openxmlformats.org/presentationml/2006/main">
+  <p:cSld>
+    <p:spTree>
+      <p:nvGrpSpPr>
+        <p:cNvPr id="1" name="">
+          <a:extLst>
+            <a:ext uri="{FF2B5EF4-FFF2-40B4-BE49-F238E27FC236}">
+              <a16:creationId xmlns:a16="http://schemas.microsoft.com/office/drawing/2014/main" id="{ED4083FA-F394-CFA2-9A07-136209B56319}"/>
+            </a:ext>
+          </a:extLst>
+        </p:cNvPr>
+        <p:cNvGrpSpPr/>
+        <p:nvPr/>
+      </p:nvGrpSpPr>
+      <p:grpSpPr>
+        <a:xfrm>
+          <a:off x="0" y="0"/>
+          <a:ext cx="0" cy="0"/>
+          <a:chOff x="0" y="0"/>
+          <a:chExt cx="0" cy="0"/>
+        </a:xfrm>
+      </p:grpSpPr>
+      <p:sp>
+        <p:nvSpPr>
+          <p:cNvPr id="2" name="Slide Image Placeholder 1">
+            <a:extLst>
+              <a:ext uri="{FF2B5EF4-FFF2-40B4-BE49-F238E27FC236}">
+                <a16:creationId xmlns:a16="http://schemas.microsoft.com/office/drawing/2014/main" id="{4968E114-962B-41EB-868D-300E1F1C78F9}"/>
+              </a:ext>
+            </a:extLst>
+          </p:cNvPr>
+          <p:cNvSpPr>
+            <a:spLocks noGrp="1" noRot="1" noChangeAspect="1"/>
+          </p:cNvSpPr>
+          <p:nvPr>
+            <p:ph type="sldImg"/>
+          </p:nvPr>
+        </p:nvSpPr>
+        <p:spPr/>
+      </p:sp>
+      <p:sp>
+        <p:nvSpPr>
+          <p:cNvPr id="3" name="Notes Placeholder 2">
+            <a:extLst>
+              <a:ext uri="{FF2B5EF4-FFF2-40B4-BE49-F238E27FC236}">
+                <a16:creationId xmlns:a16="http://schemas.microsoft.com/office/drawing/2014/main" id="{EC6A31C4-D7FB-CFC0-5B52-85028C8E93B1}"/>
+              </a:ext>
+            </a:extLst>
+          </p:cNvPr>
+          <p:cNvSpPr>
+            <a:spLocks noGrp="1"/>
+          </p:cNvSpPr>
+          <p:nvPr>
+            <p:ph type="body" idx="1"/>
+          </p:nvPr>
+        </p:nvSpPr>
+        <p:spPr/>
+        <p:txBody>
+          <a:bodyPr/>
+          <a:lstStyle/>
+          <a:p>
+            <a:endParaRPr lang="en-US"/>
+          </a:p>
+        </p:txBody>
+      </p:sp>
+      <p:sp>
+        <p:nvSpPr>
+          <p:cNvPr id="4" name="Slide Number Placeholder 3">
+            <a:extLst>
+              <a:ext uri="{FF2B5EF4-FFF2-40B4-BE49-F238E27FC236}">
+                <a16:creationId xmlns:a16="http://schemas.microsoft.com/office/drawing/2014/main" id="{9827FBB8-6924-FC8E-1A77-E969DBB0F2E0}"/>
+              </a:ext>
+            </a:extLst>
+          </p:cNvPr>
+          <p:cNvSpPr>
+            <a:spLocks noGrp="1"/>
+          </p:cNvSpPr>
+          <p:nvPr>
+            <p:ph type="sldNum" sz="quarter" idx="5"/>
+          </p:nvPr>
+        </p:nvSpPr>
+        <p:spPr/>
+        <p:txBody>
+          <a:bodyPr/>
+          <a:lstStyle/>
+          <a:p>
+            <a:fld id="{DD7587C3-F34C-4E9E-BE26-D4569730CEE5}" type="slidenum">
+              <a:rPr lang="en-US" smtClean="0"/>
+              <a:t>3</a:t>
+            </a:fld>
+            <a:endParaRPr lang="en-US"/>
+          </a:p>
+        </p:txBody>
+      </p:sp>
+    </p:spTree>
+    <p:extLst>
+      <p:ext uri="{BB962C8B-B14F-4D97-AF65-F5344CB8AC3E}">
+        <p14:creationId xmlns:p14="http://schemas.microsoft.com/office/powerpoint/2010/main" val="1876607953"/>
+      </p:ext>
+    </p:extLst>
+  </p:cSld>
+  <p:clrMapOvr>
+    <a:masterClrMapping/>
+  </p:clrMapOvr>
+</p:notes>
+</file>
+
 <file path=ppt/slideLayouts/slideLayout1.xml><?xml version="1.0" encoding="utf-8"?>
 <p:sldLayout xmlns:a="http://schemas.openxmlformats.org/drawingml/2006/main" xmlns:r="http://schemas.openxmlformats.org/officeDocument/2006/relationships" xmlns:p="http://schemas.openxmlformats.org/presentationml/2006/main" type="title" preserve="1">
   <p:cSld name="Title Slide">
@@ -597,7 +901,7 @@
           <a:p>
             <a:fld id="{FCDCA74D-1BA3-48C0-81F3-881F6279CED5}" type="datetime1">
               <a:rPr lang="en-US" smtClean="0"/>
-              <a:t>4/20/2025</a:t>
+              <a:t>4/25/2025</a:t>
             </a:fld>
             <a:endParaRPr lang="en-US"/>
           </a:p>
@@ -779,7 +1083,7 @@
           <a:p>
             <a:fld id="{C6B079C3-C297-468B-8128-DCDFADF8EE59}" type="datetime1">
               <a:rPr lang="en-US" smtClean="0"/>
-              <a:t>4/20/2025</a:t>
+              <a:t>4/25/2025</a:t>
             </a:fld>
             <a:endParaRPr lang="en-US"/>
           </a:p>
@@ -971,7 +1275,7 @@
           <a:p>
             <a:fld id="{A0BC1EF0-D246-4FF9-A3A7-D349BCE3D919}" type="datetime1">
               <a:rPr lang="en-US" smtClean="0"/>
-              <a:t>4/20/2025</a:t>
+              <a:t>4/25/2025</a:t>
             </a:fld>
             <a:endParaRPr lang="en-US"/>
           </a:p>
@@ -1153,7 +1457,7 @@
           <a:p>
             <a:fld id="{7B37AD5C-DAC8-4842-838B-3C8AECBC03F5}" type="datetime1">
               <a:rPr lang="en-US" smtClean="0"/>
-              <a:t>4/20/2025</a:t>
+              <a:t>4/25/2025</a:t>
             </a:fld>
             <a:endParaRPr lang="en-US"/>
           </a:p>
@@ -1411,7 +1715,7 @@
           <a:p>
             <a:fld id="{CE71B724-6221-496F-97FB-1122D4DE7149}" type="datetime1">
               <a:rPr lang="en-US" smtClean="0"/>
-              <a:t>4/20/2025</a:t>
+              <a:t>4/25/2025</a:t>
             </a:fld>
             <a:endParaRPr lang="en-US"/>
           </a:p>
@@ -1655,7 +1959,7 @@
           <a:p>
             <a:fld id="{1E35C675-4B70-4FAD-82BC-E9D8AFD74D09}" type="datetime1">
               <a:rPr lang="en-US" smtClean="0"/>
-              <a:t>4/20/2025</a:t>
+              <a:t>4/25/2025</a:t>
             </a:fld>
             <a:endParaRPr lang="en-US"/>
           </a:p>
@@ -2034,7 +2338,7 @@
           <a:p>
             <a:fld id="{99D91857-FDA5-4EF9-B52B-AA34335BA287}" type="datetime1">
               <a:rPr lang="en-US" smtClean="0"/>
-              <a:t>4/20/2025</a:t>
+              <a:t>4/25/2025</a:t>
             </a:fld>
             <a:endParaRPr lang="en-US"/>
           </a:p>
@@ -2164,7 +2468,7 @@
           <a:p>
             <a:fld id="{0AD11B25-797C-47C0-A7EA-A6DEC96A9709}" type="datetime1">
               <a:rPr lang="en-US" smtClean="0"/>
-              <a:t>4/20/2025</a:t>
+              <a:t>4/25/2025</a:t>
             </a:fld>
             <a:endParaRPr lang="en-US"/>
           </a:p>
@@ -2271,7 +2575,7 @@
           <a:p>
             <a:fld id="{BDBD137E-0A34-4EFC-A9A7-74D6E60BEE70}" type="datetime1">
               <a:rPr lang="en-US" smtClean="0"/>
-              <a:t>4/20/2025</a:t>
+              <a:t>4/25/2025</a:t>
             </a:fld>
             <a:endParaRPr lang="en-US"/>
           </a:p>
@@ -2560,7 +2864,7 @@
           <a:p>
             <a:fld id="{EFF69349-0618-48D6-A2C6-ECBD60F79830}" type="datetime1">
               <a:rPr lang="en-US" smtClean="0"/>
-              <a:t>4/20/2025</a:t>
+              <a:t>4/25/2025</a:t>
             </a:fld>
             <a:endParaRPr lang="en-US"/>
           </a:p>
@@ -2829,7 +3133,7 @@
           <a:p>
             <a:fld id="{2175AC27-E49B-406D-82D9-B6CA87A797E6}" type="datetime1">
               <a:rPr lang="en-US" smtClean="0"/>
-              <a:t>4/20/2025</a:t>
+              <a:t>4/25/2025</a:t>
             </a:fld>
             <a:endParaRPr lang="en-US"/>
           </a:p>
@@ -3054,7 +3358,7 @@
           <a:p>
             <a:fld id="{8B08FAAC-5FBE-4E76-BDBE-125B893C3408}" type="datetime1">
               <a:rPr lang="en-US" smtClean="0"/>
-              <a:t>4/20/2025</a:t>
+              <a:t>4/25/2025</a:t>
             </a:fld>
             <a:endParaRPr lang="en-US"/>
           </a:p>
@@ -3463,6 +3767,2922 @@
         <p:cNvPr id="1" name="">
           <a:extLst>
             <a:ext uri="{FF2B5EF4-FFF2-40B4-BE49-F238E27FC236}">
+              <a16:creationId xmlns:a16="http://schemas.microsoft.com/office/drawing/2014/main" id="{9835B0C0-B87F-5A49-3187-58B768180362}"/>
+            </a:ext>
+          </a:extLst>
+        </p:cNvPr>
+        <p:cNvGrpSpPr/>
+        <p:nvPr/>
+      </p:nvGrpSpPr>
+      <p:grpSpPr>
+        <a:xfrm>
+          <a:off x="0" y="0"/>
+          <a:ext cx="0" cy="0"/>
+          <a:chOff x="0" y="0"/>
+          <a:chExt cx="0" cy="0"/>
+        </a:xfrm>
+      </p:grpSpPr>
+      <p:sp>
+        <p:nvSpPr>
+          <p:cNvPr id="21" name="Slide Number Placeholder 20">
+            <a:extLst>
+              <a:ext uri="{FF2B5EF4-FFF2-40B4-BE49-F238E27FC236}">
+                <a16:creationId xmlns:a16="http://schemas.microsoft.com/office/drawing/2014/main" id="{DBFF2DC9-1B5E-B4CC-BD97-5FFB5D445F07}"/>
+              </a:ext>
+            </a:extLst>
+          </p:cNvPr>
+          <p:cNvSpPr>
+            <a:spLocks noGrp="1"/>
+          </p:cNvSpPr>
+          <p:nvPr>
+            <p:ph type="sldNum" sz="quarter" idx="12"/>
+          </p:nvPr>
+        </p:nvSpPr>
+        <p:spPr/>
+        <p:txBody>
+          <a:bodyPr/>
+          <a:lstStyle/>
+          <a:p>
+            <a:fld id="{7A78D7CD-E273-4158-B1CA-59F0920772DC}" type="slidenum">
+              <a:rPr lang="en-US" smtClean="0"/>
+              <a:t>1</a:t>
+            </a:fld>
+            <a:endParaRPr lang="en-US"/>
+          </a:p>
+        </p:txBody>
+      </p:sp>
+      <p:sp>
+        <p:nvSpPr>
+          <p:cNvPr id="18" name="Oval 17">
+            <a:extLst>
+              <a:ext uri="{FF2B5EF4-FFF2-40B4-BE49-F238E27FC236}">
+                <a16:creationId xmlns:a16="http://schemas.microsoft.com/office/drawing/2014/main" id="{078F32E5-D97B-4578-F161-23710B767D26}"/>
+              </a:ext>
+            </a:extLst>
+          </p:cNvPr>
+          <p:cNvSpPr/>
+          <p:nvPr/>
+        </p:nvSpPr>
+        <p:spPr>
+          <a:xfrm>
+            <a:off x="5365894" y="1994760"/>
+            <a:ext cx="914400" cy="914400"/>
+          </a:xfrm>
+          <a:prstGeom prst="ellipse">
+            <a:avLst/>
+          </a:prstGeom>
+          <a:noFill/>
+          <a:ln w="28575" cap="flat" cmpd="sng" algn="ctr">
+            <a:solidFill>
+              <a:schemeClr val="accent1"/>
+            </a:solidFill>
+            <a:prstDash val="solid"/>
+            <a:round/>
+            <a:headEnd type="none" w="med" len="med"/>
+            <a:tailEnd type="none" w="med" len="med"/>
+          </a:ln>
+        </p:spPr>
+        <p:style>
+          <a:lnRef idx="0">
+            <a:scrgbClr r="0" g="0" b="0"/>
+          </a:lnRef>
+          <a:fillRef idx="0">
+            <a:scrgbClr r="0" g="0" b="0"/>
+          </a:fillRef>
+          <a:effectRef idx="0">
+            <a:scrgbClr r="0" g="0" b="0"/>
+          </a:effectRef>
+          <a:fontRef idx="minor">
+            <a:schemeClr val="accent1"/>
+          </a:fontRef>
+        </p:style>
+        <p:txBody>
+          <a:bodyPr lIns="0" tIns="0" rIns="0" bIns="0" rtlCol="0" anchor="ctr"/>
+          <a:lstStyle/>
+          <a:p>
+            <a:pPr algn="ctr"/>
+            <a:r>
+              <a:rPr lang="en-US">
+                <a:solidFill>
+                  <a:schemeClr val="tx1"/>
+                </a:solidFill>
+              </a:rPr>
+              <a:t>A</a:t>
+            </a:r>
+          </a:p>
+        </p:txBody>
+      </p:sp>
+      <p:sp>
+        <p:nvSpPr>
+          <p:cNvPr id="2" name="Oval 1">
+            <a:extLst>
+              <a:ext uri="{FF2B5EF4-FFF2-40B4-BE49-F238E27FC236}">
+                <a16:creationId xmlns:a16="http://schemas.microsoft.com/office/drawing/2014/main" id="{265D6951-3CBA-5845-5BB9-EE2B877608BF}"/>
+              </a:ext>
+            </a:extLst>
+          </p:cNvPr>
+          <p:cNvSpPr/>
+          <p:nvPr/>
+        </p:nvSpPr>
+        <p:spPr>
+          <a:xfrm>
+            <a:off x="4445750" y="2909160"/>
+            <a:ext cx="914400" cy="914400"/>
+          </a:xfrm>
+          <a:prstGeom prst="ellipse">
+            <a:avLst/>
+          </a:prstGeom>
+          <a:noFill/>
+          <a:ln w="28575" cap="flat" cmpd="sng" algn="ctr">
+            <a:solidFill>
+              <a:schemeClr val="accent1"/>
+            </a:solidFill>
+            <a:prstDash val="solid"/>
+            <a:round/>
+            <a:headEnd type="none" w="med" len="med"/>
+            <a:tailEnd type="none" w="med" len="med"/>
+          </a:ln>
+        </p:spPr>
+        <p:style>
+          <a:lnRef idx="0">
+            <a:scrgbClr r="0" g="0" b="0"/>
+          </a:lnRef>
+          <a:fillRef idx="0">
+            <a:scrgbClr r="0" g="0" b="0"/>
+          </a:fillRef>
+          <a:effectRef idx="0">
+            <a:scrgbClr r="0" g="0" b="0"/>
+          </a:effectRef>
+          <a:fontRef idx="minor">
+            <a:schemeClr val="accent1"/>
+          </a:fontRef>
+        </p:style>
+        <p:txBody>
+          <a:bodyPr lIns="0" tIns="0" rIns="0" bIns="0" rtlCol="0" anchor="ctr"/>
+          <a:lstStyle/>
+          <a:p>
+            <a:pPr algn="ctr"/>
+            <a:r>
+              <a:rPr lang="en-US">
+                <a:solidFill>
+                  <a:schemeClr val="tx1"/>
+                </a:solidFill>
+              </a:rPr>
+              <a:t>B</a:t>
+            </a:r>
+          </a:p>
+        </p:txBody>
+      </p:sp>
+      <p:cxnSp>
+        <p:nvCxnSpPr>
+          <p:cNvPr id="8" name="Straight Arrow Connector 7">
+            <a:extLst>
+              <a:ext uri="{FF2B5EF4-FFF2-40B4-BE49-F238E27FC236}">
+                <a16:creationId xmlns:a16="http://schemas.microsoft.com/office/drawing/2014/main" id="{7237952E-A9DA-9AA4-1449-10E5048FF8A4}"/>
+              </a:ext>
+            </a:extLst>
+          </p:cNvPr>
+          <p:cNvCxnSpPr>
+            <a:cxnSpLocks/>
+            <a:stCxn id="18" idx="3"/>
+            <a:endCxn id="2" idx="7"/>
+          </p:cNvCxnSpPr>
+          <p:nvPr/>
+        </p:nvCxnSpPr>
+        <p:spPr>
+          <a:xfrm flipH="1">
+            <a:off x="5226239" y="2775249"/>
+            <a:ext cx="273566" cy="267822"/>
+          </a:xfrm>
+          <a:prstGeom prst="straightConnector1">
+            <a:avLst/>
+          </a:prstGeom>
+          <a:ln w="28575">
+            <a:solidFill>
+              <a:schemeClr val="accent4"/>
+            </a:solidFill>
+            <a:tailEnd type="triangle"/>
+          </a:ln>
+        </p:spPr>
+        <p:style>
+          <a:lnRef idx="2">
+            <a:schemeClr val="accent1"/>
+          </a:lnRef>
+          <a:fillRef idx="0">
+            <a:schemeClr val="accent1"/>
+          </a:fillRef>
+          <a:effectRef idx="1">
+            <a:schemeClr val="accent1"/>
+          </a:effectRef>
+          <a:fontRef idx="minor">
+            <a:schemeClr val="tx1"/>
+          </a:fontRef>
+        </p:style>
+      </p:cxnSp>
+      <p:sp>
+        <p:nvSpPr>
+          <p:cNvPr id="24" name="Oval 23">
+            <a:extLst>
+              <a:ext uri="{FF2B5EF4-FFF2-40B4-BE49-F238E27FC236}">
+                <a16:creationId xmlns:a16="http://schemas.microsoft.com/office/drawing/2014/main" id="{38928BFB-9AAB-3249-6288-C370C5D3B83F}"/>
+              </a:ext>
+            </a:extLst>
+          </p:cNvPr>
+          <p:cNvSpPr/>
+          <p:nvPr/>
+        </p:nvSpPr>
+        <p:spPr>
+          <a:xfrm>
+            <a:off x="5365894" y="3823560"/>
+            <a:ext cx="914400" cy="914400"/>
+          </a:xfrm>
+          <a:prstGeom prst="ellipse">
+            <a:avLst/>
+          </a:prstGeom>
+          <a:noFill/>
+          <a:ln w="28575" cap="flat" cmpd="sng" algn="ctr">
+            <a:solidFill>
+              <a:schemeClr val="accent1"/>
+            </a:solidFill>
+            <a:prstDash val="solid"/>
+            <a:round/>
+            <a:headEnd type="none" w="med" len="med"/>
+            <a:tailEnd type="none" w="med" len="med"/>
+          </a:ln>
+        </p:spPr>
+        <p:style>
+          <a:lnRef idx="0">
+            <a:scrgbClr r="0" g="0" b="0"/>
+          </a:lnRef>
+          <a:fillRef idx="0">
+            <a:scrgbClr r="0" g="0" b="0"/>
+          </a:fillRef>
+          <a:effectRef idx="0">
+            <a:scrgbClr r="0" g="0" b="0"/>
+          </a:effectRef>
+          <a:fontRef idx="minor">
+            <a:schemeClr val="accent1"/>
+          </a:fontRef>
+        </p:style>
+        <p:txBody>
+          <a:bodyPr lIns="0" tIns="0" rIns="0" bIns="0" rtlCol="0" anchor="ctr"/>
+          <a:lstStyle/>
+          <a:p>
+            <a:pPr algn="ctr"/>
+            <a:r>
+              <a:rPr lang="en-US">
+                <a:solidFill>
+                  <a:schemeClr val="tx1"/>
+                </a:solidFill>
+              </a:rPr>
+              <a:t>E</a:t>
+            </a:r>
+          </a:p>
+        </p:txBody>
+      </p:sp>
+      <p:cxnSp>
+        <p:nvCxnSpPr>
+          <p:cNvPr id="25" name="Straight Arrow Connector 24">
+            <a:extLst>
+              <a:ext uri="{FF2B5EF4-FFF2-40B4-BE49-F238E27FC236}">
+                <a16:creationId xmlns:a16="http://schemas.microsoft.com/office/drawing/2014/main" id="{60348707-2C88-0D35-12C0-AC7F0226DD75}"/>
+              </a:ext>
+            </a:extLst>
+          </p:cNvPr>
+          <p:cNvCxnSpPr>
+            <a:cxnSpLocks/>
+            <a:stCxn id="2" idx="5"/>
+            <a:endCxn id="24" idx="1"/>
+          </p:cNvCxnSpPr>
+          <p:nvPr/>
+        </p:nvCxnSpPr>
+        <p:spPr>
+          <a:xfrm>
+            <a:off x="5226239" y="3689649"/>
+            <a:ext cx="273566" cy="267822"/>
+          </a:xfrm>
+          <a:prstGeom prst="straightConnector1">
+            <a:avLst/>
+          </a:prstGeom>
+          <a:ln w="28575">
+            <a:solidFill>
+              <a:schemeClr val="accent4"/>
+            </a:solidFill>
+            <a:tailEnd type="triangle"/>
+          </a:ln>
+        </p:spPr>
+        <p:style>
+          <a:lnRef idx="2">
+            <a:schemeClr val="accent1"/>
+          </a:lnRef>
+          <a:fillRef idx="0">
+            <a:schemeClr val="accent1"/>
+          </a:fillRef>
+          <a:effectRef idx="1">
+            <a:schemeClr val="accent1"/>
+          </a:effectRef>
+          <a:fontRef idx="minor">
+            <a:schemeClr val="tx1"/>
+          </a:fontRef>
+        </p:style>
+      </p:cxnSp>
+      <p:sp>
+        <p:nvSpPr>
+          <p:cNvPr id="28" name="Oval 27">
+            <a:extLst>
+              <a:ext uri="{FF2B5EF4-FFF2-40B4-BE49-F238E27FC236}">
+                <a16:creationId xmlns:a16="http://schemas.microsoft.com/office/drawing/2014/main" id="{81D07999-B0A9-C8FA-40F4-4AB12DAD693A}"/>
+              </a:ext>
+            </a:extLst>
+          </p:cNvPr>
+          <p:cNvSpPr/>
+          <p:nvPr/>
+        </p:nvSpPr>
+        <p:spPr>
+          <a:xfrm>
+            <a:off x="3528478" y="3823560"/>
+            <a:ext cx="914400" cy="914400"/>
+          </a:xfrm>
+          <a:prstGeom prst="ellipse">
+            <a:avLst/>
+          </a:prstGeom>
+          <a:noFill/>
+          <a:ln w="28575" cap="flat" cmpd="sng" algn="ctr">
+            <a:solidFill>
+              <a:schemeClr val="accent1"/>
+            </a:solidFill>
+            <a:prstDash val="solid"/>
+            <a:round/>
+            <a:headEnd type="none" w="med" len="med"/>
+            <a:tailEnd type="none" w="med" len="med"/>
+          </a:ln>
+        </p:spPr>
+        <p:style>
+          <a:lnRef idx="0">
+            <a:scrgbClr r="0" g="0" b="0"/>
+          </a:lnRef>
+          <a:fillRef idx="0">
+            <a:scrgbClr r="0" g="0" b="0"/>
+          </a:fillRef>
+          <a:effectRef idx="0">
+            <a:scrgbClr r="0" g="0" b="0"/>
+          </a:effectRef>
+          <a:fontRef idx="minor">
+            <a:schemeClr val="accent1"/>
+          </a:fontRef>
+        </p:style>
+        <p:txBody>
+          <a:bodyPr lIns="0" tIns="0" rIns="0" bIns="0" rtlCol="0" anchor="ctr"/>
+          <a:lstStyle/>
+          <a:p>
+            <a:pPr algn="ctr"/>
+            <a:r>
+              <a:rPr lang="en-US">
+                <a:solidFill>
+                  <a:schemeClr val="tx1"/>
+                </a:solidFill>
+              </a:rPr>
+              <a:t>D</a:t>
+            </a:r>
+          </a:p>
+        </p:txBody>
+      </p:sp>
+      <p:cxnSp>
+        <p:nvCxnSpPr>
+          <p:cNvPr id="29" name="Straight Arrow Connector 28">
+            <a:extLst>
+              <a:ext uri="{FF2B5EF4-FFF2-40B4-BE49-F238E27FC236}">
+                <a16:creationId xmlns:a16="http://schemas.microsoft.com/office/drawing/2014/main" id="{A9AD7A36-3AF9-418F-467F-53EE0F731861}"/>
+              </a:ext>
+            </a:extLst>
+          </p:cNvPr>
+          <p:cNvCxnSpPr>
+            <a:cxnSpLocks/>
+            <a:stCxn id="2" idx="3"/>
+            <a:endCxn id="28" idx="7"/>
+          </p:cNvCxnSpPr>
+          <p:nvPr/>
+        </p:nvCxnSpPr>
+        <p:spPr>
+          <a:xfrm flipH="1">
+            <a:off x="4308967" y="3689649"/>
+            <a:ext cx="270694" cy="267822"/>
+          </a:xfrm>
+          <a:prstGeom prst="straightConnector1">
+            <a:avLst/>
+          </a:prstGeom>
+          <a:ln w="28575">
+            <a:solidFill>
+              <a:schemeClr val="accent4"/>
+            </a:solidFill>
+            <a:tailEnd type="triangle"/>
+          </a:ln>
+        </p:spPr>
+        <p:style>
+          <a:lnRef idx="2">
+            <a:schemeClr val="accent1"/>
+          </a:lnRef>
+          <a:fillRef idx="0">
+            <a:schemeClr val="accent1"/>
+          </a:fillRef>
+          <a:effectRef idx="1">
+            <a:schemeClr val="accent1"/>
+          </a:effectRef>
+          <a:fontRef idx="minor">
+            <a:schemeClr val="tx1"/>
+          </a:fontRef>
+        </p:style>
+      </p:cxnSp>
+      <p:sp>
+        <p:nvSpPr>
+          <p:cNvPr id="32" name="Oval 31">
+            <a:extLst>
+              <a:ext uri="{FF2B5EF4-FFF2-40B4-BE49-F238E27FC236}">
+                <a16:creationId xmlns:a16="http://schemas.microsoft.com/office/drawing/2014/main" id="{1D53A56D-AB90-D5AC-240F-D054D9D8C9AA}"/>
+              </a:ext>
+            </a:extLst>
+          </p:cNvPr>
+          <p:cNvSpPr/>
+          <p:nvPr/>
+        </p:nvSpPr>
+        <p:spPr>
+          <a:xfrm>
+            <a:off x="6280294" y="2909160"/>
+            <a:ext cx="914400" cy="914400"/>
+          </a:xfrm>
+          <a:prstGeom prst="ellipse">
+            <a:avLst/>
+          </a:prstGeom>
+          <a:noFill/>
+          <a:ln w="28575" cap="flat" cmpd="sng" algn="ctr">
+            <a:solidFill>
+              <a:schemeClr val="accent1"/>
+            </a:solidFill>
+            <a:prstDash val="solid"/>
+            <a:round/>
+            <a:headEnd type="none" w="med" len="med"/>
+            <a:tailEnd type="none" w="med" len="med"/>
+          </a:ln>
+        </p:spPr>
+        <p:style>
+          <a:lnRef idx="0">
+            <a:scrgbClr r="0" g="0" b="0"/>
+          </a:lnRef>
+          <a:fillRef idx="0">
+            <a:scrgbClr r="0" g="0" b="0"/>
+          </a:fillRef>
+          <a:effectRef idx="0">
+            <a:scrgbClr r="0" g="0" b="0"/>
+          </a:effectRef>
+          <a:fontRef idx="minor">
+            <a:schemeClr val="accent1"/>
+          </a:fontRef>
+        </p:style>
+        <p:txBody>
+          <a:bodyPr lIns="0" tIns="0" rIns="0" bIns="0" rtlCol="0" anchor="ctr"/>
+          <a:lstStyle/>
+          <a:p>
+            <a:pPr algn="ctr"/>
+            <a:r>
+              <a:rPr lang="en-US">
+                <a:solidFill>
+                  <a:schemeClr val="tx1"/>
+                </a:solidFill>
+              </a:rPr>
+              <a:t>C</a:t>
+            </a:r>
+          </a:p>
+        </p:txBody>
+      </p:sp>
+      <p:cxnSp>
+        <p:nvCxnSpPr>
+          <p:cNvPr id="33" name="Straight Arrow Connector 32">
+            <a:extLst>
+              <a:ext uri="{FF2B5EF4-FFF2-40B4-BE49-F238E27FC236}">
+                <a16:creationId xmlns:a16="http://schemas.microsoft.com/office/drawing/2014/main" id="{C67473D8-CB5D-4B7E-8DEB-7438DD875A9F}"/>
+              </a:ext>
+            </a:extLst>
+          </p:cNvPr>
+          <p:cNvCxnSpPr>
+            <a:cxnSpLocks/>
+            <a:stCxn id="18" idx="5"/>
+            <a:endCxn id="32" idx="1"/>
+          </p:cNvCxnSpPr>
+          <p:nvPr/>
+        </p:nvCxnSpPr>
+        <p:spPr>
+          <a:xfrm>
+            <a:off x="6146383" y="2775249"/>
+            <a:ext cx="267822" cy="267822"/>
+          </a:xfrm>
+          <a:prstGeom prst="straightConnector1">
+            <a:avLst/>
+          </a:prstGeom>
+          <a:ln w="28575">
+            <a:solidFill>
+              <a:schemeClr val="accent4"/>
+            </a:solidFill>
+            <a:tailEnd type="triangle"/>
+          </a:ln>
+        </p:spPr>
+        <p:style>
+          <a:lnRef idx="2">
+            <a:schemeClr val="accent1"/>
+          </a:lnRef>
+          <a:fillRef idx="0">
+            <a:schemeClr val="accent1"/>
+          </a:fillRef>
+          <a:effectRef idx="1">
+            <a:schemeClr val="accent1"/>
+          </a:effectRef>
+          <a:fontRef idx="minor">
+            <a:schemeClr val="tx1"/>
+          </a:fontRef>
+        </p:style>
+      </p:cxnSp>
+      <p:sp>
+        <p:nvSpPr>
+          <p:cNvPr id="47" name="Arrow: Left 46">
+            <a:extLst>
+              <a:ext uri="{FF2B5EF4-FFF2-40B4-BE49-F238E27FC236}">
+                <a16:creationId xmlns:a16="http://schemas.microsoft.com/office/drawing/2014/main" id="{D02ED90F-A828-0E07-AD7A-93184AA13922}"/>
+              </a:ext>
+            </a:extLst>
+          </p:cNvPr>
+          <p:cNvSpPr/>
+          <p:nvPr/>
+        </p:nvSpPr>
+        <p:spPr>
+          <a:xfrm>
+            <a:off x="6459141" y="2199134"/>
+            <a:ext cx="978408" cy="484632"/>
+          </a:xfrm>
+          <a:prstGeom prst="leftArrow">
+            <a:avLst/>
+          </a:prstGeom>
+        </p:spPr>
+        <p:style>
+          <a:lnRef idx="2">
+            <a:schemeClr val="accent1">
+              <a:shade val="15000"/>
+            </a:schemeClr>
+          </a:lnRef>
+          <a:fillRef idx="1">
+            <a:schemeClr val="accent1"/>
+          </a:fillRef>
+          <a:effectRef idx="0">
+            <a:schemeClr val="accent1"/>
+          </a:effectRef>
+          <a:fontRef idx="minor">
+            <a:schemeClr val="lt1"/>
+          </a:fontRef>
+        </p:style>
+        <p:txBody>
+          <a:bodyPr rtlCol="0" anchor="ctr"/>
+          <a:lstStyle/>
+          <a:p>
+            <a:pPr algn="ctr"/>
+            <a:endParaRPr lang="en-US"/>
+          </a:p>
+        </p:txBody>
+      </p:sp>
+      <p:sp>
+        <p:nvSpPr>
+          <p:cNvPr id="48" name="TextBox 47">
+            <a:extLst>
+              <a:ext uri="{FF2B5EF4-FFF2-40B4-BE49-F238E27FC236}">
+                <a16:creationId xmlns:a16="http://schemas.microsoft.com/office/drawing/2014/main" id="{61AE807A-E74A-572E-BE5C-DB4F563612D4}"/>
+              </a:ext>
+            </a:extLst>
+          </p:cNvPr>
+          <p:cNvSpPr txBox="1"/>
+          <p:nvPr/>
+        </p:nvSpPr>
+        <p:spPr>
+          <a:xfrm>
+            <a:off x="7539456" y="2256784"/>
+            <a:ext cx="1074333" cy="369332"/>
+          </a:xfrm>
+          <a:prstGeom prst="rect">
+            <a:avLst/>
+          </a:prstGeom>
+          <a:noFill/>
+        </p:spPr>
+        <p:txBody>
+          <a:bodyPr wrap="none" rtlCol="0">
+            <a:spAutoFit/>
+          </a:bodyPr>
+          <a:lstStyle/>
+          <a:p>
+            <a:r>
+              <a:rPr lang="en-US"/>
+              <a:t>Height: 2</a:t>
+            </a:r>
+          </a:p>
+        </p:txBody>
+      </p:sp>
+      <p:sp>
+        <p:nvSpPr>
+          <p:cNvPr id="49" name="Arrow: Left 48">
+            <a:extLst>
+              <a:ext uri="{FF2B5EF4-FFF2-40B4-BE49-F238E27FC236}">
+                <a16:creationId xmlns:a16="http://schemas.microsoft.com/office/drawing/2014/main" id="{95C198BD-9515-9C80-9556-8CC7DF9106A7}"/>
+              </a:ext>
+            </a:extLst>
+          </p:cNvPr>
+          <p:cNvSpPr/>
+          <p:nvPr/>
+        </p:nvSpPr>
+        <p:spPr>
+          <a:xfrm>
+            <a:off x="7391665" y="3119848"/>
+            <a:ext cx="978408" cy="484632"/>
+          </a:xfrm>
+          <a:prstGeom prst="leftArrow">
+            <a:avLst/>
+          </a:prstGeom>
+        </p:spPr>
+        <p:style>
+          <a:lnRef idx="2">
+            <a:schemeClr val="accent1">
+              <a:shade val="15000"/>
+            </a:schemeClr>
+          </a:lnRef>
+          <a:fillRef idx="1">
+            <a:schemeClr val="accent1"/>
+          </a:fillRef>
+          <a:effectRef idx="0">
+            <a:schemeClr val="accent1"/>
+          </a:effectRef>
+          <a:fontRef idx="minor">
+            <a:schemeClr val="lt1"/>
+          </a:fontRef>
+        </p:style>
+        <p:txBody>
+          <a:bodyPr rtlCol="0" anchor="ctr"/>
+          <a:lstStyle/>
+          <a:p>
+            <a:pPr algn="ctr"/>
+            <a:endParaRPr lang="en-US"/>
+          </a:p>
+        </p:txBody>
+      </p:sp>
+      <p:sp>
+        <p:nvSpPr>
+          <p:cNvPr id="51" name="TextBox 50">
+            <a:extLst>
+              <a:ext uri="{FF2B5EF4-FFF2-40B4-BE49-F238E27FC236}">
+                <a16:creationId xmlns:a16="http://schemas.microsoft.com/office/drawing/2014/main" id="{8E433EBB-AE0C-FD6D-3D82-C2E8D08F9E9A}"/>
+              </a:ext>
+            </a:extLst>
+          </p:cNvPr>
+          <p:cNvSpPr txBox="1"/>
+          <p:nvPr/>
+        </p:nvSpPr>
+        <p:spPr>
+          <a:xfrm>
+            <a:off x="8471980" y="3177498"/>
+            <a:ext cx="1074333" cy="369332"/>
+          </a:xfrm>
+          <a:prstGeom prst="rect">
+            <a:avLst/>
+          </a:prstGeom>
+          <a:noFill/>
+        </p:spPr>
+        <p:txBody>
+          <a:bodyPr wrap="none" rtlCol="0">
+            <a:spAutoFit/>
+          </a:bodyPr>
+          <a:lstStyle/>
+          <a:p>
+            <a:r>
+              <a:rPr lang="en-US"/>
+              <a:t>Height: 0</a:t>
+            </a:r>
+          </a:p>
+        </p:txBody>
+      </p:sp>
+      <p:sp>
+        <p:nvSpPr>
+          <p:cNvPr id="52" name="Arrow: Right 51">
+            <a:extLst>
+              <a:ext uri="{FF2B5EF4-FFF2-40B4-BE49-F238E27FC236}">
+                <a16:creationId xmlns:a16="http://schemas.microsoft.com/office/drawing/2014/main" id="{07667E85-A3C5-2DDF-0A58-27D0950D51E5}"/>
+              </a:ext>
+            </a:extLst>
+          </p:cNvPr>
+          <p:cNvSpPr/>
+          <p:nvPr/>
+        </p:nvSpPr>
+        <p:spPr>
+          <a:xfrm>
+            <a:off x="3270371" y="3119848"/>
+            <a:ext cx="978408" cy="484632"/>
+          </a:xfrm>
+          <a:prstGeom prst="rightArrow">
+            <a:avLst/>
+          </a:prstGeom>
+        </p:spPr>
+        <p:style>
+          <a:lnRef idx="2">
+            <a:schemeClr val="accent1">
+              <a:shade val="15000"/>
+            </a:schemeClr>
+          </a:lnRef>
+          <a:fillRef idx="1">
+            <a:schemeClr val="accent1"/>
+          </a:fillRef>
+          <a:effectRef idx="0">
+            <a:schemeClr val="accent1"/>
+          </a:effectRef>
+          <a:fontRef idx="minor">
+            <a:schemeClr val="lt1"/>
+          </a:fontRef>
+        </p:style>
+        <p:txBody>
+          <a:bodyPr rtlCol="0" anchor="ctr"/>
+          <a:lstStyle/>
+          <a:p>
+            <a:pPr algn="ctr"/>
+            <a:endParaRPr lang="en-US"/>
+          </a:p>
+        </p:txBody>
+      </p:sp>
+      <p:sp>
+        <p:nvSpPr>
+          <p:cNvPr id="53" name="TextBox 52">
+            <a:extLst>
+              <a:ext uri="{FF2B5EF4-FFF2-40B4-BE49-F238E27FC236}">
+                <a16:creationId xmlns:a16="http://schemas.microsoft.com/office/drawing/2014/main" id="{FE00E86B-AF5A-7AB5-EA2C-54F2FD20BEC6}"/>
+              </a:ext>
+            </a:extLst>
+          </p:cNvPr>
+          <p:cNvSpPr txBox="1"/>
+          <p:nvPr/>
+        </p:nvSpPr>
+        <p:spPr>
+          <a:xfrm>
+            <a:off x="2094131" y="3177498"/>
+            <a:ext cx="1074333" cy="369332"/>
+          </a:xfrm>
+          <a:prstGeom prst="rect">
+            <a:avLst/>
+          </a:prstGeom>
+          <a:noFill/>
+        </p:spPr>
+        <p:txBody>
+          <a:bodyPr wrap="none" rtlCol="0">
+            <a:spAutoFit/>
+          </a:bodyPr>
+          <a:lstStyle/>
+          <a:p>
+            <a:r>
+              <a:rPr lang="en-US"/>
+              <a:t>Height: 1</a:t>
+            </a:r>
+          </a:p>
+        </p:txBody>
+      </p:sp>
+      <p:sp>
+        <p:nvSpPr>
+          <p:cNvPr id="54" name="Arrow: Right 53">
+            <a:extLst>
+              <a:ext uri="{FF2B5EF4-FFF2-40B4-BE49-F238E27FC236}">
+                <a16:creationId xmlns:a16="http://schemas.microsoft.com/office/drawing/2014/main" id="{26065D84-5783-75C1-026B-A3482EB56EA1}"/>
+              </a:ext>
+            </a:extLst>
+          </p:cNvPr>
+          <p:cNvSpPr/>
+          <p:nvPr/>
+        </p:nvSpPr>
+        <p:spPr>
+          <a:xfrm>
+            <a:off x="2381327" y="4039504"/>
+            <a:ext cx="978408" cy="484632"/>
+          </a:xfrm>
+          <a:prstGeom prst="rightArrow">
+            <a:avLst/>
+          </a:prstGeom>
+        </p:spPr>
+        <p:style>
+          <a:lnRef idx="2">
+            <a:schemeClr val="accent1">
+              <a:shade val="15000"/>
+            </a:schemeClr>
+          </a:lnRef>
+          <a:fillRef idx="1">
+            <a:schemeClr val="accent1"/>
+          </a:fillRef>
+          <a:effectRef idx="0">
+            <a:schemeClr val="accent1"/>
+          </a:effectRef>
+          <a:fontRef idx="minor">
+            <a:schemeClr val="lt1"/>
+          </a:fontRef>
+        </p:style>
+        <p:txBody>
+          <a:bodyPr rtlCol="0" anchor="ctr"/>
+          <a:lstStyle/>
+          <a:p>
+            <a:pPr algn="ctr"/>
+            <a:endParaRPr lang="en-US"/>
+          </a:p>
+        </p:txBody>
+      </p:sp>
+      <p:sp>
+        <p:nvSpPr>
+          <p:cNvPr id="55" name="TextBox 54">
+            <a:extLst>
+              <a:ext uri="{FF2B5EF4-FFF2-40B4-BE49-F238E27FC236}">
+                <a16:creationId xmlns:a16="http://schemas.microsoft.com/office/drawing/2014/main" id="{37F3CC83-3B65-D3E3-1AC5-F93B9312FBD0}"/>
+              </a:ext>
+            </a:extLst>
+          </p:cNvPr>
+          <p:cNvSpPr txBox="1"/>
+          <p:nvPr/>
+        </p:nvSpPr>
+        <p:spPr>
+          <a:xfrm>
+            <a:off x="1205087" y="4097154"/>
+            <a:ext cx="1074333" cy="369332"/>
+          </a:xfrm>
+          <a:prstGeom prst="rect">
+            <a:avLst/>
+          </a:prstGeom>
+          <a:noFill/>
+        </p:spPr>
+        <p:txBody>
+          <a:bodyPr wrap="none" rtlCol="0">
+            <a:spAutoFit/>
+          </a:bodyPr>
+          <a:lstStyle/>
+          <a:p>
+            <a:r>
+              <a:rPr lang="en-US"/>
+              <a:t>Height: 0</a:t>
+            </a:r>
+          </a:p>
+        </p:txBody>
+      </p:sp>
+      <p:sp>
+        <p:nvSpPr>
+          <p:cNvPr id="56" name="Arrow: Left 55">
+            <a:extLst>
+              <a:ext uri="{FF2B5EF4-FFF2-40B4-BE49-F238E27FC236}">
+                <a16:creationId xmlns:a16="http://schemas.microsoft.com/office/drawing/2014/main" id="{BCE768A4-B090-0BE2-6FE2-EE7B462C3303}"/>
+              </a:ext>
+            </a:extLst>
+          </p:cNvPr>
+          <p:cNvSpPr/>
+          <p:nvPr/>
+        </p:nvSpPr>
+        <p:spPr>
+          <a:xfrm>
+            <a:off x="6414205" y="4039504"/>
+            <a:ext cx="978408" cy="484632"/>
+          </a:xfrm>
+          <a:prstGeom prst="leftArrow">
+            <a:avLst/>
+          </a:prstGeom>
+        </p:spPr>
+        <p:style>
+          <a:lnRef idx="2">
+            <a:schemeClr val="accent1">
+              <a:shade val="15000"/>
+            </a:schemeClr>
+          </a:lnRef>
+          <a:fillRef idx="1">
+            <a:schemeClr val="accent1"/>
+          </a:fillRef>
+          <a:effectRef idx="0">
+            <a:schemeClr val="accent1"/>
+          </a:effectRef>
+          <a:fontRef idx="minor">
+            <a:schemeClr val="lt1"/>
+          </a:fontRef>
+        </p:style>
+        <p:txBody>
+          <a:bodyPr rtlCol="0" anchor="ctr"/>
+          <a:lstStyle/>
+          <a:p>
+            <a:pPr algn="ctr"/>
+            <a:endParaRPr lang="en-US"/>
+          </a:p>
+        </p:txBody>
+      </p:sp>
+      <p:sp>
+        <p:nvSpPr>
+          <p:cNvPr id="57" name="TextBox 56">
+            <a:extLst>
+              <a:ext uri="{FF2B5EF4-FFF2-40B4-BE49-F238E27FC236}">
+                <a16:creationId xmlns:a16="http://schemas.microsoft.com/office/drawing/2014/main" id="{FDFBA41D-C652-780B-8C8A-1296250E3679}"/>
+              </a:ext>
+            </a:extLst>
+          </p:cNvPr>
+          <p:cNvSpPr txBox="1"/>
+          <p:nvPr/>
+        </p:nvSpPr>
+        <p:spPr>
+          <a:xfrm>
+            <a:off x="7494520" y="4097154"/>
+            <a:ext cx="1074333" cy="369332"/>
+          </a:xfrm>
+          <a:prstGeom prst="rect">
+            <a:avLst/>
+          </a:prstGeom>
+          <a:noFill/>
+        </p:spPr>
+        <p:txBody>
+          <a:bodyPr wrap="none" rtlCol="0">
+            <a:spAutoFit/>
+          </a:bodyPr>
+          <a:lstStyle/>
+          <a:p>
+            <a:r>
+              <a:rPr lang="en-US"/>
+              <a:t>Height: 0</a:t>
+            </a:r>
+          </a:p>
+        </p:txBody>
+      </p:sp>
+      <p:sp>
+        <p:nvSpPr>
+          <p:cNvPr id="58" name="TextBox 57">
+            <a:extLst>
+              <a:ext uri="{FF2B5EF4-FFF2-40B4-BE49-F238E27FC236}">
+                <a16:creationId xmlns:a16="http://schemas.microsoft.com/office/drawing/2014/main" id="{1E524B1D-7504-C4FD-71E8-8895A0C185E4}"/>
+              </a:ext>
+            </a:extLst>
+          </p:cNvPr>
+          <p:cNvSpPr txBox="1"/>
+          <p:nvPr/>
+        </p:nvSpPr>
+        <p:spPr>
+          <a:xfrm>
+            <a:off x="1779777" y="2199134"/>
+            <a:ext cx="2663101" cy="523220"/>
+          </a:xfrm>
+          <a:prstGeom prst="rect">
+            <a:avLst/>
+          </a:prstGeom>
+          <a:noFill/>
+        </p:spPr>
+        <p:txBody>
+          <a:bodyPr wrap="none" rtlCol="0">
+            <a:spAutoFit/>
+          </a:bodyPr>
+          <a:lstStyle/>
+          <a:p>
+            <a:r>
+              <a:rPr lang="en-US" sz="2800"/>
+              <a:t>0-based heights</a:t>
+            </a:r>
+          </a:p>
+        </p:txBody>
+      </p:sp>
+    </p:spTree>
+    <p:extLst>
+      <p:ext uri="{BB962C8B-B14F-4D97-AF65-F5344CB8AC3E}">
+        <p14:creationId xmlns:p14="http://schemas.microsoft.com/office/powerpoint/2010/main" val="3693823364"/>
+      </p:ext>
+    </p:extLst>
+  </p:cSld>
+  <p:clrMapOvr>
+    <a:masterClrMapping/>
+  </p:clrMapOvr>
+  <mc:AlternateContent xmlns:mc="http://schemas.openxmlformats.org/markup-compatibility/2006">
+    <mc:Choice xmlns:p14="http://schemas.microsoft.com/office/powerpoint/2010/main" Requires="p14">
+      <p:transition p14:dur="0"/>
+    </mc:Choice>
+    <mc:Fallback>
+      <p:transition/>
+    </mc:Fallback>
+  </mc:AlternateContent>
+</p:sld>
+</file>
+
+<file path=ppt/slides/slide2.xml><?xml version="1.0" encoding="utf-8"?>
+<p:sld xmlns:a="http://schemas.openxmlformats.org/drawingml/2006/main" xmlns:r="http://schemas.openxmlformats.org/officeDocument/2006/relationships" xmlns:p="http://schemas.openxmlformats.org/presentationml/2006/main">
+  <p:cSld>
+    <p:spTree>
+      <p:nvGrpSpPr>
+        <p:cNvPr id="1" name="">
+          <a:extLst>
+            <a:ext uri="{FF2B5EF4-FFF2-40B4-BE49-F238E27FC236}">
+              <a16:creationId xmlns:a16="http://schemas.microsoft.com/office/drawing/2014/main" id="{032BF18E-67C3-6D9A-7533-9C0E77B832F6}"/>
+            </a:ext>
+          </a:extLst>
+        </p:cNvPr>
+        <p:cNvGrpSpPr/>
+        <p:nvPr/>
+      </p:nvGrpSpPr>
+      <p:grpSpPr>
+        <a:xfrm>
+          <a:off x="0" y="0"/>
+          <a:ext cx="0" cy="0"/>
+          <a:chOff x="0" y="0"/>
+          <a:chExt cx="0" cy="0"/>
+        </a:xfrm>
+      </p:grpSpPr>
+      <p:sp>
+        <p:nvSpPr>
+          <p:cNvPr id="21" name="Slide Number Placeholder 20">
+            <a:extLst>
+              <a:ext uri="{FF2B5EF4-FFF2-40B4-BE49-F238E27FC236}">
+                <a16:creationId xmlns:a16="http://schemas.microsoft.com/office/drawing/2014/main" id="{490ED2AD-257D-7578-1E9D-7116BEAB9AF9}"/>
+              </a:ext>
+            </a:extLst>
+          </p:cNvPr>
+          <p:cNvSpPr>
+            <a:spLocks noGrp="1"/>
+          </p:cNvSpPr>
+          <p:nvPr>
+            <p:ph type="sldNum" sz="quarter" idx="12"/>
+          </p:nvPr>
+        </p:nvSpPr>
+        <p:spPr/>
+        <p:txBody>
+          <a:bodyPr/>
+          <a:lstStyle/>
+          <a:p>
+            <a:fld id="{7A78D7CD-E273-4158-B1CA-59F0920772DC}" type="slidenum">
+              <a:rPr lang="en-US" smtClean="0"/>
+              <a:t>2</a:t>
+            </a:fld>
+            <a:endParaRPr lang="en-US"/>
+          </a:p>
+        </p:txBody>
+      </p:sp>
+      <p:sp>
+        <p:nvSpPr>
+          <p:cNvPr id="18" name="Oval 17">
+            <a:extLst>
+              <a:ext uri="{FF2B5EF4-FFF2-40B4-BE49-F238E27FC236}">
+                <a16:creationId xmlns:a16="http://schemas.microsoft.com/office/drawing/2014/main" id="{8ED8C649-1453-FC32-F0BC-16851DA94EAC}"/>
+              </a:ext>
+            </a:extLst>
+          </p:cNvPr>
+          <p:cNvSpPr/>
+          <p:nvPr/>
+        </p:nvSpPr>
+        <p:spPr>
+          <a:xfrm>
+            <a:off x="5365894" y="1994760"/>
+            <a:ext cx="914400" cy="914400"/>
+          </a:xfrm>
+          <a:prstGeom prst="ellipse">
+            <a:avLst/>
+          </a:prstGeom>
+          <a:noFill/>
+          <a:ln w="28575" cap="flat" cmpd="sng" algn="ctr">
+            <a:solidFill>
+              <a:schemeClr val="accent1"/>
+            </a:solidFill>
+            <a:prstDash val="solid"/>
+            <a:round/>
+            <a:headEnd type="none" w="med" len="med"/>
+            <a:tailEnd type="none" w="med" len="med"/>
+          </a:ln>
+        </p:spPr>
+        <p:style>
+          <a:lnRef idx="0">
+            <a:scrgbClr r="0" g="0" b="0"/>
+          </a:lnRef>
+          <a:fillRef idx="0">
+            <a:scrgbClr r="0" g="0" b="0"/>
+          </a:fillRef>
+          <a:effectRef idx="0">
+            <a:scrgbClr r="0" g="0" b="0"/>
+          </a:effectRef>
+          <a:fontRef idx="minor">
+            <a:schemeClr val="accent1"/>
+          </a:fontRef>
+        </p:style>
+        <p:txBody>
+          <a:bodyPr lIns="0" tIns="0" rIns="0" bIns="0" rtlCol="0" anchor="ctr"/>
+          <a:lstStyle/>
+          <a:p>
+            <a:pPr algn="ctr"/>
+            <a:r>
+              <a:rPr lang="en-US">
+                <a:solidFill>
+                  <a:schemeClr val="tx1"/>
+                </a:solidFill>
+              </a:rPr>
+              <a:t>A</a:t>
+            </a:r>
+          </a:p>
+        </p:txBody>
+      </p:sp>
+      <p:sp>
+        <p:nvSpPr>
+          <p:cNvPr id="2" name="Oval 1">
+            <a:extLst>
+              <a:ext uri="{FF2B5EF4-FFF2-40B4-BE49-F238E27FC236}">
+                <a16:creationId xmlns:a16="http://schemas.microsoft.com/office/drawing/2014/main" id="{F685FBAA-77DE-CE40-A85D-E4258D1F2B54}"/>
+              </a:ext>
+            </a:extLst>
+          </p:cNvPr>
+          <p:cNvSpPr/>
+          <p:nvPr/>
+        </p:nvSpPr>
+        <p:spPr>
+          <a:xfrm>
+            <a:off x="4445750" y="2909160"/>
+            <a:ext cx="914400" cy="914400"/>
+          </a:xfrm>
+          <a:prstGeom prst="ellipse">
+            <a:avLst/>
+          </a:prstGeom>
+          <a:noFill/>
+          <a:ln w="28575" cap="flat" cmpd="sng" algn="ctr">
+            <a:solidFill>
+              <a:schemeClr val="accent1"/>
+            </a:solidFill>
+            <a:prstDash val="solid"/>
+            <a:round/>
+            <a:headEnd type="none" w="med" len="med"/>
+            <a:tailEnd type="none" w="med" len="med"/>
+          </a:ln>
+        </p:spPr>
+        <p:style>
+          <a:lnRef idx="0">
+            <a:scrgbClr r="0" g="0" b="0"/>
+          </a:lnRef>
+          <a:fillRef idx="0">
+            <a:scrgbClr r="0" g="0" b="0"/>
+          </a:fillRef>
+          <a:effectRef idx="0">
+            <a:scrgbClr r="0" g="0" b="0"/>
+          </a:effectRef>
+          <a:fontRef idx="minor">
+            <a:schemeClr val="accent1"/>
+          </a:fontRef>
+        </p:style>
+        <p:txBody>
+          <a:bodyPr lIns="0" tIns="0" rIns="0" bIns="0" rtlCol="0" anchor="ctr"/>
+          <a:lstStyle/>
+          <a:p>
+            <a:pPr algn="ctr"/>
+            <a:r>
+              <a:rPr lang="en-US">
+                <a:solidFill>
+                  <a:schemeClr val="tx1"/>
+                </a:solidFill>
+              </a:rPr>
+              <a:t>B</a:t>
+            </a:r>
+          </a:p>
+        </p:txBody>
+      </p:sp>
+      <p:cxnSp>
+        <p:nvCxnSpPr>
+          <p:cNvPr id="8" name="Straight Arrow Connector 7">
+            <a:extLst>
+              <a:ext uri="{FF2B5EF4-FFF2-40B4-BE49-F238E27FC236}">
+                <a16:creationId xmlns:a16="http://schemas.microsoft.com/office/drawing/2014/main" id="{A6939FAB-1A24-BE95-5E52-6BDE286CF48D}"/>
+              </a:ext>
+            </a:extLst>
+          </p:cNvPr>
+          <p:cNvCxnSpPr>
+            <a:cxnSpLocks/>
+            <a:stCxn id="18" idx="3"/>
+            <a:endCxn id="2" idx="7"/>
+          </p:cNvCxnSpPr>
+          <p:nvPr/>
+        </p:nvCxnSpPr>
+        <p:spPr>
+          <a:xfrm flipH="1">
+            <a:off x="5226239" y="2775249"/>
+            <a:ext cx="273566" cy="267822"/>
+          </a:xfrm>
+          <a:prstGeom prst="straightConnector1">
+            <a:avLst/>
+          </a:prstGeom>
+          <a:ln w="28575">
+            <a:solidFill>
+              <a:schemeClr val="accent4"/>
+            </a:solidFill>
+            <a:tailEnd type="triangle"/>
+          </a:ln>
+        </p:spPr>
+        <p:style>
+          <a:lnRef idx="2">
+            <a:schemeClr val="accent1"/>
+          </a:lnRef>
+          <a:fillRef idx="0">
+            <a:schemeClr val="accent1"/>
+          </a:fillRef>
+          <a:effectRef idx="1">
+            <a:schemeClr val="accent1"/>
+          </a:effectRef>
+          <a:fontRef idx="minor">
+            <a:schemeClr val="tx1"/>
+          </a:fontRef>
+        </p:style>
+      </p:cxnSp>
+      <p:sp>
+        <p:nvSpPr>
+          <p:cNvPr id="24" name="Oval 23">
+            <a:extLst>
+              <a:ext uri="{FF2B5EF4-FFF2-40B4-BE49-F238E27FC236}">
+                <a16:creationId xmlns:a16="http://schemas.microsoft.com/office/drawing/2014/main" id="{06F9B0FA-2A19-DF7E-7B9F-1669A4012AA2}"/>
+              </a:ext>
+            </a:extLst>
+          </p:cNvPr>
+          <p:cNvSpPr/>
+          <p:nvPr/>
+        </p:nvSpPr>
+        <p:spPr>
+          <a:xfrm>
+            <a:off x="5365894" y="3823560"/>
+            <a:ext cx="914400" cy="914400"/>
+          </a:xfrm>
+          <a:prstGeom prst="ellipse">
+            <a:avLst/>
+          </a:prstGeom>
+          <a:noFill/>
+          <a:ln w="28575" cap="flat" cmpd="sng" algn="ctr">
+            <a:solidFill>
+              <a:schemeClr val="accent1"/>
+            </a:solidFill>
+            <a:prstDash val="solid"/>
+            <a:round/>
+            <a:headEnd type="none" w="med" len="med"/>
+            <a:tailEnd type="none" w="med" len="med"/>
+          </a:ln>
+        </p:spPr>
+        <p:style>
+          <a:lnRef idx="0">
+            <a:scrgbClr r="0" g="0" b="0"/>
+          </a:lnRef>
+          <a:fillRef idx="0">
+            <a:scrgbClr r="0" g="0" b="0"/>
+          </a:fillRef>
+          <a:effectRef idx="0">
+            <a:scrgbClr r="0" g="0" b="0"/>
+          </a:effectRef>
+          <a:fontRef idx="minor">
+            <a:schemeClr val="accent1"/>
+          </a:fontRef>
+        </p:style>
+        <p:txBody>
+          <a:bodyPr lIns="0" tIns="0" rIns="0" bIns="0" rtlCol="0" anchor="ctr"/>
+          <a:lstStyle/>
+          <a:p>
+            <a:pPr algn="ctr"/>
+            <a:r>
+              <a:rPr lang="en-US">
+                <a:solidFill>
+                  <a:schemeClr val="tx1"/>
+                </a:solidFill>
+              </a:rPr>
+              <a:t>E</a:t>
+            </a:r>
+          </a:p>
+        </p:txBody>
+      </p:sp>
+      <p:cxnSp>
+        <p:nvCxnSpPr>
+          <p:cNvPr id="25" name="Straight Arrow Connector 24">
+            <a:extLst>
+              <a:ext uri="{FF2B5EF4-FFF2-40B4-BE49-F238E27FC236}">
+                <a16:creationId xmlns:a16="http://schemas.microsoft.com/office/drawing/2014/main" id="{51FCCDA7-AB4B-EF9C-3CDD-FD08F7E4FADD}"/>
+              </a:ext>
+            </a:extLst>
+          </p:cNvPr>
+          <p:cNvCxnSpPr>
+            <a:cxnSpLocks/>
+            <a:stCxn id="2" idx="5"/>
+            <a:endCxn id="24" idx="1"/>
+          </p:cNvCxnSpPr>
+          <p:nvPr/>
+        </p:nvCxnSpPr>
+        <p:spPr>
+          <a:xfrm>
+            <a:off x="5226239" y="3689649"/>
+            <a:ext cx="273566" cy="267822"/>
+          </a:xfrm>
+          <a:prstGeom prst="straightConnector1">
+            <a:avLst/>
+          </a:prstGeom>
+          <a:ln w="28575">
+            <a:solidFill>
+              <a:schemeClr val="accent4"/>
+            </a:solidFill>
+            <a:tailEnd type="triangle"/>
+          </a:ln>
+        </p:spPr>
+        <p:style>
+          <a:lnRef idx="2">
+            <a:schemeClr val="accent1"/>
+          </a:lnRef>
+          <a:fillRef idx="0">
+            <a:schemeClr val="accent1"/>
+          </a:fillRef>
+          <a:effectRef idx="1">
+            <a:schemeClr val="accent1"/>
+          </a:effectRef>
+          <a:fontRef idx="minor">
+            <a:schemeClr val="tx1"/>
+          </a:fontRef>
+        </p:style>
+      </p:cxnSp>
+      <p:sp>
+        <p:nvSpPr>
+          <p:cNvPr id="28" name="Oval 27">
+            <a:extLst>
+              <a:ext uri="{FF2B5EF4-FFF2-40B4-BE49-F238E27FC236}">
+                <a16:creationId xmlns:a16="http://schemas.microsoft.com/office/drawing/2014/main" id="{F66DADB4-A2B1-03EB-CBC5-2C0B40E4A59E}"/>
+              </a:ext>
+            </a:extLst>
+          </p:cNvPr>
+          <p:cNvSpPr/>
+          <p:nvPr/>
+        </p:nvSpPr>
+        <p:spPr>
+          <a:xfrm>
+            <a:off x="3528478" y="3823560"/>
+            <a:ext cx="914400" cy="914400"/>
+          </a:xfrm>
+          <a:prstGeom prst="ellipse">
+            <a:avLst/>
+          </a:prstGeom>
+          <a:noFill/>
+          <a:ln w="28575" cap="flat" cmpd="sng" algn="ctr">
+            <a:solidFill>
+              <a:schemeClr val="accent1"/>
+            </a:solidFill>
+            <a:prstDash val="solid"/>
+            <a:round/>
+            <a:headEnd type="none" w="med" len="med"/>
+            <a:tailEnd type="none" w="med" len="med"/>
+          </a:ln>
+        </p:spPr>
+        <p:style>
+          <a:lnRef idx="0">
+            <a:scrgbClr r="0" g="0" b="0"/>
+          </a:lnRef>
+          <a:fillRef idx="0">
+            <a:scrgbClr r="0" g="0" b="0"/>
+          </a:fillRef>
+          <a:effectRef idx="0">
+            <a:scrgbClr r="0" g="0" b="0"/>
+          </a:effectRef>
+          <a:fontRef idx="minor">
+            <a:schemeClr val="accent1"/>
+          </a:fontRef>
+        </p:style>
+        <p:txBody>
+          <a:bodyPr lIns="0" tIns="0" rIns="0" bIns="0" rtlCol="0" anchor="ctr"/>
+          <a:lstStyle/>
+          <a:p>
+            <a:pPr algn="ctr"/>
+            <a:r>
+              <a:rPr lang="en-US">
+                <a:solidFill>
+                  <a:schemeClr val="tx1"/>
+                </a:solidFill>
+              </a:rPr>
+              <a:t>D</a:t>
+            </a:r>
+          </a:p>
+        </p:txBody>
+      </p:sp>
+      <p:cxnSp>
+        <p:nvCxnSpPr>
+          <p:cNvPr id="29" name="Straight Arrow Connector 28">
+            <a:extLst>
+              <a:ext uri="{FF2B5EF4-FFF2-40B4-BE49-F238E27FC236}">
+                <a16:creationId xmlns:a16="http://schemas.microsoft.com/office/drawing/2014/main" id="{383259E6-97C0-8DBF-71E2-EA1943C0A924}"/>
+              </a:ext>
+            </a:extLst>
+          </p:cNvPr>
+          <p:cNvCxnSpPr>
+            <a:cxnSpLocks/>
+            <a:stCxn id="2" idx="3"/>
+            <a:endCxn id="28" idx="7"/>
+          </p:cNvCxnSpPr>
+          <p:nvPr/>
+        </p:nvCxnSpPr>
+        <p:spPr>
+          <a:xfrm flipH="1">
+            <a:off x="4308967" y="3689649"/>
+            <a:ext cx="270694" cy="267822"/>
+          </a:xfrm>
+          <a:prstGeom prst="straightConnector1">
+            <a:avLst/>
+          </a:prstGeom>
+          <a:ln w="28575">
+            <a:solidFill>
+              <a:schemeClr val="accent4"/>
+            </a:solidFill>
+            <a:tailEnd type="triangle"/>
+          </a:ln>
+        </p:spPr>
+        <p:style>
+          <a:lnRef idx="2">
+            <a:schemeClr val="accent1"/>
+          </a:lnRef>
+          <a:fillRef idx="0">
+            <a:schemeClr val="accent1"/>
+          </a:fillRef>
+          <a:effectRef idx="1">
+            <a:schemeClr val="accent1"/>
+          </a:effectRef>
+          <a:fontRef idx="minor">
+            <a:schemeClr val="tx1"/>
+          </a:fontRef>
+        </p:style>
+      </p:cxnSp>
+      <p:sp>
+        <p:nvSpPr>
+          <p:cNvPr id="32" name="Oval 31">
+            <a:extLst>
+              <a:ext uri="{FF2B5EF4-FFF2-40B4-BE49-F238E27FC236}">
+                <a16:creationId xmlns:a16="http://schemas.microsoft.com/office/drawing/2014/main" id="{6BC2A43E-70AF-9106-DD3B-689197018CCD}"/>
+              </a:ext>
+            </a:extLst>
+          </p:cNvPr>
+          <p:cNvSpPr/>
+          <p:nvPr/>
+        </p:nvSpPr>
+        <p:spPr>
+          <a:xfrm>
+            <a:off x="6280294" y="2909160"/>
+            <a:ext cx="914400" cy="914400"/>
+          </a:xfrm>
+          <a:prstGeom prst="ellipse">
+            <a:avLst/>
+          </a:prstGeom>
+          <a:noFill/>
+          <a:ln w="28575" cap="flat" cmpd="sng" algn="ctr">
+            <a:solidFill>
+              <a:schemeClr val="accent1"/>
+            </a:solidFill>
+            <a:prstDash val="solid"/>
+            <a:round/>
+            <a:headEnd type="none" w="med" len="med"/>
+            <a:tailEnd type="none" w="med" len="med"/>
+          </a:ln>
+        </p:spPr>
+        <p:style>
+          <a:lnRef idx="0">
+            <a:scrgbClr r="0" g="0" b="0"/>
+          </a:lnRef>
+          <a:fillRef idx="0">
+            <a:scrgbClr r="0" g="0" b="0"/>
+          </a:fillRef>
+          <a:effectRef idx="0">
+            <a:scrgbClr r="0" g="0" b="0"/>
+          </a:effectRef>
+          <a:fontRef idx="minor">
+            <a:schemeClr val="accent1"/>
+          </a:fontRef>
+        </p:style>
+        <p:txBody>
+          <a:bodyPr lIns="0" tIns="0" rIns="0" bIns="0" rtlCol="0" anchor="ctr"/>
+          <a:lstStyle/>
+          <a:p>
+            <a:pPr algn="ctr"/>
+            <a:r>
+              <a:rPr lang="en-US">
+                <a:solidFill>
+                  <a:schemeClr val="tx1"/>
+                </a:solidFill>
+              </a:rPr>
+              <a:t>C</a:t>
+            </a:r>
+          </a:p>
+        </p:txBody>
+      </p:sp>
+      <p:cxnSp>
+        <p:nvCxnSpPr>
+          <p:cNvPr id="33" name="Straight Arrow Connector 32">
+            <a:extLst>
+              <a:ext uri="{FF2B5EF4-FFF2-40B4-BE49-F238E27FC236}">
+                <a16:creationId xmlns:a16="http://schemas.microsoft.com/office/drawing/2014/main" id="{B35F4F3A-6F41-B4F5-6CCF-30A5556D7FE0}"/>
+              </a:ext>
+            </a:extLst>
+          </p:cNvPr>
+          <p:cNvCxnSpPr>
+            <a:cxnSpLocks/>
+            <a:stCxn id="18" idx="5"/>
+            <a:endCxn id="32" idx="1"/>
+          </p:cNvCxnSpPr>
+          <p:nvPr/>
+        </p:nvCxnSpPr>
+        <p:spPr>
+          <a:xfrm>
+            <a:off x="6146383" y="2775249"/>
+            <a:ext cx="267822" cy="267822"/>
+          </a:xfrm>
+          <a:prstGeom prst="straightConnector1">
+            <a:avLst/>
+          </a:prstGeom>
+          <a:ln w="28575">
+            <a:solidFill>
+              <a:schemeClr val="accent4"/>
+            </a:solidFill>
+            <a:tailEnd type="triangle"/>
+          </a:ln>
+        </p:spPr>
+        <p:style>
+          <a:lnRef idx="2">
+            <a:schemeClr val="accent1"/>
+          </a:lnRef>
+          <a:fillRef idx="0">
+            <a:schemeClr val="accent1"/>
+          </a:fillRef>
+          <a:effectRef idx="1">
+            <a:schemeClr val="accent1"/>
+          </a:effectRef>
+          <a:fontRef idx="minor">
+            <a:schemeClr val="tx1"/>
+          </a:fontRef>
+        </p:style>
+      </p:cxnSp>
+      <p:sp>
+        <p:nvSpPr>
+          <p:cNvPr id="47" name="Arrow: Left 46">
+            <a:extLst>
+              <a:ext uri="{FF2B5EF4-FFF2-40B4-BE49-F238E27FC236}">
+                <a16:creationId xmlns:a16="http://schemas.microsoft.com/office/drawing/2014/main" id="{E61917FF-89CE-D577-B982-73AE527241BE}"/>
+              </a:ext>
+            </a:extLst>
+          </p:cNvPr>
+          <p:cNvSpPr/>
+          <p:nvPr/>
+        </p:nvSpPr>
+        <p:spPr>
+          <a:xfrm>
+            <a:off x="6459141" y="2199134"/>
+            <a:ext cx="978408" cy="484632"/>
+          </a:xfrm>
+          <a:prstGeom prst="leftArrow">
+            <a:avLst/>
+          </a:prstGeom>
+        </p:spPr>
+        <p:style>
+          <a:lnRef idx="2">
+            <a:schemeClr val="accent1">
+              <a:shade val="15000"/>
+            </a:schemeClr>
+          </a:lnRef>
+          <a:fillRef idx="1">
+            <a:schemeClr val="accent1"/>
+          </a:fillRef>
+          <a:effectRef idx="0">
+            <a:schemeClr val="accent1"/>
+          </a:effectRef>
+          <a:fontRef idx="minor">
+            <a:schemeClr val="lt1"/>
+          </a:fontRef>
+        </p:style>
+        <p:txBody>
+          <a:bodyPr rtlCol="0" anchor="ctr"/>
+          <a:lstStyle/>
+          <a:p>
+            <a:pPr algn="ctr"/>
+            <a:endParaRPr lang="en-US"/>
+          </a:p>
+        </p:txBody>
+      </p:sp>
+      <p:sp>
+        <p:nvSpPr>
+          <p:cNvPr id="48" name="TextBox 47">
+            <a:extLst>
+              <a:ext uri="{FF2B5EF4-FFF2-40B4-BE49-F238E27FC236}">
+                <a16:creationId xmlns:a16="http://schemas.microsoft.com/office/drawing/2014/main" id="{87E04AA0-3663-A1E3-9BBE-D44422BC849A}"/>
+              </a:ext>
+            </a:extLst>
+          </p:cNvPr>
+          <p:cNvSpPr txBox="1"/>
+          <p:nvPr/>
+        </p:nvSpPr>
+        <p:spPr>
+          <a:xfrm>
+            <a:off x="7539456" y="2256784"/>
+            <a:ext cx="1074333" cy="369332"/>
+          </a:xfrm>
+          <a:prstGeom prst="rect">
+            <a:avLst/>
+          </a:prstGeom>
+          <a:noFill/>
+        </p:spPr>
+        <p:txBody>
+          <a:bodyPr wrap="none" rtlCol="0">
+            <a:spAutoFit/>
+          </a:bodyPr>
+          <a:lstStyle/>
+          <a:p>
+            <a:r>
+              <a:rPr lang="en-US"/>
+              <a:t>Height: 3</a:t>
+            </a:r>
+          </a:p>
+        </p:txBody>
+      </p:sp>
+      <p:sp>
+        <p:nvSpPr>
+          <p:cNvPr id="49" name="Arrow: Left 48">
+            <a:extLst>
+              <a:ext uri="{FF2B5EF4-FFF2-40B4-BE49-F238E27FC236}">
+                <a16:creationId xmlns:a16="http://schemas.microsoft.com/office/drawing/2014/main" id="{E0CB9BD0-CA18-6F2D-D3CE-9976C35D6C78}"/>
+              </a:ext>
+            </a:extLst>
+          </p:cNvPr>
+          <p:cNvSpPr/>
+          <p:nvPr/>
+        </p:nvSpPr>
+        <p:spPr>
+          <a:xfrm>
+            <a:off x="7391665" y="3119848"/>
+            <a:ext cx="978408" cy="484632"/>
+          </a:xfrm>
+          <a:prstGeom prst="leftArrow">
+            <a:avLst/>
+          </a:prstGeom>
+        </p:spPr>
+        <p:style>
+          <a:lnRef idx="2">
+            <a:schemeClr val="accent1">
+              <a:shade val="15000"/>
+            </a:schemeClr>
+          </a:lnRef>
+          <a:fillRef idx="1">
+            <a:schemeClr val="accent1"/>
+          </a:fillRef>
+          <a:effectRef idx="0">
+            <a:schemeClr val="accent1"/>
+          </a:effectRef>
+          <a:fontRef idx="minor">
+            <a:schemeClr val="lt1"/>
+          </a:fontRef>
+        </p:style>
+        <p:txBody>
+          <a:bodyPr rtlCol="0" anchor="ctr"/>
+          <a:lstStyle/>
+          <a:p>
+            <a:pPr algn="ctr"/>
+            <a:endParaRPr lang="en-US"/>
+          </a:p>
+        </p:txBody>
+      </p:sp>
+      <p:sp>
+        <p:nvSpPr>
+          <p:cNvPr id="51" name="TextBox 50">
+            <a:extLst>
+              <a:ext uri="{FF2B5EF4-FFF2-40B4-BE49-F238E27FC236}">
+                <a16:creationId xmlns:a16="http://schemas.microsoft.com/office/drawing/2014/main" id="{E691FE65-A4DC-B1DE-ADF5-CA2810934CB0}"/>
+              </a:ext>
+            </a:extLst>
+          </p:cNvPr>
+          <p:cNvSpPr txBox="1"/>
+          <p:nvPr/>
+        </p:nvSpPr>
+        <p:spPr>
+          <a:xfrm>
+            <a:off x="8471980" y="3177498"/>
+            <a:ext cx="1074333" cy="369332"/>
+          </a:xfrm>
+          <a:prstGeom prst="rect">
+            <a:avLst/>
+          </a:prstGeom>
+          <a:noFill/>
+        </p:spPr>
+        <p:txBody>
+          <a:bodyPr wrap="none" rtlCol="0">
+            <a:spAutoFit/>
+          </a:bodyPr>
+          <a:lstStyle/>
+          <a:p>
+            <a:r>
+              <a:rPr lang="en-US"/>
+              <a:t>Height: 1</a:t>
+            </a:r>
+          </a:p>
+        </p:txBody>
+      </p:sp>
+      <p:sp>
+        <p:nvSpPr>
+          <p:cNvPr id="52" name="Arrow: Right 51">
+            <a:extLst>
+              <a:ext uri="{FF2B5EF4-FFF2-40B4-BE49-F238E27FC236}">
+                <a16:creationId xmlns:a16="http://schemas.microsoft.com/office/drawing/2014/main" id="{C44A152D-37BD-49A2-63EB-626ED2E76469}"/>
+              </a:ext>
+            </a:extLst>
+          </p:cNvPr>
+          <p:cNvSpPr/>
+          <p:nvPr/>
+        </p:nvSpPr>
+        <p:spPr>
+          <a:xfrm>
+            <a:off x="3270371" y="3119848"/>
+            <a:ext cx="978408" cy="484632"/>
+          </a:xfrm>
+          <a:prstGeom prst="rightArrow">
+            <a:avLst/>
+          </a:prstGeom>
+        </p:spPr>
+        <p:style>
+          <a:lnRef idx="2">
+            <a:schemeClr val="accent1">
+              <a:shade val="15000"/>
+            </a:schemeClr>
+          </a:lnRef>
+          <a:fillRef idx="1">
+            <a:schemeClr val="accent1"/>
+          </a:fillRef>
+          <a:effectRef idx="0">
+            <a:schemeClr val="accent1"/>
+          </a:effectRef>
+          <a:fontRef idx="minor">
+            <a:schemeClr val="lt1"/>
+          </a:fontRef>
+        </p:style>
+        <p:txBody>
+          <a:bodyPr rtlCol="0" anchor="ctr"/>
+          <a:lstStyle/>
+          <a:p>
+            <a:pPr algn="ctr"/>
+            <a:endParaRPr lang="en-US"/>
+          </a:p>
+        </p:txBody>
+      </p:sp>
+      <p:sp>
+        <p:nvSpPr>
+          <p:cNvPr id="53" name="TextBox 52">
+            <a:extLst>
+              <a:ext uri="{FF2B5EF4-FFF2-40B4-BE49-F238E27FC236}">
+                <a16:creationId xmlns:a16="http://schemas.microsoft.com/office/drawing/2014/main" id="{E76713A8-8862-A77C-DB26-344143D77E92}"/>
+              </a:ext>
+            </a:extLst>
+          </p:cNvPr>
+          <p:cNvSpPr txBox="1"/>
+          <p:nvPr/>
+        </p:nvSpPr>
+        <p:spPr>
+          <a:xfrm>
+            <a:off x="2094131" y="3177498"/>
+            <a:ext cx="1074333" cy="369332"/>
+          </a:xfrm>
+          <a:prstGeom prst="rect">
+            <a:avLst/>
+          </a:prstGeom>
+          <a:noFill/>
+        </p:spPr>
+        <p:txBody>
+          <a:bodyPr wrap="none" rtlCol="0">
+            <a:spAutoFit/>
+          </a:bodyPr>
+          <a:lstStyle/>
+          <a:p>
+            <a:r>
+              <a:rPr lang="en-US"/>
+              <a:t>Height: 2</a:t>
+            </a:r>
+          </a:p>
+        </p:txBody>
+      </p:sp>
+      <p:sp>
+        <p:nvSpPr>
+          <p:cNvPr id="54" name="Arrow: Right 53">
+            <a:extLst>
+              <a:ext uri="{FF2B5EF4-FFF2-40B4-BE49-F238E27FC236}">
+                <a16:creationId xmlns:a16="http://schemas.microsoft.com/office/drawing/2014/main" id="{8BEB8BEF-D128-90D6-58D3-35B2ABF61AC6}"/>
+              </a:ext>
+            </a:extLst>
+          </p:cNvPr>
+          <p:cNvSpPr/>
+          <p:nvPr/>
+        </p:nvSpPr>
+        <p:spPr>
+          <a:xfrm>
+            <a:off x="2381327" y="4039504"/>
+            <a:ext cx="978408" cy="484632"/>
+          </a:xfrm>
+          <a:prstGeom prst="rightArrow">
+            <a:avLst/>
+          </a:prstGeom>
+        </p:spPr>
+        <p:style>
+          <a:lnRef idx="2">
+            <a:schemeClr val="accent1">
+              <a:shade val="15000"/>
+            </a:schemeClr>
+          </a:lnRef>
+          <a:fillRef idx="1">
+            <a:schemeClr val="accent1"/>
+          </a:fillRef>
+          <a:effectRef idx="0">
+            <a:schemeClr val="accent1"/>
+          </a:effectRef>
+          <a:fontRef idx="minor">
+            <a:schemeClr val="lt1"/>
+          </a:fontRef>
+        </p:style>
+        <p:txBody>
+          <a:bodyPr rtlCol="0" anchor="ctr"/>
+          <a:lstStyle/>
+          <a:p>
+            <a:pPr algn="ctr"/>
+            <a:endParaRPr lang="en-US"/>
+          </a:p>
+        </p:txBody>
+      </p:sp>
+      <p:sp>
+        <p:nvSpPr>
+          <p:cNvPr id="55" name="TextBox 54">
+            <a:extLst>
+              <a:ext uri="{FF2B5EF4-FFF2-40B4-BE49-F238E27FC236}">
+                <a16:creationId xmlns:a16="http://schemas.microsoft.com/office/drawing/2014/main" id="{D0915B38-A3F4-A76A-E36B-C4ADAB012766}"/>
+              </a:ext>
+            </a:extLst>
+          </p:cNvPr>
+          <p:cNvSpPr txBox="1"/>
+          <p:nvPr/>
+        </p:nvSpPr>
+        <p:spPr>
+          <a:xfrm>
+            <a:off x="1205087" y="4097154"/>
+            <a:ext cx="1074333" cy="369332"/>
+          </a:xfrm>
+          <a:prstGeom prst="rect">
+            <a:avLst/>
+          </a:prstGeom>
+          <a:noFill/>
+        </p:spPr>
+        <p:txBody>
+          <a:bodyPr wrap="none" rtlCol="0">
+            <a:spAutoFit/>
+          </a:bodyPr>
+          <a:lstStyle/>
+          <a:p>
+            <a:r>
+              <a:rPr lang="en-US"/>
+              <a:t>Height: 1</a:t>
+            </a:r>
+          </a:p>
+        </p:txBody>
+      </p:sp>
+      <p:sp>
+        <p:nvSpPr>
+          <p:cNvPr id="56" name="Arrow: Left 55">
+            <a:extLst>
+              <a:ext uri="{FF2B5EF4-FFF2-40B4-BE49-F238E27FC236}">
+                <a16:creationId xmlns:a16="http://schemas.microsoft.com/office/drawing/2014/main" id="{D1030A8F-EA82-0A1C-0B07-4F21D66B49A1}"/>
+              </a:ext>
+            </a:extLst>
+          </p:cNvPr>
+          <p:cNvSpPr/>
+          <p:nvPr/>
+        </p:nvSpPr>
+        <p:spPr>
+          <a:xfrm>
+            <a:off x="6414205" y="4039504"/>
+            <a:ext cx="978408" cy="484632"/>
+          </a:xfrm>
+          <a:prstGeom prst="leftArrow">
+            <a:avLst/>
+          </a:prstGeom>
+        </p:spPr>
+        <p:style>
+          <a:lnRef idx="2">
+            <a:schemeClr val="accent1">
+              <a:shade val="15000"/>
+            </a:schemeClr>
+          </a:lnRef>
+          <a:fillRef idx="1">
+            <a:schemeClr val="accent1"/>
+          </a:fillRef>
+          <a:effectRef idx="0">
+            <a:schemeClr val="accent1"/>
+          </a:effectRef>
+          <a:fontRef idx="minor">
+            <a:schemeClr val="lt1"/>
+          </a:fontRef>
+        </p:style>
+        <p:txBody>
+          <a:bodyPr rtlCol="0" anchor="ctr"/>
+          <a:lstStyle/>
+          <a:p>
+            <a:pPr algn="ctr"/>
+            <a:endParaRPr lang="en-US"/>
+          </a:p>
+        </p:txBody>
+      </p:sp>
+      <p:sp>
+        <p:nvSpPr>
+          <p:cNvPr id="57" name="TextBox 56">
+            <a:extLst>
+              <a:ext uri="{FF2B5EF4-FFF2-40B4-BE49-F238E27FC236}">
+                <a16:creationId xmlns:a16="http://schemas.microsoft.com/office/drawing/2014/main" id="{CF7E59B6-8C0A-5DAF-16C2-033D00B3824D}"/>
+              </a:ext>
+            </a:extLst>
+          </p:cNvPr>
+          <p:cNvSpPr txBox="1"/>
+          <p:nvPr/>
+        </p:nvSpPr>
+        <p:spPr>
+          <a:xfrm>
+            <a:off x="7494520" y="4097154"/>
+            <a:ext cx="1074333" cy="369332"/>
+          </a:xfrm>
+          <a:prstGeom prst="rect">
+            <a:avLst/>
+          </a:prstGeom>
+          <a:noFill/>
+        </p:spPr>
+        <p:txBody>
+          <a:bodyPr wrap="none" rtlCol="0">
+            <a:spAutoFit/>
+          </a:bodyPr>
+          <a:lstStyle/>
+          <a:p>
+            <a:r>
+              <a:rPr lang="en-US"/>
+              <a:t>Height: 1</a:t>
+            </a:r>
+          </a:p>
+        </p:txBody>
+      </p:sp>
+      <p:sp>
+        <p:nvSpPr>
+          <p:cNvPr id="58" name="TextBox 57">
+            <a:extLst>
+              <a:ext uri="{FF2B5EF4-FFF2-40B4-BE49-F238E27FC236}">
+                <a16:creationId xmlns:a16="http://schemas.microsoft.com/office/drawing/2014/main" id="{2172F23A-07B9-4366-8077-31D7AE4E83DF}"/>
+              </a:ext>
+            </a:extLst>
+          </p:cNvPr>
+          <p:cNvSpPr txBox="1"/>
+          <p:nvPr/>
+        </p:nvSpPr>
+        <p:spPr>
+          <a:xfrm>
+            <a:off x="1779777" y="2199134"/>
+            <a:ext cx="2663101" cy="523220"/>
+          </a:xfrm>
+          <a:prstGeom prst="rect">
+            <a:avLst/>
+          </a:prstGeom>
+          <a:noFill/>
+        </p:spPr>
+        <p:txBody>
+          <a:bodyPr wrap="none" rtlCol="0">
+            <a:spAutoFit/>
+          </a:bodyPr>
+          <a:lstStyle/>
+          <a:p>
+            <a:r>
+              <a:rPr lang="en-US" sz="2800"/>
+              <a:t>1-based heights</a:t>
+            </a:r>
+          </a:p>
+        </p:txBody>
+      </p:sp>
+    </p:spTree>
+    <p:extLst>
+      <p:ext uri="{BB962C8B-B14F-4D97-AF65-F5344CB8AC3E}">
+        <p14:creationId xmlns:p14="http://schemas.microsoft.com/office/powerpoint/2010/main" val="19731687"/>
+      </p:ext>
+    </p:extLst>
+  </p:cSld>
+  <p:clrMapOvr>
+    <a:masterClrMapping/>
+  </p:clrMapOvr>
+  <mc:AlternateContent xmlns:mc="http://schemas.openxmlformats.org/markup-compatibility/2006">
+    <mc:Choice xmlns:p14="http://schemas.microsoft.com/office/powerpoint/2010/main" Requires="p14">
+      <p:transition p14:dur="0"/>
+    </mc:Choice>
+    <mc:Fallback>
+      <p:transition/>
+    </mc:Fallback>
+  </mc:AlternateContent>
+</p:sld>
+</file>
+
+<file path=ppt/slides/slide3.xml><?xml version="1.0" encoding="utf-8"?>
+<p:sld xmlns:a="http://schemas.openxmlformats.org/drawingml/2006/main" xmlns:r="http://schemas.openxmlformats.org/officeDocument/2006/relationships" xmlns:p="http://schemas.openxmlformats.org/presentationml/2006/main">
+  <p:cSld>
+    <p:spTree>
+      <p:nvGrpSpPr>
+        <p:cNvPr id="1" name="">
+          <a:extLst>
+            <a:ext uri="{FF2B5EF4-FFF2-40B4-BE49-F238E27FC236}">
+              <a16:creationId xmlns:a16="http://schemas.microsoft.com/office/drawing/2014/main" id="{FEF5C2B7-3076-8999-A987-7AB091469EF8}"/>
+            </a:ext>
+          </a:extLst>
+        </p:cNvPr>
+        <p:cNvGrpSpPr/>
+        <p:nvPr/>
+      </p:nvGrpSpPr>
+      <p:grpSpPr>
+        <a:xfrm>
+          <a:off x="0" y="0"/>
+          <a:ext cx="0" cy="0"/>
+          <a:chOff x="0" y="0"/>
+          <a:chExt cx="0" cy="0"/>
+        </a:xfrm>
+      </p:grpSpPr>
+      <p:sp>
+        <p:nvSpPr>
+          <p:cNvPr id="21" name="Slide Number Placeholder 20">
+            <a:extLst>
+              <a:ext uri="{FF2B5EF4-FFF2-40B4-BE49-F238E27FC236}">
+                <a16:creationId xmlns:a16="http://schemas.microsoft.com/office/drawing/2014/main" id="{4760CE5C-DF91-227E-C1C4-AAD6E0F2803B}"/>
+              </a:ext>
+            </a:extLst>
+          </p:cNvPr>
+          <p:cNvSpPr>
+            <a:spLocks noGrp="1"/>
+          </p:cNvSpPr>
+          <p:nvPr>
+            <p:ph type="sldNum" sz="quarter" idx="12"/>
+          </p:nvPr>
+        </p:nvSpPr>
+        <p:spPr/>
+        <p:txBody>
+          <a:bodyPr/>
+          <a:lstStyle/>
+          <a:p>
+            <a:fld id="{7A78D7CD-E273-4158-B1CA-59F0920772DC}" type="slidenum">
+              <a:rPr lang="en-US" smtClean="0"/>
+              <a:t>3</a:t>
+            </a:fld>
+            <a:endParaRPr lang="en-US"/>
+          </a:p>
+        </p:txBody>
+      </p:sp>
+      <p:sp>
+        <p:nvSpPr>
+          <p:cNvPr id="18" name="Oval 17">
+            <a:extLst>
+              <a:ext uri="{FF2B5EF4-FFF2-40B4-BE49-F238E27FC236}">
+                <a16:creationId xmlns:a16="http://schemas.microsoft.com/office/drawing/2014/main" id="{88EF294A-A619-3EEC-99F4-B2DD983915E5}"/>
+              </a:ext>
+            </a:extLst>
+          </p:cNvPr>
+          <p:cNvSpPr/>
+          <p:nvPr/>
+        </p:nvSpPr>
+        <p:spPr>
+          <a:xfrm>
+            <a:off x="4388432" y="2110374"/>
+            <a:ext cx="914400" cy="914400"/>
+          </a:xfrm>
+          <a:prstGeom prst="ellipse">
+            <a:avLst/>
+          </a:prstGeom>
+          <a:noFill/>
+          <a:ln w="28575" cap="flat" cmpd="sng" algn="ctr">
+            <a:solidFill>
+              <a:schemeClr val="accent1"/>
+            </a:solidFill>
+            <a:prstDash val="solid"/>
+            <a:round/>
+            <a:headEnd type="none" w="med" len="med"/>
+            <a:tailEnd type="none" w="med" len="med"/>
+          </a:ln>
+        </p:spPr>
+        <p:style>
+          <a:lnRef idx="0">
+            <a:scrgbClr r="0" g="0" b="0"/>
+          </a:lnRef>
+          <a:fillRef idx="0">
+            <a:scrgbClr r="0" g="0" b="0"/>
+          </a:fillRef>
+          <a:effectRef idx="0">
+            <a:scrgbClr r="0" g="0" b="0"/>
+          </a:effectRef>
+          <a:fontRef idx="minor">
+            <a:schemeClr val="accent1"/>
+          </a:fontRef>
+        </p:style>
+        <p:txBody>
+          <a:bodyPr lIns="0" tIns="0" rIns="0" bIns="0" rtlCol="0" anchor="ctr"/>
+          <a:lstStyle/>
+          <a:p>
+            <a:pPr algn="ctr"/>
+            <a:r>
+              <a:rPr lang="en-US">
+                <a:solidFill>
+                  <a:schemeClr val="tx1"/>
+                </a:solidFill>
+              </a:rPr>
+              <a:t>A</a:t>
+            </a:r>
+          </a:p>
+        </p:txBody>
+      </p:sp>
+      <p:sp>
+        <p:nvSpPr>
+          <p:cNvPr id="2" name="Oval 1">
+            <a:extLst>
+              <a:ext uri="{FF2B5EF4-FFF2-40B4-BE49-F238E27FC236}">
+                <a16:creationId xmlns:a16="http://schemas.microsoft.com/office/drawing/2014/main" id="{9BCD4ABC-1C71-9EA8-1D9C-2B2EDF092BEE}"/>
+              </a:ext>
+            </a:extLst>
+          </p:cNvPr>
+          <p:cNvSpPr/>
+          <p:nvPr/>
+        </p:nvSpPr>
+        <p:spPr>
+          <a:xfrm>
+            <a:off x="3474032" y="3024774"/>
+            <a:ext cx="914400" cy="914400"/>
+          </a:xfrm>
+          <a:prstGeom prst="ellipse">
+            <a:avLst/>
+          </a:prstGeom>
+          <a:noFill/>
+          <a:ln w="28575" cap="flat" cmpd="sng" algn="ctr">
+            <a:solidFill>
+              <a:schemeClr val="accent1"/>
+            </a:solidFill>
+            <a:prstDash val="solid"/>
+            <a:round/>
+            <a:headEnd type="none" w="med" len="med"/>
+            <a:tailEnd type="none" w="med" len="med"/>
+          </a:ln>
+        </p:spPr>
+        <p:style>
+          <a:lnRef idx="0">
+            <a:scrgbClr r="0" g="0" b="0"/>
+          </a:lnRef>
+          <a:fillRef idx="0">
+            <a:scrgbClr r="0" g="0" b="0"/>
+          </a:fillRef>
+          <a:effectRef idx="0">
+            <a:scrgbClr r="0" g="0" b="0"/>
+          </a:effectRef>
+          <a:fontRef idx="minor">
+            <a:schemeClr val="accent1"/>
+          </a:fontRef>
+        </p:style>
+        <p:txBody>
+          <a:bodyPr lIns="0" tIns="0" rIns="0" bIns="0" rtlCol="0" anchor="ctr"/>
+          <a:lstStyle/>
+          <a:p>
+            <a:pPr algn="ctr"/>
+            <a:r>
+              <a:rPr lang="en-US">
+                <a:solidFill>
+                  <a:schemeClr val="tx1"/>
+                </a:solidFill>
+              </a:rPr>
+              <a:t>B</a:t>
+            </a:r>
+          </a:p>
+        </p:txBody>
+      </p:sp>
+      <p:cxnSp>
+        <p:nvCxnSpPr>
+          <p:cNvPr id="8" name="Straight Arrow Connector 7">
+            <a:extLst>
+              <a:ext uri="{FF2B5EF4-FFF2-40B4-BE49-F238E27FC236}">
+                <a16:creationId xmlns:a16="http://schemas.microsoft.com/office/drawing/2014/main" id="{8B32E2FB-3365-78CF-406C-4498A3934284}"/>
+              </a:ext>
+            </a:extLst>
+          </p:cNvPr>
+          <p:cNvCxnSpPr>
+            <a:cxnSpLocks/>
+            <a:stCxn id="18" idx="3"/>
+            <a:endCxn id="2" idx="7"/>
+          </p:cNvCxnSpPr>
+          <p:nvPr/>
+        </p:nvCxnSpPr>
+        <p:spPr>
+          <a:xfrm flipH="1">
+            <a:off x="4254521" y="2890863"/>
+            <a:ext cx="267822" cy="267822"/>
+          </a:xfrm>
+          <a:prstGeom prst="straightConnector1">
+            <a:avLst/>
+          </a:prstGeom>
+          <a:ln w="28575">
+            <a:solidFill>
+              <a:schemeClr val="accent4"/>
+            </a:solidFill>
+            <a:tailEnd type="triangle"/>
+          </a:ln>
+        </p:spPr>
+        <p:style>
+          <a:lnRef idx="2">
+            <a:schemeClr val="accent1"/>
+          </a:lnRef>
+          <a:fillRef idx="0">
+            <a:schemeClr val="accent1"/>
+          </a:fillRef>
+          <a:effectRef idx="1">
+            <a:schemeClr val="accent1"/>
+          </a:effectRef>
+          <a:fontRef idx="minor">
+            <a:schemeClr val="tx1"/>
+          </a:fontRef>
+        </p:style>
+      </p:cxnSp>
+      <p:sp>
+        <p:nvSpPr>
+          <p:cNvPr id="24" name="Oval 23">
+            <a:extLst>
+              <a:ext uri="{FF2B5EF4-FFF2-40B4-BE49-F238E27FC236}">
+                <a16:creationId xmlns:a16="http://schemas.microsoft.com/office/drawing/2014/main" id="{E9A9B34E-AB8A-51FB-89FC-F2B50545C4DE}"/>
+              </a:ext>
+            </a:extLst>
+          </p:cNvPr>
+          <p:cNvSpPr/>
+          <p:nvPr/>
+        </p:nvSpPr>
+        <p:spPr>
+          <a:xfrm>
+            <a:off x="4388432" y="3939174"/>
+            <a:ext cx="914400" cy="914400"/>
+          </a:xfrm>
+          <a:prstGeom prst="ellipse">
+            <a:avLst/>
+          </a:prstGeom>
+          <a:noFill/>
+          <a:ln w="28575" cap="flat" cmpd="sng" algn="ctr">
+            <a:solidFill>
+              <a:schemeClr val="accent1"/>
+            </a:solidFill>
+            <a:prstDash val="solid"/>
+            <a:round/>
+            <a:headEnd type="none" w="med" len="med"/>
+            <a:tailEnd type="none" w="med" len="med"/>
+          </a:ln>
+        </p:spPr>
+        <p:style>
+          <a:lnRef idx="0">
+            <a:scrgbClr r="0" g="0" b="0"/>
+          </a:lnRef>
+          <a:fillRef idx="0">
+            <a:scrgbClr r="0" g="0" b="0"/>
+          </a:fillRef>
+          <a:effectRef idx="0">
+            <a:scrgbClr r="0" g="0" b="0"/>
+          </a:effectRef>
+          <a:fontRef idx="minor">
+            <a:schemeClr val="accent1"/>
+          </a:fontRef>
+        </p:style>
+        <p:txBody>
+          <a:bodyPr lIns="0" tIns="0" rIns="0" bIns="0" rtlCol="0" anchor="ctr"/>
+          <a:lstStyle/>
+          <a:p>
+            <a:pPr algn="ctr"/>
+            <a:r>
+              <a:rPr lang="en-US">
+                <a:solidFill>
+                  <a:schemeClr val="tx1"/>
+                </a:solidFill>
+              </a:rPr>
+              <a:t>E</a:t>
+            </a:r>
+          </a:p>
+        </p:txBody>
+      </p:sp>
+      <p:cxnSp>
+        <p:nvCxnSpPr>
+          <p:cNvPr id="25" name="Straight Arrow Connector 24">
+            <a:extLst>
+              <a:ext uri="{FF2B5EF4-FFF2-40B4-BE49-F238E27FC236}">
+                <a16:creationId xmlns:a16="http://schemas.microsoft.com/office/drawing/2014/main" id="{00CF6A88-5207-E6F1-65B0-8A4F1EBE1EDF}"/>
+              </a:ext>
+            </a:extLst>
+          </p:cNvPr>
+          <p:cNvCxnSpPr>
+            <a:cxnSpLocks/>
+            <a:stCxn id="2" idx="5"/>
+            <a:endCxn id="24" idx="1"/>
+          </p:cNvCxnSpPr>
+          <p:nvPr/>
+        </p:nvCxnSpPr>
+        <p:spPr>
+          <a:xfrm>
+            <a:off x="4254521" y="3805263"/>
+            <a:ext cx="267822" cy="267822"/>
+          </a:xfrm>
+          <a:prstGeom prst="straightConnector1">
+            <a:avLst/>
+          </a:prstGeom>
+          <a:ln w="28575">
+            <a:solidFill>
+              <a:schemeClr val="accent4"/>
+            </a:solidFill>
+            <a:tailEnd type="triangle"/>
+          </a:ln>
+        </p:spPr>
+        <p:style>
+          <a:lnRef idx="2">
+            <a:schemeClr val="accent1"/>
+          </a:lnRef>
+          <a:fillRef idx="0">
+            <a:schemeClr val="accent1"/>
+          </a:fillRef>
+          <a:effectRef idx="1">
+            <a:schemeClr val="accent1"/>
+          </a:effectRef>
+          <a:fontRef idx="minor">
+            <a:schemeClr val="tx1"/>
+          </a:fontRef>
+        </p:style>
+      </p:cxnSp>
+      <p:sp>
+        <p:nvSpPr>
+          <p:cNvPr id="28" name="Oval 27">
+            <a:extLst>
+              <a:ext uri="{FF2B5EF4-FFF2-40B4-BE49-F238E27FC236}">
+                <a16:creationId xmlns:a16="http://schemas.microsoft.com/office/drawing/2014/main" id="{BBAD4CA7-89AE-60F7-4358-6F59339E80BB}"/>
+              </a:ext>
+            </a:extLst>
+          </p:cNvPr>
+          <p:cNvSpPr/>
+          <p:nvPr/>
+        </p:nvSpPr>
+        <p:spPr>
+          <a:xfrm>
+            <a:off x="2559632" y="3939174"/>
+            <a:ext cx="914400" cy="914400"/>
+          </a:xfrm>
+          <a:prstGeom prst="ellipse">
+            <a:avLst/>
+          </a:prstGeom>
+          <a:noFill/>
+          <a:ln w="28575" cap="flat" cmpd="sng" algn="ctr">
+            <a:solidFill>
+              <a:schemeClr val="accent1"/>
+            </a:solidFill>
+            <a:prstDash val="solid"/>
+            <a:round/>
+            <a:headEnd type="none" w="med" len="med"/>
+            <a:tailEnd type="none" w="med" len="med"/>
+          </a:ln>
+        </p:spPr>
+        <p:style>
+          <a:lnRef idx="0">
+            <a:scrgbClr r="0" g="0" b="0"/>
+          </a:lnRef>
+          <a:fillRef idx="0">
+            <a:scrgbClr r="0" g="0" b="0"/>
+          </a:fillRef>
+          <a:effectRef idx="0">
+            <a:scrgbClr r="0" g="0" b="0"/>
+          </a:effectRef>
+          <a:fontRef idx="minor">
+            <a:schemeClr val="accent1"/>
+          </a:fontRef>
+        </p:style>
+        <p:txBody>
+          <a:bodyPr lIns="0" tIns="0" rIns="0" bIns="0" rtlCol="0" anchor="ctr"/>
+          <a:lstStyle/>
+          <a:p>
+            <a:pPr algn="ctr"/>
+            <a:r>
+              <a:rPr lang="en-US">
+                <a:solidFill>
+                  <a:schemeClr val="tx1"/>
+                </a:solidFill>
+              </a:rPr>
+              <a:t>D</a:t>
+            </a:r>
+          </a:p>
+        </p:txBody>
+      </p:sp>
+      <p:cxnSp>
+        <p:nvCxnSpPr>
+          <p:cNvPr id="29" name="Straight Arrow Connector 28">
+            <a:extLst>
+              <a:ext uri="{FF2B5EF4-FFF2-40B4-BE49-F238E27FC236}">
+                <a16:creationId xmlns:a16="http://schemas.microsoft.com/office/drawing/2014/main" id="{F5FD9559-C4DE-D159-86B2-0A2C1303B577}"/>
+              </a:ext>
+            </a:extLst>
+          </p:cNvPr>
+          <p:cNvCxnSpPr>
+            <a:cxnSpLocks/>
+            <a:stCxn id="2" idx="3"/>
+            <a:endCxn id="28" idx="7"/>
+          </p:cNvCxnSpPr>
+          <p:nvPr/>
+        </p:nvCxnSpPr>
+        <p:spPr>
+          <a:xfrm flipH="1">
+            <a:off x="3340121" y="3805263"/>
+            <a:ext cx="267822" cy="267822"/>
+          </a:xfrm>
+          <a:prstGeom prst="straightConnector1">
+            <a:avLst/>
+          </a:prstGeom>
+          <a:ln w="28575">
+            <a:solidFill>
+              <a:schemeClr val="accent4"/>
+            </a:solidFill>
+            <a:tailEnd type="triangle"/>
+          </a:ln>
+        </p:spPr>
+        <p:style>
+          <a:lnRef idx="2">
+            <a:schemeClr val="accent1"/>
+          </a:lnRef>
+          <a:fillRef idx="0">
+            <a:schemeClr val="accent1"/>
+          </a:fillRef>
+          <a:effectRef idx="1">
+            <a:schemeClr val="accent1"/>
+          </a:effectRef>
+          <a:fontRef idx="minor">
+            <a:schemeClr val="tx1"/>
+          </a:fontRef>
+        </p:style>
+      </p:cxnSp>
+      <p:sp>
+        <p:nvSpPr>
+          <p:cNvPr id="32" name="Oval 31">
+            <a:extLst>
+              <a:ext uri="{FF2B5EF4-FFF2-40B4-BE49-F238E27FC236}">
+                <a16:creationId xmlns:a16="http://schemas.microsoft.com/office/drawing/2014/main" id="{4D5C730A-0D0F-BAEB-4246-4B8011A30B4F}"/>
+              </a:ext>
+            </a:extLst>
+          </p:cNvPr>
+          <p:cNvSpPr/>
+          <p:nvPr/>
+        </p:nvSpPr>
+        <p:spPr>
+          <a:xfrm>
+            <a:off x="5302832" y="3024774"/>
+            <a:ext cx="914400" cy="914400"/>
+          </a:xfrm>
+          <a:prstGeom prst="ellipse">
+            <a:avLst/>
+          </a:prstGeom>
+          <a:noFill/>
+          <a:ln w="28575" cap="flat" cmpd="sng" algn="ctr">
+            <a:solidFill>
+              <a:schemeClr val="accent1"/>
+            </a:solidFill>
+            <a:prstDash val="solid"/>
+            <a:round/>
+            <a:headEnd type="none" w="med" len="med"/>
+            <a:tailEnd type="none" w="med" len="med"/>
+          </a:ln>
+        </p:spPr>
+        <p:style>
+          <a:lnRef idx="0">
+            <a:scrgbClr r="0" g="0" b="0"/>
+          </a:lnRef>
+          <a:fillRef idx="0">
+            <a:scrgbClr r="0" g="0" b="0"/>
+          </a:fillRef>
+          <a:effectRef idx="0">
+            <a:scrgbClr r="0" g="0" b="0"/>
+          </a:effectRef>
+          <a:fontRef idx="minor">
+            <a:schemeClr val="accent1"/>
+          </a:fontRef>
+        </p:style>
+        <p:txBody>
+          <a:bodyPr lIns="0" tIns="0" rIns="0" bIns="0" rtlCol="0" anchor="ctr"/>
+          <a:lstStyle/>
+          <a:p>
+            <a:pPr algn="ctr"/>
+            <a:r>
+              <a:rPr lang="en-US">
+                <a:solidFill>
+                  <a:schemeClr val="tx1"/>
+                </a:solidFill>
+              </a:rPr>
+              <a:t>C</a:t>
+            </a:r>
+          </a:p>
+        </p:txBody>
+      </p:sp>
+      <p:cxnSp>
+        <p:nvCxnSpPr>
+          <p:cNvPr id="33" name="Straight Arrow Connector 32">
+            <a:extLst>
+              <a:ext uri="{FF2B5EF4-FFF2-40B4-BE49-F238E27FC236}">
+                <a16:creationId xmlns:a16="http://schemas.microsoft.com/office/drawing/2014/main" id="{0F84E04F-1517-159E-2808-22747A6BEFF3}"/>
+              </a:ext>
+            </a:extLst>
+          </p:cNvPr>
+          <p:cNvCxnSpPr>
+            <a:cxnSpLocks/>
+            <a:stCxn id="18" idx="5"/>
+            <a:endCxn id="32" idx="1"/>
+          </p:cNvCxnSpPr>
+          <p:nvPr/>
+        </p:nvCxnSpPr>
+        <p:spPr>
+          <a:xfrm>
+            <a:off x="5168921" y="2890863"/>
+            <a:ext cx="267822" cy="267822"/>
+          </a:xfrm>
+          <a:prstGeom prst="straightConnector1">
+            <a:avLst/>
+          </a:prstGeom>
+          <a:ln w="28575">
+            <a:solidFill>
+              <a:schemeClr val="accent4"/>
+            </a:solidFill>
+            <a:tailEnd type="triangle"/>
+          </a:ln>
+        </p:spPr>
+        <p:style>
+          <a:lnRef idx="2">
+            <a:schemeClr val="accent1"/>
+          </a:lnRef>
+          <a:fillRef idx="0">
+            <a:schemeClr val="accent1"/>
+          </a:fillRef>
+          <a:effectRef idx="1">
+            <a:schemeClr val="accent1"/>
+          </a:effectRef>
+          <a:fontRef idx="minor">
+            <a:schemeClr val="tx1"/>
+          </a:fontRef>
+        </p:style>
+      </p:cxnSp>
+      <p:sp>
+        <p:nvSpPr>
+          <p:cNvPr id="37" name="Oval 36">
+            <a:extLst>
+              <a:ext uri="{FF2B5EF4-FFF2-40B4-BE49-F238E27FC236}">
+                <a16:creationId xmlns:a16="http://schemas.microsoft.com/office/drawing/2014/main" id="{2BC33F80-C20B-EADA-EA9C-36FD6B4DE7C3}"/>
+              </a:ext>
+            </a:extLst>
+          </p:cNvPr>
+          <p:cNvSpPr/>
+          <p:nvPr/>
+        </p:nvSpPr>
+        <p:spPr>
+          <a:xfrm>
+            <a:off x="6217232" y="3939174"/>
+            <a:ext cx="914400" cy="914400"/>
+          </a:xfrm>
+          <a:prstGeom prst="ellipse">
+            <a:avLst/>
+          </a:prstGeom>
+          <a:noFill/>
+          <a:ln w="28575" cap="flat" cmpd="sng" algn="ctr">
+            <a:solidFill>
+              <a:schemeClr val="accent1"/>
+            </a:solidFill>
+            <a:prstDash val="solid"/>
+            <a:round/>
+            <a:headEnd type="none" w="med" len="med"/>
+            <a:tailEnd type="none" w="med" len="med"/>
+          </a:ln>
+        </p:spPr>
+        <p:style>
+          <a:lnRef idx="0">
+            <a:scrgbClr r="0" g="0" b="0"/>
+          </a:lnRef>
+          <a:fillRef idx="0">
+            <a:scrgbClr r="0" g="0" b="0"/>
+          </a:fillRef>
+          <a:effectRef idx="0">
+            <a:scrgbClr r="0" g="0" b="0"/>
+          </a:effectRef>
+          <a:fontRef idx="minor">
+            <a:schemeClr val="accent1"/>
+          </a:fontRef>
+        </p:style>
+        <p:txBody>
+          <a:bodyPr lIns="0" tIns="0" rIns="0" bIns="0" rtlCol="0" anchor="ctr"/>
+          <a:lstStyle/>
+          <a:p>
+            <a:pPr algn="ctr"/>
+            <a:r>
+              <a:rPr lang="en-US">
+                <a:solidFill>
+                  <a:schemeClr val="tx1"/>
+                </a:solidFill>
+              </a:rPr>
+              <a:t>F</a:t>
+            </a:r>
+          </a:p>
+        </p:txBody>
+      </p:sp>
+      <p:cxnSp>
+        <p:nvCxnSpPr>
+          <p:cNvPr id="38" name="Straight Arrow Connector 37">
+            <a:extLst>
+              <a:ext uri="{FF2B5EF4-FFF2-40B4-BE49-F238E27FC236}">
+                <a16:creationId xmlns:a16="http://schemas.microsoft.com/office/drawing/2014/main" id="{8CECAEE2-400B-C27D-1445-D5B7BAD9C08A}"/>
+              </a:ext>
+            </a:extLst>
+          </p:cNvPr>
+          <p:cNvCxnSpPr>
+            <a:cxnSpLocks/>
+            <a:stCxn id="32" idx="5"/>
+            <a:endCxn id="37" idx="1"/>
+          </p:cNvCxnSpPr>
+          <p:nvPr/>
+        </p:nvCxnSpPr>
+        <p:spPr>
+          <a:xfrm>
+            <a:off x="6083321" y="3805263"/>
+            <a:ext cx="267822" cy="267822"/>
+          </a:xfrm>
+          <a:prstGeom prst="straightConnector1">
+            <a:avLst/>
+          </a:prstGeom>
+          <a:ln w="28575">
+            <a:solidFill>
+              <a:schemeClr val="accent4"/>
+            </a:solidFill>
+            <a:tailEnd type="triangle"/>
+          </a:ln>
+        </p:spPr>
+        <p:style>
+          <a:lnRef idx="2">
+            <a:schemeClr val="accent1"/>
+          </a:lnRef>
+          <a:fillRef idx="0">
+            <a:schemeClr val="accent1"/>
+          </a:fillRef>
+          <a:effectRef idx="1">
+            <a:schemeClr val="accent1"/>
+          </a:effectRef>
+          <a:fontRef idx="minor">
+            <a:schemeClr val="tx1"/>
+          </a:fontRef>
+        </p:style>
+      </p:cxnSp>
+      <p:sp>
+        <p:nvSpPr>
+          <p:cNvPr id="9" name="Arrow: Left 8">
+            <a:extLst>
+              <a:ext uri="{FF2B5EF4-FFF2-40B4-BE49-F238E27FC236}">
+                <a16:creationId xmlns:a16="http://schemas.microsoft.com/office/drawing/2014/main" id="{1E72069F-0055-FB51-21C0-D05808482D78}"/>
+              </a:ext>
+            </a:extLst>
+          </p:cNvPr>
+          <p:cNvSpPr/>
+          <p:nvPr/>
+        </p:nvSpPr>
+        <p:spPr>
+          <a:xfrm>
+            <a:off x="5594117" y="2325258"/>
+            <a:ext cx="978408" cy="484632"/>
+          </a:xfrm>
+          <a:prstGeom prst="leftArrow">
+            <a:avLst/>
+          </a:prstGeom>
+        </p:spPr>
+        <p:style>
+          <a:lnRef idx="2">
+            <a:schemeClr val="accent1">
+              <a:shade val="15000"/>
+            </a:schemeClr>
+          </a:lnRef>
+          <a:fillRef idx="1">
+            <a:schemeClr val="accent1"/>
+          </a:fillRef>
+          <a:effectRef idx="0">
+            <a:schemeClr val="accent1"/>
+          </a:effectRef>
+          <a:fontRef idx="minor">
+            <a:schemeClr val="lt1"/>
+          </a:fontRef>
+        </p:style>
+        <p:txBody>
+          <a:bodyPr rtlCol="0" anchor="ctr"/>
+          <a:lstStyle/>
+          <a:p>
+            <a:pPr algn="ctr"/>
+            <a:endParaRPr lang="en-US"/>
+          </a:p>
+        </p:txBody>
+      </p:sp>
+      <p:sp>
+        <p:nvSpPr>
+          <p:cNvPr id="10" name="TextBox 9">
+            <a:extLst>
+              <a:ext uri="{FF2B5EF4-FFF2-40B4-BE49-F238E27FC236}">
+                <a16:creationId xmlns:a16="http://schemas.microsoft.com/office/drawing/2014/main" id="{D51084AB-0F59-AD6C-B631-9F6B9266014E}"/>
+              </a:ext>
+            </a:extLst>
+          </p:cNvPr>
+          <p:cNvSpPr txBox="1"/>
+          <p:nvPr/>
+        </p:nvSpPr>
+        <p:spPr>
+          <a:xfrm>
+            <a:off x="6674432" y="2382908"/>
+            <a:ext cx="1032655" cy="369332"/>
+          </a:xfrm>
+          <a:prstGeom prst="rect">
+            <a:avLst/>
+          </a:prstGeom>
+          <a:noFill/>
+        </p:spPr>
+        <p:txBody>
+          <a:bodyPr wrap="none" rtlCol="0">
+            <a:spAutoFit/>
+          </a:bodyPr>
+          <a:lstStyle/>
+          <a:p>
+            <a:r>
+              <a:rPr lang="en-US"/>
+              <a:t>Depth: 0</a:t>
+            </a:r>
+          </a:p>
+        </p:txBody>
+      </p:sp>
+      <p:sp>
+        <p:nvSpPr>
+          <p:cNvPr id="12" name="Arrow: Left 11">
+            <a:extLst>
+              <a:ext uri="{FF2B5EF4-FFF2-40B4-BE49-F238E27FC236}">
+                <a16:creationId xmlns:a16="http://schemas.microsoft.com/office/drawing/2014/main" id="{B372EDE0-B7E0-1E2B-C356-78068B121994}"/>
+              </a:ext>
+            </a:extLst>
+          </p:cNvPr>
+          <p:cNvSpPr/>
+          <p:nvPr/>
+        </p:nvSpPr>
+        <p:spPr>
+          <a:xfrm>
+            <a:off x="6543622" y="3202921"/>
+            <a:ext cx="978408" cy="484632"/>
+          </a:xfrm>
+          <a:prstGeom prst="leftArrow">
+            <a:avLst/>
+          </a:prstGeom>
+        </p:spPr>
+        <p:style>
+          <a:lnRef idx="2">
+            <a:schemeClr val="accent1">
+              <a:shade val="15000"/>
+            </a:schemeClr>
+          </a:lnRef>
+          <a:fillRef idx="1">
+            <a:schemeClr val="accent1"/>
+          </a:fillRef>
+          <a:effectRef idx="0">
+            <a:schemeClr val="accent1"/>
+          </a:effectRef>
+          <a:fontRef idx="minor">
+            <a:schemeClr val="lt1"/>
+          </a:fontRef>
+        </p:style>
+        <p:txBody>
+          <a:bodyPr rtlCol="0" anchor="ctr"/>
+          <a:lstStyle/>
+          <a:p>
+            <a:pPr algn="ctr"/>
+            <a:endParaRPr lang="en-US"/>
+          </a:p>
+        </p:txBody>
+      </p:sp>
+      <p:sp>
+        <p:nvSpPr>
+          <p:cNvPr id="13" name="TextBox 12">
+            <a:extLst>
+              <a:ext uri="{FF2B5EF4-FFF2-40B4-BE49-F238E27FC236}">
+                <a16:creationId xmlns:a16="http://schemas.microsoft.com/office/drawing/2014/main" id="{E964B283-A36B-4AD5-BAAB-0FA35003D2E7}"/>
+              </a:ext>
+            </a:extLst>
+          </p:cNvPr>
+          <p:cNvSpPr txBox="1"/>
+          <p:nvPr/>
+        </p:nvSpPr>
+        <p:spPr>
+          <a:xfrm>
+            <a:off x="7655941" y="3260571"/>
+            <a:ext cx="1032655" cy="369332"/>
+          </a:xfrm>
+          <a:prstGeom prst="rect">
+            <a:avLst/>
+          </a:prstGeom>
+          <a:noFill/>
+        </p:spPr>
+        <p:txBody>
+          <a:bodyPr wrap="none" rtlCol="0">
+            <a:spAutoFit/>
+          </a:bodyPr>
+          <a:lstStyle/>
+          <a:p>
+            <a:r>
+              <a:rPr lang="en-US"/>
+              <a:t>Depth: 1</a:t>
+            </a:r>
+          </a:p>
+        </p:txBody>
+      </p:sp>
+      <p:sp>
+        <p:nvSpPr>
+          <p:cNvPr id="16" name="Arrow: Left 15">
+            <a:extLst>
+              <a:ext uri="{FF2B5EF4-FFF2-40B4-BE49-F238E27FC236}">
+                <a16:creationId xmlns:a16="http://schemas.microsoft.com/office/drawing/2014/main" id="{D1A32271-5DEF-28E2-B66E-03E3198CA23C}"/>
+              </a:ext>
+            </a:extLst>
+          </p:cNvPr>
+          <p:cNvSpPr/>
+          <p:nvPr/>
+        </p:nvSpPr>
+        <p:spPr>
+          <a:xfrm>
+            <a:off x="7368684" y="4138234"/>
+            <a:ext cx="978408" cy="484632"/>
+          </a:xfrm>
+          <a:prstGeom prst="leftArrow">
+            <a:avLst/>
+          </a:prstGeom>
+        </p:spPr>
+        <p:style>
+          <a:lnRef idx="2">
+            <a:schemeClr val="accent1">
+              <a:shade val="15000"/>
+            </a:schemeClr>
+          </a:lnRef>
+          <a:fillRef idx="1">
+            <a:schemeClr val="accent1"/>
+          </a:fillRef>
+          <a:effectRef idx="0">
+            <a:schemeClr val="accent1"/>
+          </a:effectRef>
+          <a:fontRef idx="minor">
+            <a:schemeClr val="lt1"/>
+          </a:fontRef>
+        </p:style>
+        <p:txBody>
+          <a:bodyPr rtlCol="0" anchor="ctr"/>
+          <a:lstStyle/>
+          <a:p>
+            <a:pPr algn="ctr"/>
+            <a:endParaRPr lang="en-US"/>
+          </a:p>
+        </p:txBody>
+      </p:sp>
+      <p:sp>
+        <p:nvSpPr>
+          <p:cNvPr id="17" name="TextBox 16">
+            <a:extLst>
+              <a:ext uri="{FF2B5EF4-FFF2-40B4-BE49-F238E27FC236}">
+                <a16:creationId xmlns:a16="http://schemas.microsoft.com/office/drawing/2014/main" id="{5E7A15A9-19C9-09BE-C82C-774F15C07D91}"/>
+              </a:ext>
+            </a:extLst>
+          </p:cNvPr>
+          <p:cNvSpPr txBox="1"/>
+          <p:nvPr/>
+        </p:nvSpPr>
+        <p:spPr>
+          <a:xfrm>
+            <a:off x="8481003" y="4195884"/>
+            <a:ext cx="1032655" cy="369332"/>
+          </a:xfrm>
+          <a:prstGeom prst="rect">
+            <a:avLst/>
+          </a:prstGeom>
+          <a:noFill/>
+        </p:spPr>
+        <p:txBody>
+          <a:bodyPr wrap="none" rtlCol="0">
+            <a:spAutoFit/>
+          </a:bodyPr>
+          <a:lstStyle/>
+          <a:p>
+            <a:r>
+              <a:rPr lang="en-US"/>
+              <a:t>Depth: 2</a:t>
+            </a:r>
+          </a:p>
+        </p:txBody>
+      </p:sp>
+    </p:spTree>
+    <p:extLst>
+      <p:ext uri="{BB962C8B-B14F-4D97-AF65-F5344CB8AC3E}">
+        <p14:creationId xmlns:p14="http://schemas.microsoft.com/office/powerpoint/2010/main" val="832737746"/>
+      </p:ext>
+    </p:extLst>
+  </p:cSld>
+  <p:clrMapOvr>
+    <a:masterClrMapping/>
+  </p:clrMapOvr>
+  <mc:AlternateContent xmlns:mc="http://schemas.openxmlformats.org/markup-compatibility/2006">
+    <mc:Choice xmlns:p14="http://schemas.microsoft.com/office/powerpoint/2010/main" Requires="p14">
+      <p:transition p14:dur="0"/>
+    </mc:Choice>
+    <mc:Fallback>
+      <p:transition/>
+    </mc:Fallback>
+  </mc:AlternateContent>
+</p:sld>
+</file>
+
+<file path=ppt/slides/slide4.xml><?xml version="1.0" encoding="utf-8"?>
+<p:sld xmlns:a="http://schemas.openxmlformats.org/drawingml/2006/main" xmlns:r="http://schemas.openxmlformats.org/officeDocument/2006/relationships" xmlns:p="http://schemas.openxmlformats.org/presentationml/2006/main">
+  <p:cSld>
+    <p:spTree>
+      <p:nvGrpSpPr>
+        <p:cNvPr id="1" name="">
+          <a:extLst>
+            <a:ext uri="{FF2B5EF4-FFF2-40B4-BE49-F238E27FC236}">
               <a16:creationId xmlns:a16="http://schemas.microsoft.com/office/drawing/2014/main" id="{094D06D3-A200-D62E-2A2D-B55040747EAD}"/>
             </a:ext>
           </a:extLst>
@@ -3501,18 +6721,1533 @@
           <a:p>
             <a:fld id="{7A78D7CD-E273-4158-B1CA-59F0920772DC}" type="slidenum">
               <a:rPr lang="en-US" smtClean="0"/>
-              <a:t>1</a:t>
+              <a:t>4</a:t>
             </a:fld>
             <a:endParaRPr lang="en-US"/>
           </a:p>
         </p:txBody>
       </p:sp>
-      <p:sp>
-        <p:nvSpPr>
-          <p:cNvPr id="18" name="Oval 17">
-            <a:extLst>
-              <a:ext uri="{FF2B5EF4-FFF2-40B4-BE49-F238E27FC236}">
-                <a16:creationId xmlns:a16="http://schemas.microsoft.com/office/drawing/2014/main" id="{CF7E41DC-A20A-F638-5392-590878430D33}"/>
+      <p:grpSp>
+        <p:nvGrpSpPr>
+          <p:cNvPr id="64" name="Group 63">
+            <a:extLst>
+              <a:ext uri="{FF2B5EF4-FFF2-40B4-BE49-F238E27FC236}">
+                <a16:creationId xmlns:a16="http://schemas.microsoft.com/office/drawing/2014/main" id="{949DF616-9302-9EFB-779D-8052BD8E186C}"/>
+              </a:ext>
+            </a:extLst>
+          </p:cNvPr>
+          <p:cNvGrpSpPr/>
+          <p:nvPr/>
+        </p:nvGrpSpPr>
+        <p:grpSpPr>
+          <a:xfrm>
+            <a:off x="1018526" y="1143000"/>
+            <a:ext cx="8759968" cy="4572000"/>
+            <a:chOff x="2266341" y="1143422"/>
+            <a:chExt cx="8759968" cy="4572000"/>
+          </a:xfrm>
+        </p:grpSpPr>
+        <p:sp>
+          <p:nvSpPr>
+            <p:cNvPr id="18" name="Oval 17">
+              <a:extLst>
+                <a:ext uri="{FF2B5EF4-FFF2-40B4-BE49-F238E27FC236}">
+                  <a16:creationId xmlns:a16="http://schemas.microsoft.com/office/drawing/2014/main" id="{CF7E41DC-A20A-F638-5392-590878430D33}"/>
+                </a:ext>
+              </a:extLst>
+            </p:cNvPr>
+            <p:cNvSpPr/>
+            <p:nvPr/>
+          </p:nvSpPr>
+          <p:spPr>
+            <a:xfrm>
+              <a:off x="4556234" y="2057822"/>
+              <a:ext cx="914400" cy="914400"/>
+            </a:xfrm>
+            <a:prstGeom prst="ellipse">
+              <a:avLst/>
+            </a:prstGeom>
+            <a:noFill/>
+            <a:ln w="28575" cap="flat" cmpd="sng" algn="ctr">
+              <a:solidFill>
+                <a:schemeClr val="accent5"/>
+              </a:solidFill>
+              <a:prstDash val="solid"/>
+              <a:round/>
+              <a:headEnd type="none" w="med" len="med"/>
+              <a:tailEnd type="none" w="med" len="med"/>
+            </a:ln>
+          </p:spPr>
+          <p:style>
+            <a:lnRef idx="0">
+              <a:scrgbClr r="0" g="0" b="0"/>
+            </a:lnRef>
+            <a:fillRef idx="0">
+              <a:scrgbClr r="0" g="0" b="0"/>
+            </a:fillRef>
+            <a:effectRef idx="0">
+              <a:scrgbClr r="0" g="0" b="0"/>
+            </a:effectRef>
+            <a:fontRef idx="minor">
+              <a:schemeClr val="accent1"/>
+            </a:fontRef>
+          </p:style>
+          <p:txBody>
+            <a:bodyPr lIns="0" tIns="0" rIns="0" bIns="0" rtlCol="0" anchor="ctr"/>
+            <a:lstStyle/>
+            <a:p>
+              <a:pPr algn="ctr"/>
+              <a:r>
+                <a:rPr lang="en-US">
+                  <a:solidFill>
+                    <a:schemeClr val="tx1"/>
+                  </a:solidFill>
+                </a:rPr>
+                <a:t>C</a:t>
+              </a:r>
+            </a:p>
+          </p:txBody>
+        </p:sp>
+        <p:sp>
+          <p:nvSpPr>
+            <p:cNvPr id="2" name="Oval 1">
+              <a:extLst>
+                <a:ext uri="{FF2B5EF4-FFF2-40B4-BE49-F238E27FC236}">
+                  <a16:creationId xmlns:a16="http://schemas.microsoft.com/office/drawing/2014/main" id="{B9C1D2F4-4990-6E33-7DAD-AF8D175DB7A7}"/>
+                </a:ext>
+              </a:extLst>
+            </p:cNvPr>
+            <p:cNvSpPr/>
+            <p:nvPr/>
+          </p:nvSpPr>
+          <p:spPr>
+            <a:xfrm>
+              <a:off x="3641834" y="2972222"/>
+              <a:ext cx="914400" cy="914400"/>
+            </a:xfrm>
+            <a:prstGeom prst="ellipse">
+              <a:avLst/>
+            </a:prstGeom>
+            <a:noFill/>
+            <a:ln w="28575" cap="flat" cmpd="sng" algn="ctr">
+              <a:solidFill>
+                <a:schemeClr val="accent2"/>
+              </a:solidFill>
+              <a:prstDash val="solid"/>
+              <a:round/>
+              <a:headEnd type="none" w="med" len="med"/>
+              <a:tailEnd type="none" w="med" len="med"/>
+            </a:ln>
+          </p:spPr>
+          <p:style>
+            <a:lnRef idx="0">
+              <a:scrgbClr r="0" g="0" b="0"/>
+            </a:lnRef>
+            <a:fillRef idx="0">
+              <a:scrgbClr r="0" g="0" b="0"/>
+            </a:fillRef>
+            <a:effectRef idx="0">
+              <a:scrgbClr r="0" g="0" b="0"/>
+            </a:effectRef>
+            <a:fontRef idx="minor">
+              <a:schemeClr val="accent1"/>
+            </a:fontRef>
+          </p:style>
+          <p:txBody>
+            <a:bodyPr lIns="0" tIns="0" rIns="0" bIns="0" rtlCol="0" anchor="ctr"/>
+            <a:lstStyle/>
+            <a:p>
+              <a:pPr algn="ctr"/>
+              <a:r>
+                <a:rPr lang="en-US">
+                  <a:solidFill>
+                    <a:schemeClr val="tx1"/>
+                  </a:solidFill>
+                </a:rPr>
+                <a:t>D</a:t>
+              </a:r>
+            </a:p>
+          </p:txBody>
+        </p:sp>
+        <p:cxnSp>
+          <p:nvCxnSpPr>
+            <p:cNvPr id="8" name="Straight Arrow Connector 7">
+              <a:extLst>
+                <a:ext uri="{FF2B5EF4-FFF2-40B4-BE49-F238E27FC236}">
+                  <a16:creationId xmlns:a16="http://schemas.microsoft.com/office/drawing/2014/main" id="{6D3BD554-12CD-F14D-6D32-25F44D42A5EA}"/>
+                </a:ext>
+              </a:extLst>
+            </p:cNvPr>
+            <p:cNvCxnSpPr>
+              <a:cxnSpLocks/>
+              <a:stCxn id="18" idx="3"/>
+              <a:endCxn id="2" idx="7"/>
+            </p:cNvCxnSpPr>
+            <p:nvPr/>
+          </p:nvCxnSpPr>
+          <p:spPr>
+            <a:xfrm flipH="1">
+              <a:off x="4422323" y="2838311"/>
+              <a:ext cx="267822" cy="267822"/>
+            </a:xfrm>
+            <a:prstGeom prst="straightConnector1">
+              <a:avLst/>
+            </a:prstGeom>
+            <a:ln w="28575">
+              <a:solidFill>
+                <a:schemeClr val="accent4"/>
+              </a:solidFill>
+              <a:tailEnd type="triangle"/>
+            </a:ln>
+          </p:spPr>
+          <p:style>
+            <a:lnRef idx="2">
+              <a:schemeClr val="accent1"/>
+            </a:lnRef>
+            <a:fillRef idx="0">
+              <a:schemeClr val="accent1"/>
+            </a:fillRef>
+            <a:effectRef idx="1">
+              <a:schemeClr val="accent1"/>
+            </a:effectRef>
+            <a:fontRef idx="minor">
+              <a:schemeClr val="tx1"/>
+            </a:fontRef>
+          </p:style>
+        </p:cxnSp>
+        <p:sp>
+          <p:nvSpPr>
+            <p:cNvPr id="24" name="Oval 23">
+              <a:extLst>
+                <a:ext uri="{FF2B5EF4-FFF2-40B4-BE49-F238E27FC236}">
+                  <a16:creationId xmlns:a16="http://schemas.microsoft.com/office/drawing/2014/main" id="{001FE83A-4415-8782-ABBB-CF67193DEE98}"/>
+                </a:ext>
+              </a:extLst>
+            </p:cNvPr>
+            <p:cNvSpPr/>
+            <p:nvPr/>
+          </p:nvSpPr>
+          <p:spPr>
+            <a:xfrm>
+              <a:off x="4556234" y="3885778"/>
+              <a:ext cx="914400" cy="914400"/>
+            </a:xfrm>
+            <a:prstGeom prst="ellipse">
+              <a:avLst/>
+            </a:prstGeom>
+            <a:noFill/>
+            <a:ln w="28575" cap="flat" cmpd="sng" algn="ctr">
+              <a:solidFill>
+                <a:schemeClr val="accent6"/>
+              </a:solidFill>
+              <a:prstDash val="solid"/>
+              <a:round/>
+              <a:headEnd type="none" w="med" len="med"/>
+              <a:tailEnd type="none" w="med" len="med"/>
+            </a:ln>
+          </p:spPr>
+          <p:style>
+            <a:lnRef idx="0">
+              <a:scrgbClr r="0" g="0" b="0"/>
+            </a:lnRef>
+            <a:fillRef idx="0">
+              <a:scrgbClr r="0" g="0" b="0"/>
+            </a:fillRef>
+            <a:effectRef idx="0">
+              <a:scrgbClr r="0" g="0" b="0"/>
+            </a:effectRef>
+            <a:fontRef idx="minor">
+              <a:schemeClr val="accent1"/>
+            </a:fontRef>
+          </p:style>
+          <p:txBody>
+            <a:bodyPr lIns="0" tIns="0" rIns="0" bIns="0" rtlCol="0" anchor="ctr"/>
+            <a:lstStyle/>
+            <a:p>
+              <a:pPr algn="ctr"/>
+              <a:r>
+                <a:rPr lang="en-US">
+                  <a:solidFill>
+                    <a:schemeClr val="tx1"/>
+                  </a:solidFill>
+                </a:rPr>
+                <a:t>F</a:t>
+              </a:r>
+            </a:p>
+          </p:txBody>
+        </p:sp>
+        <p:cxnSp>
+          <p:nvCxnSpPr>
+            <p:cNvPr id="25" name="Straight Arrow Connector 24">
+              <a:extLst>
+                <a:ext uri="{FF2B5EF4-FFF2-40B4-BE49-F238E27FC236}">
+                  <a16:creationId xmlns:a16="http://schemas.microsoft.com/office/drawing/2014/main" id="{FD62CD86-DD97-0EB5-FC27-1192C0743C46}"/>
+                </a:ext>
+              </a:extLst>
+            </p:cNvPr>
+            <p:cNvCxnSpPr>
+              <a:cxnSpLocks/>
+              <a:stCxn id="32" idx="3"/>
+              <a:endCxn id="24" idx="7"/>
+            </p:cNvCxnSpPr>
+            <p:nvPr/>
+          </p:nvCxnSpPr>
+          <p:spPr>
+            <a:xfrm flipH="1">
+              <a:off x="5336723" y="3752711"/>
+              <a:ext cx="267822" cy="266978"/>
+            </a:xfrm>
+            <a:prstGeom prst="straightConnector1">
+              <a:avLst/>
+            </a:prstGeom>
+            <a:ln w="28575">
+              <a:solidFill>
+                <a:schemeClr val="accent4"/>
+              </a:solidFill>
+              <a:tailEnd type="triangle"/>
+            </a:ln>
+          </p:spPr>
+          <p:style>
+            <a:lnRef idx="2">
+              <a:schemeClr val="accent1"/>
+            </a:lnRef>
+            <a:fillRef idx="0">
+              <a:schemeClr val="accent1"/>
+            </a:fillRef>
+            <a:effectRef idx="1">
+              <a:schemeClr val="accent1"/>
+            </a:effectRef>
+            <a:fontRef idx="minor">
+              <a:schemeClr val="tx1"/>
+            </a:fontRef>
+          </p:style>
+        </p:cxnSp>
+        <p:sp>
+          <p:nvSpPr>
+            <p:cNvPr id="32" name="Oval 31">
+              <a:extLst>
+                <a:ext uri="{FF2B5EF4-FFF2-40B4-BE49-F238E27FC236}">
+                  <a16:creationId xmlns:a16="http://schemas.microsoft.com/office/drawing/2014/main" id="{2657501F-A064-22B4-24A3-D2DA157A70B9}"/>
+                </a:ext>
+              </a:extLst>
+            </p:cNvPr>
+            <p:cNvSpPr/>
+            <p:nvPr/>
+          </p:nvSpPr>
+          <p:spPr>
+            <a:xfrm>
+              <a:off x="5470634" y="2972222"/>
+              <a:ext cx="914400" cy="914400"/>
+            </a:xfrm>
+            <a:prstGeom prst="ellipse">
+              <a:avLst/>
+            </a:prstGeom>
+            <a:noFill/>
+            <a:ln w="28575" cap="flat" cmpd="sng" algn="ctr">
+              <a:solidFill>
+                <a:schemeClr val="tx1"/>
+              </a:solidFill>
+              <a:prstDash val="solid"/>
+              <a:round/>
+              <a:headEnd type="none" w="med" len="med"/>
+              <a:tailEnd type="none" w="med" len="med"/>
+            </a:ln>
+          </p:spPr>
+          <p:style>
+            <a:lnRef idx="0">
+              <a:scrgbClr r="0" g="0" b="0"/>
+            </a:lnRef>
+            <a:fillRef idx="0">
+              <a:scrgbClr r="0" g="0" b="0"/>
+            </a:fillRef>
+            <a:effectRef idx="0">
+              <a:scrgbClr r="0" g="0" b="0"/>
+            </a:effectRef>
+            <a:fontRef idx="minor">
+              <a:schemeClr val="accent1"/>
+            </a:fontRef>
+          </p:style>
+          <p:txBody>
+            <a:bodyPr lIns="0" tIns="0" rIns="0" bIns="0" rtlCol="0" anchor="ctr"/>
+            <a:lstStyle/>
+            <a:p>
+              <a:pPr algn="ctr"/>
+              <a:r>
+                <a:rPr lang="en-US">
+                  <a:solidFill>
+                    <a:schemeClr val="tx1"/>
+                  </a:solidFill>
+                </a:rPr>
+                <a:t>E</a:t>
+              </a:r>
+            </a:p>
+          </p:txBody>
+        </p:sp>
+        <p:cxnSp>
+          <p:nvCxnSpPr>
+            <p:cNvPr id="33" name="Straight Arrow Connector 32">
+              <a:extLst>
+                <a:ext uri="{FF2B5EF4-FFF2-40B4-BE49-F238E27FC236}">
+                  <a16:creationId xmlns:a16="http://schemas.microsoft.com/office/drawing/2014/main" id="{80DE48CC-49F8-A995-F153-D45FEA217795}"/>
+                </a:ext>
+              </a:extLst>
+            </p:cNvPr>
+            <p:cNvCxnSpPr>
+              <a:cxnSpLocks/>
+              <a:stCxn id="18" idx="5"/>
+              <a:endCxn id="32" idx="1"/>
+            </p:cNvCxnSpPr>
+            <p:nvPr/>
+          </p:nvCxnSpPr>
+          <p:spPr>
+            <a:xfrm>
+              <a:off x="5336723" y="2838311"/>
+              <a:ext cx="267822" cy="267822"/>
+            </a:xfrm>
+            <a:prstGeom prst="straightConnector1">
+              <a:avLst/>
+            </a:prstGeom>
+            <a:ln w="28575">
+              <a:solidFill>
+                <a:schemeClr val="accent4"/>
+              </a:solidFill>
+              <a:tailEnd type="triangle"/>
+            </a:ln>
+          </p:spPr>
+          <p:style>
+            <a:lnRef idx="2">
+              <a:schemeClr val="accent1"/>
+            </a:lnRef>
+            <a:fillRef idx="0">
+              <a:schemeClr val="accent1"/>
+            </a:fillRef>
+            <a:effectRef idx="1">
+              <a:schemeClr val="accent1"/>
+            </a:effectRef>
+            <a:fontRef idx="minor">
+              <a:schemeClr val="tx1"/>
+            </a:fontRef>
+          </p:style>
+        </p:cxnSp>
+        <p:sp>
+          <p:nvSpPr>
+            <p:cNvPr id="37" name="Oval 36">
+              <a:extLst>
+                <a:ext uri="{FF2B5EF4-FFF2-40B4-BE49-F238E27FC236}">
+                  <a16:creationId xmlns:a16="http://schemas.microsoft.com/office/drawing/2014/main" id="{4E17E0BC-F3C3-FC54-EC85-BA5F6A30DBAC}"/>
+                </a:ext>
+              </a:extLst>
+            </p:cNvPr>
+            <p:cNvSpPr/>
+            <p:nvPr/>
+          </p:nvSpPr>
+          <p:spPr>
+            <a:xfrm>
+              <a:off x="6385034" y="3886622"/>
+              <a:ext cx="914400" cy="914400"/>
+            </a:xfrm>
+            <a:prstGeom prst="ellipse">
+              <a:avLst/>
+            </a:prstGeom>
+            <a:noFill/>
+            <a:ln w="28575" cap="flat" cmpd="sng" algn="ctr">
+              <a:solidFill>
+                <a:schemeClr val="accent6"/>
+              </a:solidFill>
+              <a:prstDash val="solid"/>
+              <a:round/>
+              <a:headEnd type="none" w="med" len="med"/>
+              <a:tailEnd type="none" w="med" len="med"/>
+            </a:ln>
+          </p:spPr>
+          <p:style>
+            <a:lnRef idx="0">
+              <a:scrgbClr r="0" g="0" b="0"/>
+            </a:lnRef>
+            <a:fillRef idx="0">
+              <a:scrgbClr r="0" g="0" b="0"/>
+            </a:fillRef>
+            <a:effectRef idx="0">
+              <a:scrgbClr r="0" g="0" b="0"/>
+            </a:effectRef>
+            <a:fontRef idx="minor">
+              <a:schemeClr val="accent1"/>
+            </a:fontRef>
+          </p:style>
+          <p:txBody>
+            <a:bodyPr lIns="0" tIns="0" rIns="0" bIns="0" rtlCol="0" anchor="ctr"/>
+            <a:lstStyle/>
+            <a:p>
+              <a:pPr algn="ctr"/>
+              <a:r>
+                <a:rPr lang="en-US">
+                  <a:solidFill>
+                    <a:schemeClr val="tx1"/>
+                  </a:solidFill>
+                </a:rPr>
+                <a:t>G</a:t>
+              </a:r>
+            </a:p>
+          </p:txBody>
+        </p:sp>
+        <p:cxnSp>
+          <p:nvCxnSpPr>
+            <p:cNvPr id="38" name="Straight Arrow Connector 37">
+              <a:extLst>
+                <a:ext uri="{FF2B5EF4-FFF2-40B4-BE49-F238E27FC236}">
+                  <a16:creationId xmlns:a16="http://schemas.microsoft.com/office/drawing/2014/main" id="{ED4E80DF-1AAA-F276-D9A3-11EC9FBF1BDB}"/>
+                </a:ext>
+              </a:extLst>
+            </p:cNvPr>
+            <p:cNvCxnSpPr>
+              <a:cxnSpLocks/>
+              <a:stCxn id="32" idx="5"/>
+              <a:endCxn id="37" idx="1"/>
+            </p:cNvCxnSpPr>
+            <p:nvPr/>
+          </p:nvCxnSpPr>
+          <p:spPr>
+            <a:xfrm>
+              <a:off x="6251123" y="3752711"/>
+              <a:ext cx="267822" cy="267822"/>
+            </a:xfrm>
+            <a:prstGeom prst="straightConnector1">
+              <a:avLst/>
+            </a:prstGeom>
+            <a:ln w="28575">
+              <a:solidFill>
+                <a:schemeClr val="accent4"/>
+              </a:solidFill>
+              <a:tailEnd type="triangle"/>
+            </a:ln>
+          </p:spPr>
+          <p:style>
+            <a:lnRef idx="2">
+              <a:schemeClr val="accent1"/>
+            </a:lnRef>
+            <a:fillRef idx="0">
+              <a:schemeClr val="accent1"/>
+            </a:fillRef>
+            <a:effectRef idx="1">
+              <a:schemeClr val="accent1"/>
+            </a:effectRef>
+            <a:fontRef idx="minor">
+              <a:schemeClr val="tx1"/>
+            </a:fontRef>
+          </p:style>
+        </p:cxnSp>
+        <p:sp>
+          <p:nvSpPr>
+            <p:cNvPr id="41" name="Oval 40">
+              <a:extLst>
+                <a:ext uri="{FF2B5EF4-FFF2-40B4-BE49-F238E27FC236}">
+                  <a16:creationId xmlns:a16="http://schemas.microsoft.com/office/drawing/2014/main" id="{C40BFEA8-696B-1E89-400B-ABD131993C37}"/>
+                </a:ext>
+              </a:extLst>
+            </p:cNvPr>
+            <p:cNvSpPr/>
+            <p:nvPr/>
+          </p:nvSpPr>
+          <p:spPr>
+            <a:xfrm>
+              <a:off x="5470634" y="4801022"/>
+              <a:ext cx="914400" cy="914400"/>
+            </a:xfrm>
+            <a:prstGeom prst="ellipse">
+              <a:avLst/>
+            </a:prstGeom>
+            <a:noFill/>
+            <a:ln w="28575" cap="flat" cmpd="sng" algn="ctr">
+              <a:solidFill>
+                <a:schemeClr val="accent6"/>
+              </a:solidFill>
+              <a:prstDash val="solid"/>
+              <a:round/>
+              <a:headEnd type="none" w="med" len="med"/>
+              <a:tailEnd type="none" w="med" len="med"/>
+            </a:ln>
+          </p:spPr>
+          <p:style>
+            <a:lnRef idx="0">
+              <a:scrgbClr r="0" g="0" b="0"/>
+            </a:lnRef>
+            <a:fillRef idx="0">
+              <a:scrgbClr r="0" g="0" b="0"/>
+            </a:fillRef>
+            <a:effectRef idx="0">
+              <a:scrgbClr r="0" g="0" b="0"/>
+            </a:effectRef>
+            <a:fontRef idx="minor">
+              <a:schemeClr val="accent1"/>
+            </a:fontRef>
+          </p:style>
+          <p:txBody>
+            <a:bodyPr lIns="0" tIns="0" rIns="0" bIns="0" rtlCol="0" anchor="ctr"/>
+            <a:lstStyle/>
+            <a:p>
+              <a:pPr algn="ctr"/>
+              <a:r>
+                <a:rPr lang="en-US">
+                  <a:solidFill>
+                    <a:schemeClr val="tx1"/>
+                  </a:solidFill>
+                </a:rPr>
+                <a:t>H</a:t>
+              </a:r>
+            </a:p>
+          </p:txBody>
+        </p:sp>
+        <p:sp>
+          <p:nvSpPr>
+            <p:cNvPr id="42" name="Oval 41">
+              <a:extLst>
+                <a:ext uri="{FF2B5EF4-FFF2-40B4-BE49-F238E27FC236}">
+                  <a16:creationId xmlns:a16="http://schemas.microsoft.com/office/drawing/2014/main" id="{E522590A-6CF3-8F5C-E5C7-9497CD90A325}"/>
+                </a:ext>
+              </a:extLst>
+            </p:cNvPr>
+            <p:cNvSpPr/>
+            <p:nvPr/>
+          </p:nvSpPr>
+          <p:spPr>
+            <a:xfrm>
+              <a:off x="7299434" y="4801022"/>
+              <a:ext cx="914400" cy="914400"/>
+            </a:xfrm>
+            <a:prstGeom prst="ellipse">
+              <a:avLst/>
+            </a:prstGeom>
+            <a:noFill/>
+            <a:ln w="28575" cap="flat" cmpd="sng" algn="ctr">
+              <a:solidFill>
+                <a:schemeClr val="accent6"/>
+              </a:solidFill>
+              <a:prstDash val="solid"/>
+              <a:round/>
+              <a:headEnd type="none" w="med" len="med"/>
+              <a:tailEnd type="none" w="med" len="med"/>
+            </a:ln>
+          </p:spPr>
+          <p:style>
+            <a:lnRef idx="0">
+              <a:scrgbClr r="0" g="0" b="0"/>
+            </a:lnRef>
+            <a:fillRef idx="0">
+              <a:scrgbClr r="0" g="0" b="0"/>
+            </a:fillRef>
+            <a:effectRef idx="0">
+              <a:scrgbClr r="0" g="0" b="0"/>
+            </a:effectRef>
+            <a:fontRef idx="minor">
+              <a:schemeClr val="accent1"/>
+            </a:fontRef>
+          </p:style>
+          <p:txBody>
+            <a:bodyPr lIns="0" tIns="0" rIns="0" bIns="0" rtlCol="0" anchor="ctr"/>
+            <a:lstStyle/>
+            <a:p>
+              <a:pPr algn="ctr"/>
+              <a:r>
+                <a:rPr lang="en-US">
+                  <a:solidFill>
+                    <a:schemeClr val="tx1"/>
+                  </a:solidFill>
+                </a:rPr>
+                <a:t>I</a:t>
+              </a:r>
+            </a:p>
+          </p:txBody>
+        </p:sp>
+        <p:cxnSp>
+          <p:nvCxnSpPr>
+            <p:cNvPr id="43" name="Straight Arrow Connector 42">
+              <a:extLst>
+                <a:ext uri="{FF2B5EF4-FFF2-40B4-BE49-F238E27FC236}">
+                  <a16:creationId xmlns:a16="http://schemas.microsoft.com/office/drawing/2014/main" id="{E472589D-9D60-B0F3-7915-FB0CE871AAFB}"/>
+                </a:ext>
+              </a:extLst>
+            </p:cNvPr>
+            <p:cNvCxnSpPr>
+              <a:cxnSpLocks/>
+              <a:stCxn id="37" idx="5"/>
+              <a:endCxn id="42" idx="1"/>
+            </p:cNvCxnSpPr>
+            <p:nvPr/>
+          </p:nvCxnSpPr>
+          <p:spPr>
+            <a:xfrm>
+              <a:off x="7165523" y="4667111"/>
+              <a:ext cx="267822" cy="267822"/>
+            </a:xfrm>
+            <a:prstGeom prst="straightConnector1">
+              <a:avLst/>
+            </a:prstGeom>
+            <a:ln w="28575">
+              <a:solidFill>
+                <a:schemeClr val="accent4"/>
+              </a:solidFill>
+              <a:tailEnd type="triangle"/>
+            </a:ln>
+          </p:spPr>
+          <p:style>
+            <a:lnRef idx="2">
+              <a:schemeClr val="accent1"/>
+            </a:lnRef>
+            <a:fillRef idx="0">
+              <a:schemeClr val="accent1"/>
+            </a:fillRef>
+            <a:effectRef idx="1">
+              <a:schemeClr val="accent1"/>
+            </a:effectRef>
+            <a:fontRef idx="minor">
+              <a:schemeClr val="tx1"/>
+            </a:fontRef>
+          </p:style>
+        </p:cxnSp>
+        <p:cxnSp>
+          <p:nvCxnSpPr>
+            <p:cNvPr id="50" name="Straight Arrow Connector 49">
+              <a:extLst>
+                <a:ext uri="{FF2B5EF4-FFF2-40B4-BE49-F238E27FC236}">
+                  <a16:creationId xmlns:a16="http://schemas.microsoft.com/office/drawing/2014/main" id="{A7A95A1F-969B-6B51-794E-D3D13858BAEB}"/>
+                </a:ext>
+              </a:extLst>
+            </p:cNvPr>
+            <p:cNvCxnSpPr>
+              <a:cxnSpLocks/>
+              <a:stCxn id="37" idx="3"/>
+              <a:endCxn id="41" idx="7"/>
+            </p:cNvCxnSpPr>
+            <p:nvPr/>
+          </p:nvCxnSpPr>
+          <p:spPr>
+            <a:xfrm flipH="1">
+              <a:off x="6251123" y="4667111"/>
+              <a:ext cx="267822" cy="267822"/>
+            </a:xfrm>
+            <a:prstGeom prst="straightConnector1">
+              <a:avLst/>
+            </a:prstGeom>
+            <a:ln w="28575">
+              <a:solidFill>
+                <a:schemeClr val="accent4"/>
+              </a:solidFill>
+              <a:tailEnd type="triangle"/>
+            </a:ln>
+          </p:spPr>
+          <p:style>
+            <a:lnRef idx="2">
+              <a:schemeClr val="accent1"/>
+            </a:lnRef>
+            <a:fillRef idx="0">
+              <a:schemeClr val="accent1"/>
+            </a:fillRef>
+            <a:effectRef idx="1">
+              <a:schemeClr val="accent1"/>
+            </a:effectRef>
+            <a:fontRef idx="minor">
+              <a:schemeClr val="tx1"/>
+            </a:fontRef>
+          </p:style>
+        </p:cxnSp>
+        <p:sp>
+          <p:nvSpPr>
+            <p:cNvPr id="3" name="Oval 2">
+              <a:extLst>
+                <a:ext uri="{FF2B5EF4-FFF2-40B4-BE49-F238E27FC236}">
+                  <a16:creationId xmlns:a16="http://schemas.microsoft.com/office/drawing/2014/main" id="{D37E8960-9CA0-C825-A918-56AA0BAE0088}"/>
+                </a:ext>
+              </a:extLst>
+            </p:cNvPr>
+            <p:cNvSpPr/>
+            <p:nvPr/>
+          </p:nvSpPr>
+          <p:spPr>
+            <a:xfrm>
+              <a:off x="3641834" y="1143422"/>
+              <a:ext cx="914400" cy="914400"/>
+            </a:xfrm>
+            <a:prstGeom prst="ellipse">
+              <a:avLst/>
+            </a:prstGeom>
+            <a:noFill/>
+            <a:ln w="28575" cap="flat" cmpd="sng" algn="ctr">
+              <a:solidFill>
+                <a:schemeClr val="accent5"/>
+              </a:solidFill>
+              <a:prstDash val="solid"/>
+              <a:round/>
+              <a:headEnd type="none" w="med" len="med"/>
+              <a:tailEnd type="none" w="med" len="med"/>
+            </a:ln>
+          </p:spPr>
+          <p:style>
+            <a:lnRef idx="0">
+              <a:scrgbClr r="0" g="0" b="0"/>
+            </a:lnRef>
+            <a:fillRef idx="0">
+              <a:scrgbClr r="0" g="0" b="0"/>
+            </a:fillRef>
+            <a:effectRef idx="0">
+              <a:scrgbClr r="0" g="0" b="0"/>
+            </a:effectRef>
+            <a:fontRef idx="minor">
+              <a:schemeClr val="accent1"/>
+            </a:fontRef>
+          </p:style>
+          <p:txBody>
+            <a:bodyPr lIns="0" tIns="0" rIns="0" bIns="0" rtlCol="0" anchor="ctr"/>
+            <a:lstStyle/>
+            <a:p>
+              <a:pPr algn="ctr"/>
+              <a:r>
+                <a:rPr lang="en-US">
+                  <a:solidFill>
+                    <a:schemeClr val="tx1"/>
+                  </a:solidFill>
+                </a:rPr>
+                <a:t>A</a:t>
+              </a:r>
+            </a:p>
+          </p:txBody>
+        </p:sp>
+        <p:sp>
+          <p:nvSpPr>
+            <p:cNvPr id="10" name="Oval 9">
+              <a:extLst>
+                <a:ext uri="{FF2B5EF4-FFF2-40B4-BE49-F238E27FC236}">
+                  <a16:creationId xmlns:a16="http://schemas.microsoft.com/office/drawing/2014/main" id="{4183D9D0-0BAF-0DD3-092B-F29592BBD552}"/>
+                </a:ext>
+              </a:extLst>
+            </p:cNvPr>
+            <p:cNvSpPr/>
+            <p:nvPr/>
+          </p:nvSpPr>
+          <p:spPr>
+            <a:xfrm>
+              <a:off x="2723541" y="2057822"/>
+              <a:ext cx="914400" cy="914400"/>
+            </a:xfrm>
+            <a:prstGeom prst="ellipse">
+              <a:avLst/>
+            </a:prstGeom>
+            <a:noFill/>
+            <a:ln w="28575" cap="flat" cmpd="sng" algn="ctr">
+              <a:solidFill>
+                <a:schemeClr val="accent1"/>
+              </a:solidFill>
+              <a:prstDash val="solid"/>
+              <a:round/>
+              <a:headEnd type="none" w="med" len="med"/>
+              <a:tailEnd type="none" w="med" len="med"/>
+            </a:ln>
+          </p:spPr>
+          <p:style>
+            <a:lnRef idx="0">
+              <a:scrgbClr r="0" g="0" b="0"/>
+            </a:lnRef>
+            <a:fillRef idx="0">
+              <a:scrgbClr r="0" g="0" b="0"/>
+            </a:fillRef>
+            <a:effectRef idx="0">
+              <a:scrgbClr r="0" g="0" b="0"/>
+            </a:effectRef>
+            <a:fontRef idx="minor">
+              <a:schemeClr val="accent1"/>
+            </a:fontRef>
+          </p:style>
+          <p:txBody>
+            <a:bodyPr lIns="0" tIns="0" rIns="0" bIns="0" rtlCol="0" anchor="ctr"/>
+            <a:lstStyle/>
+            <a:p>
+              <a:pPr algn="ctr"/>
+              <a:r>
+                <a:rPr lang="en-US">
+                  <a:solidFill>
+                    <a:schemeClr val="tx1"/>
+                  </a:solidFill>
+                </a:rPr>
+                <a:t>B</a:t>
+              </a:r>
+            </a:p>
+          </p:txBody>
+        </p:sp>
+        <p:cxnSp>
+          <p:nvCxnSpPr>
+            <p:cNvPr id="34" name="Straight Arrow Connector 33">
+              <a:extLst>
+                <a:ext uri="{FF2B5EF4-FFF2-40B4-BE49-F238E27FC236}">
+                  <a16:creationId xmlns:a16="http://schemas.microsoft.com/office/drawing/2014/main" id="{8266E2FE-DEC6-930A-325D-528AF87F38D5}"/>
+                </a:ext>
+              </a:extLst>
+            </p:cNvPr>
+            <p:cNvCxnSpPr>
+              <a:cxnSpLocks/>
+              <a:stCxn id="3" idx="3"/>
+              <a:endCxn id="10" idx="7"/>
+            </p:cNvCxnSpPr>
+            <p:nvPr/>
+          </p:nvCxnSpPr>
+          <p:spPr>
+            <a:xfrm flipH="1">
+              <a:off x="3504030" y="1923911"/>
+              <a:ext cx="271715" cy="267822"/>
+            </a:xfrm>
+            <a:prstGeom prst="straightConnector1">
+              <a:avLst/>
+            </a:prstGeom>
+            <a:ln w="28575">
+              <a:solidFill>
+                <a:schemeClr val="accent4"/>
+              </a:solidFill>
+              <a:tailEnd type="triangle"/>
+            </a:ln>
+          </p:spPr>
+          <p:style>
+            <a:lnRef idx="2">
+              <a:schemeClr val="accent1"/>
+            </a:lnRef>
+            <a:fillRef idx="0">
+              <a:schemeClr val="accent1"/>
+            </a:fillRef>
+            <a:effectRef idx="1">
+              <a:schemeClr val="accent1"/>
+            </a:effectRef>
+            <a:fontRef idx="minor">
+              <a:schemeClr val="tx1"/>
+            </a:fontRef>
+          </p:style>
+        </p:cxnSp>
+        <p:cxnSp>
+          <p:nvCxnSpPr>
+            <p:cNvPr id="44" name="Straight Arrow Connector 43">
+              <a:extLst>
+                <a:ext uri="{FF2B5EF4-FFF2-40B4-BE49-F238E27FC236}">
+                  <a16:creationId xmlns:a16="http://schemas.microsoft.com/office/drawing/2014/main" id="{F640E6D5-5D0D-9B70-C1F3-CD5122A038F5}"/>
+                </a:ext>
+              </a:extLst>
+            </p:cNvPr>
+            <p:cNvCxnSpPr>
+              <a:cxnSpLocks/>
+              <a:stCxn id="3" idx="5"/>
+              <a:endCxn id="18" idx="1"/>
+            </p:cNvCxnSpPr>
+            <p:nvPr/>
+          </p:nvCxnSpPr>
+          <p:spPr>
+            <a:xfrm>
+              <a:off x="4422323" y="1923911"/>
+              <a:ext cx="267822" cy="267822"/>
+            </a:xfrm>
+            <a:prstGeom prst="straightConnector1">
+              <a:avLst/>
+            </a:prstGeom>
+            <a:ln w="28575">
+              <a:solidFill>
+                <a:schemeClr val="accent4"/>
+              </a:solidFill>
+              <a:tailEnd type="triangle"/>
+            </a:ln>
+          </p:spPr>
+          <p:style>
+            <a:lnRef idx="2">
+              <a:schemeClr val="accent1"/>
+            </a:lnRef>
+            <a:fillRef idx="0">
+              <a:schemeClr val="accent1"/>
+            </a:fillRef>
+            <a:effectRef idx="1">
+              <a:schemeClr val="accent1"/>
+            </a:effectRef>
+            <a:fontRef idx="minor">
+              <a:schemeClr val="tx1"/>
+            </a:fontRef>
+          </p:style>
+        </p:cxnSp>
+        <p:sp>
+          <p:nvSpPr>
+            <p:cNvPr id="47" name="Arrow: Left 46">
+              <a:extLst>
+                <a:ext uri="{FF2B5EF4-FFF2-40B4-BE49-F238E27FC236}">
+                  <a16:creationId xmlns:a16="http://schemas.microsoft.com/office/drawing/2014/main" id="{A9EFF3D3-5D5C-C255-EA13-9C97C45D5233}"/>
+                </a:ext>
+              </a:extLst>
+            </p:cNvPr>
+            <p:cNvSpPr/>
+            <p:nvPr/>
+          </p:nvSpPr>
+          <p:spPr>
+            <a:xfrm>
+              <a:off x="6518945" y="3186684"/>
+              <a:ext cx="978408" cy="484632"/>
+            </a:xfrm>
+            <a:prstGeom prst="leftArrow">
+              <a:avLst/>
+            </a:prstGeom>
+            <a:solidFill>
+              <a:schemeClr val="tx1"/>
+            </a:solidFill>
+            <a:ln>
+              <a:solidFill>
+                <a:schemeClr val="tx1">
+                  <a:lumMod val="50000"/>
+                </a:schemeClr>
+              </a:solidFill>
+            </a:ln>
+          </p:spPr>
+          <p:style>
+            <a:lnRef idx="2">
+              <a:schemeClr val="accent1">
+                <a:shade val="15000"/>
+              </a:schemeClr>
+            </a:lnRef>
+            <a:fillRef idx="1">
+              <a:schemeClr val="accent1"/>
+            </a:fillRef>
+            <a:effectRef idx="0">
+              <a:schemeClr val="accent1"/>
+            </a:effectRef>
+            <a:fontRef idx="minor">
+              <a:schemeClr val="lt1"/>
+            </a:fontRef>
+          </p:style>
+          <p:txBody>
+            <a:bodyPr rtlCol="0" anchor="ctr"/>
+            <a:lstStyle/>
+            <a:p>
+              <a:pPr algn="ctr"/>
+              <a:endParaRPr lang="en-US"/>
+            </a:p>
+          </p:txBody>
+        </p:sp>
+        <p:sp>
+          <p:nvSpPr>
+            <p:cNvPr id="48" name="TextBox 47">
+              <a:extLst>
+                <a:ext uri="{FF2B5EF4-FFF2-40B4-BE49-F238E27FC236}">
+                  <a16:creationId xmlns:a16="http://schemas.microsoft.com/office/drawing/2014/main" id="{D51E016D-748E-BD9B-E51E-23A17D6EA50C}"/>
+                </a:ext>
+              </a:extLst>
+            </p:cNvPr>
+            <p:cNvSpPr txBox="1"/>
+            <p:nvPr/>
+          </p:nvSpPr>
+          <p:spPr>
+            <a:xfrm>
+              <a:off x="7514897" y="3249250"/>
+              <a:ext cx="894797" cy="369332"/>
+            </a:xfrm>
+            <a:prstGeom prst="rect">
+              <a:avLst/>
+            </a:prstGeom>
+            <a:noFill/>
+          </p:spPr>
+          <p:txBody>
+            <a:bodyPr wrap="none" rtlCol="0">
+              <a:spAutoFit/>
+            </a:bodyPr>
+            <a:lstStyle/>
+            <a:p>
+              <a:r>
+                <a:rPr lang="en-US"/>
+                <a:t>Node E</a:t>
+              </a:r>
+            </a:p>
+          </p:txBody>
+        </p:sp>
+        <p:sp>
+          <p:nvSpPr>
+            <p:cNvPr id="49" name="Arrow: Left 48">
+              <a:extLst>
+                <a:ext uri="{FF2B5EF4-FFF2-40B4-BE49-F238E27FC236}">
+                  <a16:creationId xmlns:a16="http://schemas.microsoft.com/office/drawing/2014/main" id="{4871B2F2-9613-0292-FA6E-58581262C09F}"/>
+                </a:ext>
+              </a:extLst>
+            </p:cNvPr>
+            <p:cNvSpPr/>
+            <p:nvPr/>
+          </p:nvSpPr>
+          <p:spPr>
+            <a:xfrm>
+              <a:off x="5606796" y="2219768"/>
+              <a:ext cx="978408" cy="484632"/>
+            </a:xfrm>
+            <a:prstGeom prst="leftArrow">
+              <a:avLst/>
+            </a:prstGeom>
+          </p:spPr>
+          <p:style>
+            <a:lnRef idx="2">
+              <a:schemeClr val="accent5">
+                <a:shade val="15000"/>
+              </a:schemeClr>
+            </a:lnRef>
+            <a:fillRef idx="1">
+              <a:schemeClr val="accent5"/>
+            </a:fillRef>
+            <a:effectRef idx="0">
+              <a:schemeClr val="accent5"/>
+            </a:effectRef>
+            <a:fontRef idx="minor">
+              <a:schemeClr val="lt1"/>
+            </a:fontRef>
+          </p:style>
+          <p:txBody>
+            <a:bodyPr rtlCol="0" anchor="ctr"/>
+            <a:lstStyle/>
+            <a:p>
+              <a:pPr algn="ctr"/>
+              <a:endParaRPr lang="en-US"/>
+            </a:p>
+          </p:txBody>
+        </p:sp>
+        <p:sp>
+          <p:nvSpPr>
+            <p:cNvPr id="51" name="Arrow: Left 50">
+              <a:extLst>
+                <a:ext uri="{FF2B5EF4-FFF2-40B4-BE49-F238E27FC236}">
+                  <a16:creationId xmlns:a16="http://schemas.microsoft.com/office/drawing/2014/main" id="{0E18C5CE-0808-3D0B-CE32-AC245AEA4263}"/>
+                </a:ext>
+              </a:extLst>
+            </p:cNvPr>
+            <p:cNvSpPr/>
+            <p:nvPr/>
+          </p:nvSpPr>
+          <p:spPr>
+            <a:xfrm>
+              <a:off x="4690145" y="1308418"/>
+              <a:ext cx="978408" cy="484632"/>
+            </a:xfrm>
+            <a:prstGeom prst="leftArrow">
+              <a:avLst/>
+            </a:prstGeom>
+          </p:spPr>
+          <p:style>
+            <a:lnRef idx="2">
+              <a:schemeClr val="accent5">
+                <a:shade val="15000"/>
+              </a:schemeClr>
+            </a:lnRef>
+            <a:fillRef idx="1">
+              <a:schemeClr val="accent5"/>
+            </a:fillRef>
+            <a:effectRef idx="0">
+              <a:schemeClr val="accent5"/>
+            </a:effectRef>
+            <a:fontRef idx="minor">
+              <a:schemeClr val="lt1"/>
+            </a:fontRef>
+          </p:style>
+          <p:txBody>
+            <a:bodyPr rtlCol="0" anchor="ctr"/>
+            <a:lstStyle/>
+            <a:p>
+              <a:pPr algn="ctr"/>
+              <a:endParaRPr lang="en-US"/>
+            </a:p>
+          </p:txBody>
+        </p:sp>
+        <p:sp>
+          <p:nvSpPr>
+            <p:cNvPr id="52" name="Arrow: Left 51">
+              <a:extLst>
+                <a:ext uri="{FF2B5EF4-FFF2-40B4-BE49-F238E27FC236}">
+                  <a16:creationId xmlns:a16="http://schemas.microsoft.com/office/drawing/2014/main" id="{4F19A5B9-B9AD-FA8F-8913-43282A7D399F}"/>
+                </a:ext>
+              </a:extLst>
+            </p:cNvPr>
+            <p:cNvSpPr/>
+            <p:nvPr/>
+          </p:nvSpPr>
+          <p:spPr>
+            <a:xfrm>
+              <a:off x="7433345" y="4100662"/>
+              <a:ext cx="978408" cy="484632"/>
+            </a:xfrm>
+            <a:prstGeom prst="leftArrow">
+              <a:avLst/>
+            </a:prstGeom>
+          </p:spPr>
+          <p:style>
+            <a:lnRef idx="2">
+              <a:schemeClr val="accent6">
+                <a:shade val="15000"/>
+              </a:schemeClr>
+            </a:lnRef>
+            <a:fillRef idx="1">
+              <a:schemeClr val="accent6"/>
+            </a:fillRef>
+            <a:effectRef idx="0">
+              <a:schemeClr val="accent6"/>
+            </a:effectRef>
+            <a:fontRef idx="minor">
+              <a:schemeClr val="lt1"/>
+            </a:fontRef>
+          </p:style>
+          <p:txBody>
+            <a:bodyPr rtlCol="0" anchor="ctr"/>
+            <a:lstStyle/>
+            <a:p>
+              <a:pPr algn="ctr"/>
+              <a:endParaRPr lang="en-US"/>
+            </a:p>
+          </p:txBody>
+        </p:sp>
+        <p:sp>
+          <p:nvSpPr>
+            <p:cNvPr id="53" name="Arrow: Left 52">
+              <a:extLst>
+                <a:ext uri="{FF2B5EF4-FFF2-40B4-BE49-F238E27FC236}">
+                  <a16:creationId xmlns:a16="http://schemas.microsoft.com/office/drawing/2014/main" id="{D68B9107-137D-966D-C22C-A032349B2B12}"/>
+                </a:ext>
+              </a:extLst>
+            </p:cNvPr>
+            <p:cNvSpPr/>
+            <p:nvPr/>
+          </p:nvSpPr>
+          <p:spPr>
+            <a:xfrm>
+              <a:off x="8347745" y="5014328"/>
+              <a:ext cx="978408" cy="484632"/>
+            </a:xfrm>
+            <a:prstGeom prst="leftArrow">
+              <a:avLst/>
+            </a:prstGeom>
+          </p:spPr>
+          <p:style>
+            <a:lnRef idx="2">
+              <a:schemeClr val="accent6">
+                <a:shade val="15000"/>
+              </a:schemeClr>
+            </a:lnRef>
+            <a:fillRef idx="1">
+              <a:schemeClr val="accent6"/>
+            </a:fillRef>
+            <a:effectRef idx="0">
+              <a:schemeClr val="accent6"/>
+            </a:effectRef>
+            <a:fontRef idx="minor">
+              <a:schemeClr val="lt1"/>
+            </a:fontRef>
+          </p:style>
+          <p:txBody>
+            <a:bodyPr rtlCol="0" anchor="ctr"/>
+            <a:lstStyle/>
+            <a:p>
+              <a:pPr algn="ctr"/>
+              <a:endParaRPr lang="en-US"/>
+            </a:p>
+          </p:txBody>
+        </p:sp>
+        <p:sp>
+          <p:nvSpPr>
+            <p:cNvPr id="55" name="Arrow: Right 54">
+              <a:extLst>
+                <a:ext uri="{FF2B5EF4-FFF2-40B4-BE49-F238E27FC236}">
+                  <a16:creationId xmlns:a16="http://schemas.microsoft.com/office/drawing/2014/main" id="{7EDC0511-F033-13D0-5E84-0AC0542606C6}"/>
+                </a:ext>
+              </a:extLst>
+            </p:cNvPr>
+            <p:cNvSpPr/>
+            <p:nvPr/>
+          </p:nvSpPr>
+          <p:spPr>
+            <a:xfrm>
+              <a:off x="4358315" y="5014328"/>
+              <a:ext cx="978408" cy="484632"/>
+            </a:xfrm>
+            <a:prstGeom prst="rightArrow">
+              <a:avLst/>
+            </a:prstGeom>
+          </p:spPr>
+          <p:style>
+            <a:lnRef idx="2">
+              <a:schemeClr val="accent6">
+                <a:shade val="15000"/>
+              </a:schemeClr>
+            </a:lnRef>
+            <a:fillRef idx="1">
+              <a:schemeClr val="accent6"/>
+            </a:fillRef>
+            <a:effectRef idx="0">
+              <a:schemeClr val="accent6"/>
+            </a:effectRef>
+            <a:fontRef idx="minor">
+              <a:schemeClr val="lt1"/>
+            </a:fontRef>
+          </p:style>
+          <p:txBody>
+            <a:bodyPr rtlCol="0" anchor="ctr"/>
+            <a:lstStyle/>
+            <a:p>
+              <a:pPr algn="ctr"/>
+              <a:endParaRPr lang="en-US"/>
+            </a:p>
+          </p:txBody>
+        </p:sp>
+        <p:sp>
+          <p:nvSpPr>
+            <p:cNvPr id="57" name="Arrow: Right 56">
+              <a:extLst>
+                <a:ext uri="{FF2B5EF4-FFF2-40B4-BE49-F238E27FC236}">
+                  <a16:creationId xmlns:a16="http://schemas.microsoft.com/office/drawing/2014/main" id="{70FFDC19-D47F-E63F-5AE1-EEBAFBCACE73}"/>
+                </a:ext>
+              </a:extLst>
+            </p:cNvPr>
+            <p:cNvSpPr/>
+            <p:nvPr/>
+          </p:nvSpPr>
+          <p:spPr>
+            <a:xfrm>
+              <a:off x="3411438" y="4100662"/>
+              <a:ext cx="978408" cy="484632"/>
+            </a:xfrm>
+            <a:prstGeom prst="rightArrow">
+              <a:avLst/>
+            </a:prstGeom>
+          </p:spPr>
+          <p:style>
+            <a:lnRef idx="2">
+              <a:schemeClr val="accent6">
+                <a:shade val="15000"/>
+              </a:schemeClr>
+            </a:lnRef>
+            <a:fillRef idx="1">
+              <a:schemeClr val="accent6"/>
+            </a:fillRef>
+            <a:effectRef idx="0">
+              <a:schemeClr val="accent6"/>
+            </a:effectRef>
+            <a:fontRef idx="minor">
+              <a:schemeClr val="lt1"/>
+            </a:fontRef>
+          </p:style>
+          <p:txBody>
+            <a:bodyPr rtlCol="0" anchor="ctr"/>
+            <a:lstStyle/>
+            <a:p>
+              <a:pPr algn="ctr"/>
+              <a:endParaRPr lang="en-US"/>
+            </a:p>
+          </p:txBody>
+        </p:sp>
+        <p:sp>
+          <p:nvSpPr>
+            <p:cNvPr id="58" name="TextBox 57">
+              <a:extLst>
+                <a:ext uri="{FF2B5EF4-FFF2-40B4-BE49-F238E27FC236}">
+                  <a16:creationId xmlns:a16="http://schemas.microsoft.com/office/drawing/2014/main" id="{C60FE4FA-95F8-D7EA-A886-40D5D06B726C}"/>
+                </a:ext>
+              </a:extLst>
+            </p:cNvPr>
+            <p:cNvSpPr txBox="1"/>
+            <p:nvPr/>
+          </p:nvSpPr>
+          <p:spPr>
+            <a:xfrm>
+              <a:off x="8415345" y="4156516"/>
+              <a:ext cx="1125629" cy="369332"/>
+            </a:xfrm>
+            <a:prstGeom prst="rect">
+              <a:avLst/>
+            </a:prstGeom>
+            <a:noFill/>
+          </p:spPr>
+          <p:txBody>
+            <a:bodyPr wrap="none" rtlCol="0">
+              <a:spAutoFit/>
+            </a:bodyPr>
+            <a:lstStyle/>
+            <a:p>
+              <a:r>
+                <a:rPr lang="en-US"/>
+                <a:t>Child of E</a:t>
+              </a:r>
+            </a:p>
+          </p:txBody>
+        </p:sp>
+        <p:sp>
+          <p:nvSpPr>
+            <p:cNvPr id="59" name="TextBox 58">
+              <a:extLst>
+                <a:ext uri="{FF2B5EF4-FFF2-40B4-BE49-F238E27FC236}">
+                  <a16:creationId xmlns:a16="http://schemas.microsoft.com/office/drawing/2014/main" id="{9DC94147-B93A-7754-410E-C9248E70F963}"/>
+                </a:ext>
+              </a:extLst>
+            </p:cNvPr>
+            <p:cNvSpPr txBox="1"/>
+            <p:nvPr/>
+          </p:nvSpPr>
+          <p:spPr>
+            <a:xfrm>
+              <a:off x="2266341" y="4158312"/>
+              <a:ext cx="1125629" cy="369332"/>
+            </a:xfrm>
+            <a:prstGeom prst="rect">
+              <a:avLst/>
+            </a:prstGeom>
+            <a:noFill/>
+          </p:spPr>
+          <p:txBody>
+            <a:bodyPr wrap="none" rtlCol="0">
+              <a:spAutoFit/>
+            </a:bodyPr>
+            <a:lstStyle/>
+            <a:p>
+              <a:r>
+                <a:rPr lang="en-US"/>
+                <a:t>Child of E</a:t>
+              </a:r>
+            </a:p>
+          </p:txBody>
+        </p:sp>
+        <p:sp>
+          <p:nvSpPr>
+            <p:cNvPr id="60" name="TextBox 59">
+              <a:extLst>
+                <a:ext uri="{FF2B5EF4-FFF2-40B4-BE49-F238E27FC236}">
+                  <a16:creationId xmlns:a16="http://schemas.microsoft.com/office/drawing/2014/main" id="{8312760A-3BD8-6068-5DAE-9D50DD6AA329}"/>
+                </a:ext>
+              </a:extLst>
+            </p:cNvPr>
+            <p:cNvSpPr txBox="1"/>
+            <p:nvPr/>
+          </p:nvSpPr>
+          <p:spPr>
+            <a:xfrm>
+              <a:off x="9325651" y="5071978"/>
+              <a:ext cx="1700658" cy="369332"/>
+            </a:xfrm>
+            <a:prstGeom prst="rect">
+              <a:avLst/>
+            </a:prstGeom>
+            <a:noFill/>
+          </p:spPr>
+          <p:txBody>
+            <a:bodyPr wrap="none" rtlCol="0">
+              <a:spAutoFit/>
+            </a:bodyPr>
+            <a:lstStyle/>
+            <a:p>
+              <a:r>
+                <a:rPr lang="en-US"/>
+                <a:t>Grandchild of E</a:t>
+              </a:r>
+            </a:p>
+          </p:txBody>
+        </p:sp>
+        <p:sp>
+          <p:nvSpPr>
+            <p:cNvPr id="61" name="TextBox 60">
+              <a:extLst>
+                <a:ext uri="{FF2B5EF4-FFF2-40B4-BE49-F238E27FC236}">
+                  <a16:creationId xmlns:a16="http://schemas.microsoft.com/office/drawing/2014/main" id="{6B94BA80-82E5-6F0E-7BCE-4EABCB91A1A3}"/>
+                </a:ext>
+              </a:extLst>
+            </p:cNvPr>
+            <p:cNvSpPr txBox="1"/>
+            <p:nvPr/>
+          </p:nvSpPr>
+          <p:spPr>
+            <a:xfrm>
+              <a:off x="2611041" y="5071978"/>
+              <a:ext cx="1700658" cy="369332"/>
+            </a:xfrm>
+            <a:prstGeom prst="rect">
+              <a:avLst/>
+            </a:prstGeom>
+            <a:noFill/>
+          </p:spPr>
+          <p:txBody>
+            <a:bodyPr wrap="none" rtlCol="0">
+              <a:spAutoFit/>
+            </a:bodyPr>
+            <a:lstStyle/>
+            <a:p>
+              <a:r>
+                <a:rPr lang="en-US"/>
+                <a:t>Grandchild of E</a:t>
+              </a:r>
+            </a:p>
+          </p:txBody>
+        </p:sp>
+        <p:sp>
+          <p:nvSpPr>
+            <p:cNvPr id="62" name="TextBox 61">
+              <a:extLst>
+                <a:ext uri="{FF2B5EF4-FFF2-40B4-BE49-F238E27FC236}">
+                  <a16:creationId xmlns:a16="http://schemas.microsoft.com/office/drawing/2014/main" id="{429F963E-E372-E133-87DF-DB5C4F407F0A}"/>
+                </a:ext>
+              </a:extLst>
+            </p:cNvPr>
+            <p:cNvSpPr txBox="1"/>
+            <p:nvPr/>
+          </p:nvSpPr>
+          <p:spPr>
+            <a:xfrm>
+              <a:off x="6585049" y="2277418"/>
+              <a:ext cx="1241365" cy="369332"/>
+            </a:xfrm>
+            <a:prstGeom prst="rect">
+              <a:avLst/>
+            </a:prstGeom>
+            <a:noFill/>
+          </p:spPr>
+          <p:txBody>
+            <a:bodyPr wrap="none" rtlCol="0">
+              <a:spAutoFit/>
+            </a:bodyPr>
+            <a:lstStyle/>
+            <a:p>
+              <a:r>
+                <a:rPr lang="en-US"/>
+                <a:t>Parent of E</a:t>
+              </a:r>
+            </a:p>
+          </p:txBody>
+        </p:sp>
+        <p:sp>
+          <p:nvSpPr>
+            <p:cNvPr id="63" name="TextBox 62">
+              <a:extLst>
+                <a:ext uri="{FF2B5EF4-FFF2-40B4-BE49-F238E27FC236}">
+                  <a16:creationId xmlns:a16="http://schemas.microsoft.com/office/drawing/2014/main" id="{21D9F6C0-C9BB-BB51-9631-4B1275C06C6E}"/>
+                </a:ext>
+              </a:extLst>
+            </p:cNvPr>
+            <p:cNvSpPr txBox="1"/>
+            <p:nvPr/>
+          </p:nvSpPr>
+          <p:spPr>
+            <a:xfrm>
+              <a:off x="5665987" y="1368152"/>
+              <a:ext cx="1859420" cy="369332"/>
+            </a:xfrm>
+            <a:prstGeom prst="rect">
+              <a:avLst/>
+            </a:prstGeom>
+            <a:noFill/>
+          </p:spPr>
+          <p:txBody>
+            <a:bodyPr wrap="none" rtlCol="0">
+              <a:spAutoFit/>
+            </a:bodyPr>
+            <a:lstStyle/>
+            <a:p>
+              <a:r>
+                <a:rPr lang="en-US"/>
+                <a:t>Grandparent of E</a:t>
+              </a:r>
+            </a:p>
+          </p:txBody>
+        </p:sp>
+      </p:grpSp>
+      <p:sp>
+        <p:nvSpPr>
+          <p:cNvPr id="65" name="Right Brace 64">
+            <a:extLst>
+              <a:ext uri="{FF2B5EF4-FFF2-40B4-BE49-F238E27FC236}">
+                <a16:creationId xmlns:a16="http://schemas.microsoft.com/office/drawing/2014/main" id="{409B5528-5292-69B0-195F-9524398473F0}"/>
               </a:ext>
             </a:extLst>
           </p:cNvPr>
@@ -3521,143 +8256,16 @@
         </p:nvSpPr>
         <p:spPr>
           <a:xfrm>
-            <a:off x="5555081" y="1416690"/>
-            <a:ext cx="914400" cy="914400"/>
-          </a:xfrm>
-          <a:prstGeom prst="ellipse">
+            <a:off x="6743129" y="1217429"/>
+            <a:ext cx="391511" cy="1582358"/>
+          </a:xfrm>
+          <a:prstGeom prst="rightBrace">
             <a:avLst/>
           </a:prstGeom>
-          <a:noFill/>
-          <a:ln w="28575" cap="flat" cmpd="sng" algn="ctr">
+          <a:ln w="38100">
             <a:solidFill>
-              <a:schemeClr val="accent1"/>
+              <a:schemeClr val="accent5"/>
             </a:solidFill>
-            <a:prstDash val="solid"/>
-            <a:round/>
-            <a:headEnd type="none" w="med" len="med"/>
-            <a:tailEnd type="none" w="med" len="med"/>
-          </a:ln>
-        </p:spPr>
-        <p:style>
-          <a:lnRef idx="0">
-            <a:scrgbClr r="0" g="0" b="0"/>
-          </a:lnRef>
-          <a:fillRef idx="0">
-            <a:scrgbClr r="0" g="0" b="0"/>
-          </a:fillRef>
-          <a:effectRef idx="0">
-            <a:scrgbClr r="0" g="0" b="0"/>
-          </a:effectRef>
-          <a:fontRef idx="minor">
-            <a:schemeClr val="accent1"/>
-          </a:fontRef>
-        </p:style>
-        <p:txBody>
-          <a:bodyPr lIns="0" tIns="0" rIns="0" bIns="0" rtlCol="0" anchor="ctr"/>
-          <a:lstStyle/>
-          <a:p>
-            <a:pPr algn="ctr"/>
-            <a:r>
-              <a:rPr lang="en-US">
-                <a:solidFill>
-                  <a:schemeClr val="tx1"/>
-                </a:solidFill>
-              </a:rPr>
-              <a:t>A</a:t>
-            </a:r>
-          </a:p>
-        </p:txBody>
-      </p:sp>
-      <p:sp>
-        <p:nvSpPr>
-          <p:cNvPr id="2" name="Oval 1">
-            <a:extLst>
-              <a:ext uri="{FF2B5EF4-FFF2-40B4-BE49-F238E27FC236}">
-                <a16:creationId xmlns:a16="http://schemas.microsoft.com/office/drawing/2014/main" id="{B9C1D2F4-4990-6E33-7DAD-AF8D175DB7A7}"/>
-              </a:ext>
-            </a:extLst>
-          </p:cNvPr>
-          <p:cNvSpPr/>
-          <p:nvPr/>
-        </p:nvSpPr>
-        <p:spPr>
-          <a:xfrm>
-            <a:off x="4339330" y="2331090"/>
-            <a:ext cx="914400" cy="914400"/>
-          </a:xfrm>
-          <a:prstGeom prst="ellipse">
-            <a:avLst/>
-          </a:prstGeom>
-          <a:noFill/>
-          <a:ln w="28575" cap="flat" cmpd="sng" algn="ctr">
-            <a:solidFill>
-              <a:schemeClr val="accent1"/>
-            </a:solidFill>
-            <a:prstDash val="solid"/>
-            <a:round/>
-            <a:headEnd type="none" w="med" len="med"/>
-            <a:tailEnd type="none" w="med" len="med"/>
-          </a:ln>
-        </p:spPr>
-        <p:style>
-          <a:lnRef idx="0">
-            <a:scrgbClr r="0" g="0" b="0"/>
-          </a:lnRef>
-          <a:fillRef idx="0">
-            <a:scrgbClr r="0" g="0" b="0"/>
-          </a:fillRef>
-          <a:effectRef idx="0">
-            <a:scrgbClr r="0" g="0" b="0"/>
-          </a:effectRef>
-          <a:fontRef idx="minor">
-            <a:schemeClr val="accent1"/>
-          </a:fontRef>
-        </p:style>
-        <p:txBody>
-          <a:bodyPr lIns="0" tIns="0" rIns="0" bIns="0" rtlCol="0" anchor="ctr"/>
-          <a:lstStyle/>
-          <a:p>
-            <a:pPr algn="ctr"/>
-            <a:r>
-              <a:rPr lang="en-US">
-                <a:solidFill>
-                  <a:schemeClr val="tx1"/>
-                </a:solidFill>
-              </a:rPr>
-              <a:t>B</a:t>
-            </a:r>
-          </a:p>
-        </p:txBody>
-      </p:sp>
-      <p:cxnSp>
-        <p:nvCxnSpPr>
-          <p:cNvPr id="8" name="Straight Arrow Connector 7">
-            <a:extLst>
-              <a:ext uri="{FF2B5EF4-FFF2-40B4-BE49-F238E27FC236}">
-                <a16:creationId xmlns:a16="http://schemas.microsoft.com/office/drawing/2014/main" id="{6D3BD554-12CD-F14D-6D32-25F44D42A5EA}"/>
-              </a:ext>
-            </a:extLst>
-          </p:cNvPr>
-          <p:cNvCxnSpPr>
-            <a:cxnSpLocks/>
-            <a:stCxn id="18" idx="3"/>
-            <a:endCxn id="2" idx="7"/>
-          </p:cNvCxnSpPr>
-          <p:nvPr/>
-        </p:nvCxnSpPr>
-        <p:spPr>
-          <a:xfrm flipH="1">
-            <a:off x="5119819" y="2197179"/>
-            <a:ext cx="569173" cy="267822"/>
-          </a:xfrm>
-          <a:prstGeom prst="straightConnector1">
-            <a:avLst/>
-          </a:prstGeom>
-          <a:ln w="28575">
-            <a:solidFill>
-              <a:schemeClr val="accent4"/>
-            </a:solidFill>
-            <a:tailEnd type="triangle"/>
           </a:ln>
         </p:spPr>
         <p:style>
@@ -3674,13 +8282,56 @@
             <a:schemeClr val="tx1"/>
           </a:fontRef>
         </p:style>
-      </p:cxnSp>
-      <p:sp>
-        <p:nvSpPr>
-          <p:cNvPr id="14" name="Oval 13">
-            <a:extLst>
-              <a:ext uri="{FF2B5EF4-FFF2-40B4-BE49-F238E27FC236}">
-                <a16:creationId xmlns:a16="http://schemas.microsoft.com/office/drawing/2014/main" id="{C1593BC9-960C-D099-5CEB-08E039A7C151}"/>
+        <p:txBody>
+          <a:bodyPr rtlCol="0" anchor="ctr"/>
+          <a:lstStyle/>
+          <a:p>
+            <a:pPr algn="ctr"/>
+            <a:endParaRPr lang="en-US"/>
+          </a:p>
+        </p:txBody>
+      </p:sp>
+      <p:sp>
+        <p:nvSpPr>
+          <p:cNvPr id="66" name="TextBox 65">
+            <a:extLst>
+              <a:ext uri="{FF2B5EF4-FFF2-40B4-BE49-F238E27FC236}">
+                <a16:creationId xmlns:a16="http://schemas.microsoft.com/office/drawing/2014/main" id="{B1EEA416-6BA9-E7D0-99D2-CDA10FC58C2A}"/>
+              </a:ext>
+            </a:extLst>
+          </p:cNvPr>
+          <p:cNvSpPr txBox="1"/>
+          <p:nvPr/>
+        </p:nvSpPr>
+        <p:spPr>
+          <a:xfrm>
+            <a:off x="7210130" y="1820689"/>
+            <a:ext cx="1600182" cy="369332"/>
+          </a:xfrm>
+          <a:prstGeom prst="rect">
+            <a:avLst/>
+          </a:prstGeom>
+          <a:noFill/>
+        </p:spPr>
+        <p:txBody>
+          <a:bodyPr wrap="none" rtlCol="0">
+            <a:spAutoFit/>
+          </a:bodyPr>
+          <a:lstStyle/>
+          <a:p>
+            <a:r>
+              <a:rPr lang="en-US"/>
+              <a:t>Ancestors of E</a:t>
+            </a:r>
+          </a:p>
+        </p:txBody>
+      </p:sp>
+      <p:sp>
+        <p:nvSpPr>
+          <p:cNvPr id="67" name="Right Brace 66">
+            <a:extLst>
+              <a:ext uri="{FF2B5EF4-FFF2-40B4-BE49-F238E27FC236}">
+                <a16:creationId xmlns:a16="http://schemas.microsoft.com/office/drawing/2014/main" id="{3A2DB3E4-C72A-298B-F9AB-F6AE36E2DD0D}"/>
               </a:ext>
             </a:extLst>
           </p:cNvPr>
@@ -3689,82 +8340,16 @@
         </p:nvSpPr>
         <p:spPr>
           <a:xfrm>
-            <a:off x="4339330" y="3528848"/>
-            <a:ext cx="914400" cy="914400"/>
-          </a:xfrm>
-          <a:prstGeom prst="ellipse">
+            <a:off x="9777991" y="4008577"/>
+            <a:ext cx="391511" cy="1582358"/>
+          </a:xfrm>
+          <a:prstGeom prst="rightBrace">
             <a:avLst/>
           </a:prstGeom>
-          <a:noFill/>
-          <a:ln w="28575" cap="flat" cmpd="sng" algn="ctr">
+          <a:ln w="38100">
             <a:solidFill>
-              <a:schemeClr val="accent1"/>
+              <a:schemeClr val="accent6"/>
             </a:solidFill>
-            <a:prstDash val="solid"/>
-            <a:round/>
-            <a:headEnd type="none" w="med" len="med"/>
-            <a:tailEnd type="none" w="med" len="med"/>
-          </a:ln>
-        </p:spPr>
-        <p:style>
-          <a:lnRef idx="0">
-            <a:scrgbClr r="0" g="0" b="0"/>
-          </a:lnRef>
-          <a:fillRef idx="0">
-            <a:scrgbClr r="0" g="0" b="0"/>
-          </a:fillRef>
-          <a:effectRef idx="0">
-            <a:scrgbClr r="0" g="0" b="0"/>
-          </a:effectRef>
-          <a:fontRef idx="minor">
-            <a:schemeClr val="accent1"/>
-          </a:fontRef>
-        </p:style>
-        <p:txBody>
-          <a:bodyPr lIns="0" tIns="0" rIns="0" bIns="0" rtlCol="0" anchor="ctr"/>
-          <a:lstStyle/>
-          <a:p>
-            <a:pPr algn="ctr"/>
-            <a:r>
-              <a:rPr lang="en-US">
-                <a:solidFill>
-                  <a:schemeClr val="tx1"/>
-                </a:solidFill>
-              </a:rPr>
-              <a:t>D</a:t>
-            </a:r>
-          </a:p>
-        </p:txBody>
-      </p:sp>
-      <p:cxnSp>
-        <p:nvCxnSpPr>
-          <p:cNvPr id="15" name="Straight Arrow Connector 14">
-            <a:extLst>
-              <a:ext uri="{FF2B5EF4-FFF2-40B4-BE49-F238E27FC236}">
-                <a16:creationId xmlns:a16="http://schemas.microsoft.com/office/drawing/2014/main" id="{1B0FF089-9402-502F-5E4C-A777A7B18567}"/>
-              </a:ext>
-            </a:extLst>
-          </p:cNvPr>
-          <p:cNvCxnSpPr>
-            <a:cxnSpLocks/>
-            <a:stCxn id="2" idx="4"/>
-            <a:endCxn id="14" idx="0"/>
-          </p:cNvCxnSpPr>
-          <p:nvPr/>
-        </p:nvCxnSpPr>
-        <p:spPr>
-          <a:xfrm>
-            <a:off x="4796530" y="3245490"/>
-            <a:ext cx="0" cy="283358"/>
-          </a:xfrm>
-          <a:prstGeom prst="straightConnector1">
-            <a:avLst/>
-          </a:prstGeom>
-          <a:ln w="28575">
-            <a:solidFill>
-              <a:schemeClr val="accent4"/>
-            </a:solidFill>
-            <a:tailEnd type="triangle"/>
           </a:ln>
         </p:spPr>
         <p:style>
@@ -3781,13 +8366,56 @@
             <a:schemeClr val="tx1"/>
           </a:fontRef>
         </p:style>
-      </p:cxnSp>
-      <p:sp>
-        <p:nvSpPr>
-          <p:cNvPr id="24" name="Oval 23">
-            <a:extLst>
-              <a:ext uri="{FF2B5EF4-FFF2-40B4-BE49-F238E27FC236}">
-                <a16:creationId xmlns:a16="http://schemas.microsoft.com/office/drawing/2014/main" id="{001FE83A-4415-8782-ABBB-CF67193DEE98}"/>
+        <p:txBody>
+          <a:bodyPr rtlCol="0" anchor="ctr"/>
+          <a:lstStyle/>
+          <a:p>
+            <a:pPr algn="ctr"/>
+            <a:endParaRPr lang="en-US"/>
+          </a:p>
+        </p:txBody>
+      </p:sp>
+      <p:sp>
+        <p:nvSpPr>
+          <p:cNvPr id="68" name="TextBox 67">
+            <a:extLst>
+              <a:ext uri="{FF2B5EF4-FFF2-40B4-BE49-F238E27FC236}">
+                <a16:creationId xmlns:a16="http://schemas.microsoft.com/office/drawing/2014/main" id="{90F29A7D-8196-1C16-9A78-C8930E70FE74}"/>
+              </a:ext>
+            </a:extLst>
+          </p:cNvPr>
+          <p:cNvSpPr txBox="1"/>
+          <p:nvPr/>
+        </p:nvSpPr>
+        <p:spPr>
+          <a:xfrm>
+            <a:off x="10268973" y="4609294"/>
+            <a:ext cx="1931041" cy="369332"/>
+          </a:xfrm>
+          <a:prstGeom prst="rect">
+            <a:avLst/>
+          </a:prstGeom>
+          <a:noFill/>
+        </p:spPr>
+        <p:txBody>
+          <a:bodyPr wrap="none" rtlCol="0">
+            <a:spAutoFit/>
+          </a:bodyPr>
+          <a:lstStyle/>
+          <a:p>
+            <a:r>
+              <a:rPr lang="en-US"/>
+              <a:t>Descendants of E</a:t>
+            </a:r>
+          </a:p>
+        </p:txBody>
+      </p:sp>
+      <p:sp>
+        <p:nvSpPr>
+          <p:cNvPr id="69" name="Arrow: Right 68">
+            <a:extLst>
+              <a:ext uri="{FF2B5EF4-FFF2-40B4-BE49-F238E27FC236}">
+                <a16:creationId xmlns:a16="http://schemas.microsoft.com/office/drawing/2014/main" id="{121461E7-4E4D-9F0A-1206-84591C98F713}"/>
               </a:ext>
             </a:extLst>
           </p:cNvPr>
@@ -3796,634 +8424,73 @@
         </p:nvSpPr>
         <p:spPr>
           <a:xfrm>
-            <a:off x="5421170" y="3528848"/>
-            <a:ext cx="914400" cy="914400"/>
-          </a:xfrm>
-          <a:prstGeom prst="ellipse">
+            <a:off x="1348656" y="3248828"/>
+            <a:ext cx="978408" cy="484632"/>
+          </a:xfrm>
+          <a:prstGeom prst="rightArrow">
             <a:avLst/>
           </a:prstGeom>
-          <a:noFill/>
-          <a:ln w="28575" cap="flat" cmpd="sng" algn="ctr">
-            <a:solidFill>
-              <a:schemeClr val="accent1"/>
-            </a:solidFill>
-            <a:prstDash val="solid"/>
-            <a:round/>
-            <a:headEnd type="none" w="med" len="med"/>
-            <a:tailEnd type="none" w="med" len="med"/>
-          </a:ln>
         </p:spPr>
         <p:style>
-          <a:lnRef idx="0">
-            <a:scrgbClr r="0" g="0" b="0"/>
+          <a:lnRef idx="2">
+            <a:schemeClr val="accent2">
+              <a:shade val="15000"/>
+            </a:schemeClr>
           </a:lnRef>
-          <a:fillRef idx="0">
-            <a:scrgbClr r="0" g="0" b="0"/>
+          <a:fillRef idx="1">
+            <a:schemeClr val="accent2"/>
           </a:fillRef>
           <a:effectRef idx="0">
-            <a:scrgbClr r="0" g="0" b="0"/>
+            <a:schemeClr val="accent2"/>
           </a:effectRef>
           <a:fontRef idx="minor">
-            <a:schemeClr val="accent1"/>
+            <a:schemeClr val="lt1"/>
           </a:fontRef>
         </p:style>
         <p:txBody>
-          <a:bodyPr lIns="0" tIns="0" rIns="0" bIns="0" rtlCol="0" anchor="ctr"/>
+          <a:bodyPr rtlCol="0" anchor="ctr"/>
           <a:lstStyle/>
           <a:p>
             <a:pPr algn="ctr"/>
-            <a:r>
-              <a:rPr lang="en-US">
-                <a:solidFill>
-                  <a:schemeClr val="tx1"/>
-                </a:solidFill>
-              </a:rPr>
-              <a:t>E</a:t>
-            </a:r>
-          </a:p>
-        </p:txBody>
-      </p:sp>
-      <p:cxnSp>
-        <p:nvCxnSpPr>
-          <p:cNvPr id="25" name="Straight Arrow Connector 24">
-            <a:extLst>
-              <a:ext uri="{FF2B5EF4-FFF2-40B4-BE49-F238E27FC236}">
-                <a16:creationId xmlns:a16="http://schemas.microsoft.com/office/drawing/2014/main" id="{FD62CD86-DD97-0EB5-FC27-1192C0743C46}"/>
-              </a:ext>
-            </a:extLst>
-          </p:cNvPr>
-          <p:cNvCxnSpPr>
-            <a:cxnSpLocks/>
-            <a:stCxn id="2" idx="5"/>
-            <a:endCxn id="24" idx="1"/>
-          </p:cNvCxnSpPr>
+            <a:endParaRPr lang="en-US"/>
+          </a:p>
+        </p:txBody>
+      </p:sp>
+      <p:sp>
+        <p:nvSpPr>
+          <p:cNvPr id="70" name="TextBox 69">
+            <a:extLst>
+              <a:ext uri="{FF2B5EF4-FFF2-40B4-BE49-F238E27FC236}">
+                <a16:creationId xmlns:a16="http://schemas.microsoft.com/office/drawing/2014/main" id="{81A3C554-28F1-F33F-2B89-E4E2726E6F39}"/>
+              </a:ext>
+            </a:extLst>
+          </p:cNvPr>
+          <p:cNvSpPr txBox="1"/>
           <p:nvPr/>
-        </p:nvCxnSpPr>
-        <p:spPr>
-          <a:xfrm>
-            <a:off x="5119819" y="3111579"/>
-            <a:ext cx="435262" cy="551180"/>
-          </a:xfrm>
-          <a:prstGeom prst="straightConnector1">
+        </p:nvSpPr>
+        <p:spPr>
+          <a:xfrm>
+            <a:off x="80360" y="3306478"/>
+            <a:ext cx="1268296" cy="369332"/>
+          </a:xfrm>
+          <a:prstGeom prst="rect">
             <a:avLst/>
           </a:prstGeom>
-          <a:ln w="28575">
-            <a:solidFill>
-              <a:schemeClr val="accent4"/>
-            </a:solidFill>
-            <a:tailEnd type="triangle"/>
-          </a:ln>
-        </p:spPr>
-        <p:style>
-          <a:lnRef idx="2">
-            <a:schemeClr val="accent1"/>
-          </a:lnRef>
-          <a:fillRef idx="0">
-            <a:schemeClr val="accent1"/>
-          </a:fillRef>
-          <a:effectRef idx="1">
-            <a:schemeClr val="accent1"/>
-          </a:effectRef>
-          <a:fontRef idx="minor">
-            <a:schemeClr val="tx1"/>
-          </a:fontRef>
-        </p:style>
-      </p:cxnSp>
-      <p:sp>
-        <p:nvSpPr>
-          <p:cNvPr id="28" name="Oval 27">
-            <a:extLst>
-              <a:ext uri="{FF2B5EF4-FFF2-40B4-BE49-F238E27FC236}">
-                <a16:creationId xmlns:a16="http://schemas.microsoft.com/office/drawing/2014/main" id="{BC7F5010-B2C4-B1B1-C23E-7FD07EC762AB}"/>
-              </a:ext>
-            </a:extLst>
-          </p:cNvPr>
-          <p:cNvSpPr/>
-          <p:nvPr/>
-        </p:nvSpPr>
-        <p:spPr>
-          <a:xfrm>
-            <a:off x="3257490" y="3528848"/>
-            <a:ext cx="914400" cy="914400"/>
-          </a:xfrm>
-          <a:prstGeom prst="ellipse">
-            <a:avLst/>
-          </a:prstGeom>
           <a:noFill/>
-          <a:ln w="28575" cap="flat" cmpd="sng" algn="ctr">
-            <a:solidFill>
-              <a:schemeClr val="accent1"/>
-            </a:solidFill>
-            <a:prstDash val="solid"/>
-            <a:round/>
-            <a:headEnd type="none" w="med" len="med"/>
-            <a:tailEnd type="none" w="med" len="med"/>
-          </a:ln>
-        </p:spPr>
-        <p:style>
-          <a:lnRef idx="0">
-            <a:scrgbClr r="0" g="0" b="0"/>
-          </a:lnRef>
-          <a:fillRef idx="0">
-            <a:scrgbClr r="0" g="0" b="0"/>
-          </a:fillRef>
-          <a:effectRef idx="0">
-            <a:scrgbClr r="0" g="0" b="0"/>
-          </a:effectRef>
-          <a:fontRef idx="minor">
-            <a:schemeClr val="accent1"/>
-          </a:fontRef>
-        </p:style>
-        <p:txBody>
-          <a:bodyPr lIns="0" tIns="0" rIns="0" bIns="0" rtlCol="0" anchor="ctr"/>
-          <a:lstStyle/>
-          <a:p>
-            <a:pPr algn="ctr"/>
-            <a:r>
-              <a:rPr lang="en-US">
-                <a:solidFill>
-                  <a:schemeClr val="tx1"/>
-                </a:solidFill>
-              </a:rPr>
-              <a:t>C</a:t>
-            </a:r>
-          </a:p>
-        </p:txBody>
-      </p:sp>
-      <p:cxnSp>
-        <p:nvCxnSpPr>
-          <p:cNvPr id="29" name="Straight Arrow Connector 28">
-            <a:extLst>
-              <a:ext uri="{FF2B5EF4-FFF2-40B4-BE49-F238E27FC236}">
-                <a16:creationId xmlns:a16="http://schemas.microsoft.com/office/drawing/2014/main" id="{3BCC8475-0FB8-898E-1A62-6C5283F8A482}"/>
-              </a:ext>
-            </a:extLst>
-          </p:cNvPr>
-          <p:cNvCxnSpPr>
-            <a:cxnSpLocks/>
-            <a:stCxn id="2" idx="3"/>
-            <a:endCxn id="28" idx="7"/>
-          </p:cNvCxnSpPr>
-          <p:nvPr/>
-        </p:nvCxnSpPr>
-        <p:spPr>
-          <a:xfrm flipH="1">
-            <a:off x="4037979" y="3111579"/>
-            <a:ext cx="435262" cy="551180"/>
-          </a:xfrm>
-          <a:prstGeom prst="straightConnector1">
-            <a:avLst/>
-          </a:prstGeom>
-          <a:ln w="28575">
-            <a:solidFill>
-              <a:schemeClr val="accent4"/>
-            </a:solidFill>
-            <a:tailEnd type="triangle"/>
-          </a:ln>
-        </p:spPr>
-        <p:style>
-          <a:lnRef idx="2">
-            <a:schemeClr val="accent1"/>
-          </a:lnRef>
-          <a:fillRef idx="0">
-            <a:schemeClr val="accent1"/>
-          </a:fillRef>
-          <a:effectRef idx="1">
-            <a:schemeClr val="accent1"/>
-          </a:effectRef>
-          <a:fontRef idx="minor">
-            <a:schemeClr val="tx1"/>
-          </a:fontRef>
-        </p:style>
-      </p:cxnSp>
-      <p:sp>
-        <p:nvSpPr>
-          <p:cNvPr id="32" name="Oval 31">
-            <a:extLst>
-              <a:ext uri="{FF2B5EF4-FFF2-40B4-BE49-F238E27FC236}">
-                <a16:creationId xmlns:a16="http://schemas.microsoft.com/office/drawing/2014/main" id="{2657501F-A064-22B4-24A3-D2DA157A70B9}"/>
-              </a:ext>
-            </a:extLst>
-          </p:cNvPr>
-          <p:cNvSpPr/>
-          <p:nvPr/>
-        </p:nvSpPr>
-        <p:spPr>
-          <a:xfrm>
-            <a:off x="6469481" y="2331090"/>
-            <a:ext cx="914400" cy="914400"/>
-          </a:xfrm>
-          <a:prstGeom prst="ellipse">
-            <a:avLst/>
-          </a:prstGeom>
-          <a:noFill/>
-          <a:ln w="28575" cap="flat" cmpd="sng" algn="ctr">
-            <a:solidFill>
-              <a:schemeClr val="accent1"/>
-            </a:solidFill>
-            <a:prstDash val="solid"/>
-            <a:round/>
-            <a:headEnd type="none" w="med" len="med"/>
-            <a:tailEnd type="none" w="med" len="med"/>
-          </a:ln>
-        </p:spPr>
-        <p:style>
-          <a:lnRef idx="0">
-            <a:scrgbClr r="0" g="0" b="0"/>
-          </a:lnRef>
-          <a:fillRef idx="0">
-            <a:scrgbClr r="0" g="0" b="0"/>
-          </a:fillRef>
-          <a:effectRef idx="0">
-            <a:scrgbClr r="0" g="0" b="0"/>
-          </a:effectRef>
-          <a:fontRef idx="minor">
-            <a:schemeClr val="accent1"/>
-          </a:fontRef>
-        </p:style>
-        <p:txBody>
-          <a:bodyPr lIns="0" tIns="0" rIns="0" bIns="0" rtlCol="0" anchor="ctr"/>
-          <a:lstStyle/>
-          <a:p>
-            <a:pPr algn="ctr"/>
-            <a:r>
-              <a:rPr lang="en-US">
-                <a:solidFill>
-                  <a:schemeClr val="tx1"/>
-                </a:solidFill>
-              </a:rPr>
-              <a:t>F</a:t>
-            </a:r>
-          </a:p>
-        </p:txBody>
-      </p:sp>
-      <p:cxnSp>
-        <p:nvCxnSpPr>
-          <p:cNvPr id="33" name="Straight Arrow Connector 32">
-            <a:extLst>
-              <a:ext uri="{FF2B5EF4-FFF2-40B4-BE49-F238E27FC236}">
-                <a16:creationId xmlns:a16="http://schemas.microsoft.com/office/drawing/2014/main" id="{80DE48CC-49F8-A995-F153-D45FEA217795}"/>
-              </a:ext>
-            </a:extLst>
-          </p:cNvPr>
-          <p:cNvCxnSpPr>
-            <a:cxnSpLocks/>
-            <a:stCxn id="18" idx="5"/>
-            <a:endCxn id="32" idx="1"/>
-          </p:cNvCxnSpPr>
-          <p:nvPr/>
-        </p:nvCxnSpPr>
-        <p:spPr>
-          <a:xfrm>
-            <a:off x="6335570" y="2197179"/>
-            <a:ext cx="267822" cy="267822"/>
-          </a:xfrm>
-          <a:prstGeom prst="straightConnector1">
-            <a:avLst/>
-          </a:prstGeom>
-          <a:ln w="28575">
-            <a:solidFill>
-              <a:schemeClr val="accent4"/>
-            </a:solidFill>
-            <a:tailEnd type="triangle"/>
-          </a:ln>
-        </p:spPr>
-        <p:style>
-          <a:lnRef idx="2">
-            <a:schemeClr val="accent1"/>
-          </a:lnRef>
-          <a:fillRef idx="0">
-            <a:schemeClr val="accent1"/>
-          </a:fillRef>
-          <a:effectRef idx="1">
-            <a:schemeClr val="accent1"/>
-          </a:effectRef>
-          <a:fontRef idx="minor">
-            <a:schemeClr val="tx1"/>
-          </a:fontRef>
-        </p:style>
-      </p:cxnSp>
-      <p:sp>
-        <p:nvSpPr>
-          <p:cNvPr id="37" name="Oval 36">
-            <a:extLst>
-              <a:ext uri="{FF2B5EF4-FFF2-40B4-BE49-F238E27FC236}">
-                <a16:creationId xmlns:a16="http://schemas.microsoft.com/office/drawing/2014/main" id="{4E17E0BC-F3C3-FC54-EC85-BA5F6A30DBAC}"/>
-              </a:ext>
-            </a:extLst>
-          </p:cNvPr>
-          <p:cNvSpPr/>
-          <p:nvPr/>
-        </p:nvSpPr>
-        <p:spPr>
-          <a:xfrm>
-            <a:off x="7383881" y="3245490"/>
-            <a:ext cx="914400" cy="914400"/>
-          </a:xfrm>
-          <a:prstGeom prst="ellipse">
-            <a:avLst/>
-          </a:prstGeom>
-          <a:noFill/>
-          <a:ln w="28575" cap="flat" cmpd="sng" algn="ctr">
-            <a:solidFill>
-              <a:schemeClr val="accent1"/>
-            </a:solidFill>
-            <a:prstDash val="solid"/>
-            <a:round/>
-            <a:headEnd type="none" w="med" len="med"/>
-            <a:tailEnd type="none" w="med" len="med"/>
-          </a:ln>
-        </p:spPr>
-        <p:style>
-          <a:lnRef idx="0">
-            <a:scrgbClr r="0" g="0" b="0"/>
-          </a:lnRef>
-          <a:fillRef idx="0">
-            <a:scrgbClr r="0" g="0" b="0"/>
-          </a:fillRef>
-          <a:effectRef idx="0">
-            <a:scrgbClr r="0" g="0" b="0"/>
-          </a:effectRef>
-          <a:fontRef idx="minor">
-            <a:schemeClr val="accent1"/>
-          </a:fontRef>
-        </p:style>
-        <p:txBody>
-          <a:bodyPr lIns="0" tIns="0" rIns="0" bIns="0" rtlCol="0" anchor="ctr"/>
-          <a:lstStyle/>
-          <a:p>
-            <a:pPr algn="ctr"/>
-            <a:r>
-              <a:rPr lang="en-US">
-                <a:solidFill>
-                  <a:schemeClr val="tx1"/>
-                </a:solidFill>
-              </a:rPr>
-              <a:t>G</a:t>
-            </a:r>
-          </a:p>
-        </p:txBody>
-      </p:sp>
-      <p:cxnSp>
-        <p:nvCxnSpPr>
-          <p:cNvPr id="38" name="Straight Arrow Connector 37">
-            <a:extLst>
-              <a:ext uri="{FF2B5EF4-FFF2-40B4-BE49-F238E27FC236}">
-                <a16:creationId xmlns:a16="http://schemas.microsoft.com/office/drawing/2014/main" id="{ED4E80DF-1AAA-F276-D9A3-11EC9FBF1BDB}"/>
-              </a:ext>
-            </a:extLst>
-          </p:cNvPr>
-          <p:cNvCxnSpPr>
-            <a:cxnSpLocks/>
-            <a:stCxn id="32" idx="5"/>
-            <a:endCxn id="37" idx="1"/>
-          </p:cNvCxnSpPr>
-          <p:nvPr/>
-        </p:nvCxnSpPr>
-        <p:spPr>
-          <a:xfrm>
-            <a:off x="7249970" y="3111579"/>
-            <a:ext cx="267822" cy="267822"/>
-          </a:xfrm>
-          <a:prstGeom prst="straightConnector1">
-            <a:avLst/>
-          </a:prstGeom>
-          <a:ln w="28575">
-            <a:solidFill>
-              <a:schemeClr val="accent4"/>
-            </a:solidFill>
-            <a:tailEnd type="triangle"/>
-          </a:ln>
-        </p:spPr>
-        <p:style>
-          <a:lnRef idx="2">
-            <a:schemeClr val="accent1"/>
-          </a:lnRef>
-          <a:fillRef idx="0">
-            <a:schemeClr val="accent1"/>
-          </a:fillRef>
-          <a:effectRef idx="1">
-            <a:schemeClr val="accent1"/>
-          </a:effectRef>
-          <a:fontRef idx="minor">
-            <a:schemeClr val="tx1"/>
-          </a:fontRef>
-        </p:style>
-      </p:cxnSp>
-      <p:sp>
-        <p:nvSpPr>
-          <p:cNvPr id="41" name="Oval 40">
-            <a:extLst>
-              <a:ext uri="{FF2B5EF4-FFF2-40B4-BE49-F238E27FC236}">
-                <a16:creationId xmlns:a16="http://schemas.microsoft.com/office/drawing/2014/main" id="{C40BFEA8-696B-1E89-400B-ABD131993C37}"/>
-              </a:ext>
-            </a:extLst>
-          </p:cNvPr>
-          <p:cNvSpPr/>
-          <p:nvPr/>
-        </p:nvSpPr>
-        <p:spPr>
-          <a:xfrm>
-            <a:off x="6469481" y="4159890"/>
-            <a:ext cx="914400" cy="914400"/>
-          </a:xfrm>
-          <a:prstGeom prst="ellipse">
-            <a:avLst/>
-          </a:prstGeom>
-          <a:noFill/>
-          <a:ln w="28575" cap="flat" cmpd="sng" algn="ctr">
-            <a:solidFill>
-              <a:schemeClr val="accent1"/>
-            </a:solidFill>
-            <a:prstDash val="solid"/>
-            <a:round/>
-            <a:headEnd type="none" w="med" len="med"/>
-            <a:tailEnd type="none" w="med" len="med"/>
-          </a:ln>
-        </p:spPr>
-        <p:style>
-          <a:lnRef idx="0">
-            <a:scrgbClr r="0" g="0" b="0"/>
-          </a:lnRef>
-          <a:fillRef idx="0">
-            <a:scrgbClr r="0" g="0" b="0"/>
-          </a:fillRef>
-          <a:effectRef idx="0">
-            <a:scrgbClr r="0" g="0" b="0"/>
-          </a:effectRef>
-          <a:fontRef idx="minor">
-            <a:schemeClr val="accent1"/>
-          </a:fontRef>
-        </p:style>
-        <p:txBody>
-          <a:bodyPr lIns="0" tIns="0" rIns="0" bIns="0" rtlCol="0" anchor="ctr"/>
-          <a:lstStyle/>
-          <a:p>
-            <a:pPr algn="ctr"/>
-            <a:r>
-              <a:rPr lang="en-US">
-                <a:solidFill>
-                  <a:schemeClr val="tx1"/>
-                </a:solidFill>
-              </a:rPr>
-              <a:t>H</a:t>
-            </a:r>
-          </a:p>
-        </p:txBody>
-      </p:sp>
-      <p:sp>
-        <p:nvSpPr>
-          <p:cNvPr id="42" name="Oval 41">
-            <a:extLst>
-              <a:ext uri="{FF2B5EF4-FFF2-40B4-BE49-F238E27FC236}">
-                <a16:creationId xmlns:a16="http://schemas.microsoft.com/office/drawing/2014/main" id="{E522590A-6CF3-8F5C-E5C7-9497CD90A325}"/>
-              </a:ext>
-            </a:extLst>
-          </p:cNvPr>
-          <p:cNvSpPr/>
-          <p:nvPr/>
-        </p:nvSpPr>
-        <p:spPr>
-          <a:xfrm>
-            <a:off x="8298281" y="4159890"/>
-            <a:ext cx="914400" cy="914400"/>
-          </a:xfrm>
-          <a:prstGeom prst="ellipse">
-            <a:avLst/>
-          </a:prstGeom>
-          <a:noFill/>
-          <a:ln w="28575" cap="flat" cmpd="sng" algn="ctr">
-            <a:solidFill>
-              <a:schemeClr val="accent1"/>
-            </a:solidFill>
-            <a:prstDash val="solid"/>
-            <a:round/>
-            <a:headEnd type="none" w="med" len="med"/>
-            <a:tailEnd type="none" w="med" len="med"/>
-          </a:ln>
-        </p:spPr>
-        <p:style>
-          <a:lnRef idx="0">
-            <a:scrgbClr r="0" g="0" b="0"/>
-          </a:lnRef>
-          <a:fillRef idx="0">
-            <a:scrgbClr r="0" g="0" b="0"/>
-          </a:fillRef>
-          <a:effectRef idx="0">
-            <a:scrgbClr r="0" g="0" b="0"/>
-          </a:effectRef>
-          <a:fontRef idx="minor">
-            <a:schemeClr val="accent1"/>
-          </a:fontRef>
-        </p:style>
-        <p:txBody>
-          <a:bodyPr lIns="0" tIns="0" rIns="0" bIns="0" rtlCol="0" anchor="ctr"/>
-          <a:lstStyle/>
-          <a:p>
-            <a:pPr algn="ctr"/>
-            <a:r>
-              <a:rPr lang="en-US">
-                <a:solidFill>
-                  <a:schemeClr val="tx1"/>
-                </a:solidFill>
-              </a:rPr>
-              <a:t>I</a:t>
-            </a:r>
-          </a:p>
-        </p:txBody>
-      </p:sp>
-      <p:cxnSp>
-        <p:nvCxnSpPr>
-          <p:cNvPr id="43" name="Straight Arrow Connector 42">
-            <a:extLst>
-              <a:ext uri="{FF2B5EF4-FFF2-40B4-BE49-F238E27FC236}">
-                <a16:creationId xmlns:a16="http://schemas.microsoft.com/office/drawing/2014/main" id="{E472589D-9D60-B0F3-7915-FB0CE871AAFB}"/>
-              </a:ext>
-            </a:extLst>
-          </p:cNvPr>
-          <p:cNvCxnSpPr>
-            <a:cxnSpLocks/>
-            <a:stCxn id="37" idx="5"/>
-            <a:endCxn id="42" idx="1"/>
-          </p:cNvCxnSpPr>
-          <p:nvPr/>
-        </p:nvCxnSpPr>
-        <p:spPr>
-          <a:xfrm>
-            <a:off x="8164370" y="4025979"/>
-            <a:ext cx="267822" cy="267822"/>
-          </a:xfrm>
-          <a:prstGeom prst="straightConnector1">
-            <a:avLst/>
-          </a:prstGeom>
-          <a:ln w="28575">
-            <a:solidFill>
-              <a:schemeClr val="accent4"/>
-            </a:solidFill>
-            <a:tailEnd type="triangle"/>
-          </a:ln>
-        </p:spPr>
-        <p:style>
-          <a:lnRef idx="2">
-            <a:schemeClr val="accent1"/>
-          </a:lnRef>
-          <a:fillRef idx="0">
-            <a:schemeClr val="accent1"/>
-          </a:fillRef>
-          <a:effectRef idx="1">
-            <a:schemeClr val="accent1"/>
-          </a:effectRef>
-          <a:fontRef idx="minor">
-            <a:schemeClr val="tx1"/>
-          </a:fontRef>
-        </p:style>
-      </p:cxnSp>
-      <p:cxnSp>
-        <p:nvCxnSpPr>
-          <p:cNvPr id="50" name="Straight Arrow Connector 49">
-            <a:extLst>
-              <a:ext uri="{FF2B5EF4-FFF2-40B4-BE49-F238E27FC236}">
-                <a16:creationId xmlns:a16="http://schemas.microsoft.com/office/drawing/2014/main" id="{A7A95A1F-969B-6B51-794E-D3D13858BAEB}"/>
-              </a:ext>
-            </a:extLst>
-          </p:cNvPr>
-          <p:cNvCxnSpPr>
-            <a:cxnSpLocks/>
-            <a:stCxn id="37" idx="3"/>
-            <a:endCxn id="41" idx="7"/>
-          </p:cNvCxnSpPr>
-          <p:nvPr/>
-        </p:nvCxnSpPr>
-        <p:spPr>
-          <a:xfrm flipH="1">
-            <a:off x="7249970" y="4025979"/>
-            <a:ext cx="267822" cy="267822"/>
-          </a:xfrm>
-          <a:prstGeom prst="straightConnector1">
-            <a:avLst/>
-          </a:prstGeom>
-          <a:ln w="28575">
-            <a:solidFill>
-              <a:schemeClr val="accent4"/>
-            </a:solidFill>
-            <a:tailEnd type="triangle"/>
-          </a:ln>
-        </p:spPr>
-        <p:style>
-          <a:lnRef idx="2">
-            <a:schemeClr val="accent1"/>
-          </a:lnRef>
-          <a:fillRef idx="0">
-            <a:schemeClr val="accent1"/>
-          </a:fillRef>
-          <a:effectRef idx="1">
-            <a:schemeClr val="accent1"/>
-          </a:effectRef>
-          <a:fontRef idx="minor">
-            <a:schemeClr val="tx1"/>
-          </a:fontRef>
-        </p:style>
-      </p:cxnSp>
+        </p:spPr>
+        <p:txBody>
+          <a:bodyPr wrap="none" rtlCol="0">
+            <a:spAutoFit/>
+          </a:bodyPr>
+          <a:lstStyle/>
+          <a:p>
+            <a:r>
+              <a:rPr lang="en-US"/>
+              <a:t>Sibling of E</a:t>
+            </a:r>
+          </a:p>
+        </p:txBody>
+      </p:sp>
     </p:spTree>
     <p:extLst>
       <p:ext uri="{BB962C8B-B14F-4D97-AF65-F5344CB8AC3E}">
@@ -4445,7 +8512,997 @@
 </p:sld>
 </file>
 
-<file path=ppt/slides/slide2.xml><?xml version="1.0" encoding="utf-8"?>
+<file path=ppt/slides/slide5.xml><?xml version="1.0" encoding="utf-8"?>
+<p:sld xmlns:a="http://schemas.openxmlformats.org/drawingml/2006/main" xmlns:r="http://schemas.openxmlformats.org/officeDocument/2006/relationships" xmlns:p="http://schemas.openxmlformats.org/presentationml/2006/main">
+  <p:cSld>
+    <p:spTree>
+      <p:nvGrpSpPr>
+        <p:cNvPr id="1" name="">
+          <a:extLst>
+            <a:ext uri="{FF2B5EF4-FFF2-40B4-BE49-F238E27FC236}">
+              <a16:creationId xmlns:a16="http://schemas.microsoft.com/office/drawing/2014/main" id="{B90EE854-C3EE-F139-540D-3F1FA7D78B64}"/>
+            </a:ext>
+          </a:extLst>
+        </p:cNvPr>
+        <p:cNvGrpSpPr/>
+        <p:nvPr/>
+      </p:nvGrpSpPr>
+      <p:grpSpPr>
+        <a:xfrm>
+          <a:off x="0" y="0"/>
+          <a:ext cx="0" cy="0"/>
+          <a:chOff x="0" y="0"/>
+          <a:chExt cx="0" cy="0"/>
+        </a:xfrm>
+      </p:grpSpPr>
+      <p:sp>
+        <p:nvSpPr>
+          <p:cNvPr id="21" name="Slide Number Placeholder 20">
+            <a:extLst>
+              <a:ext uri="{FF2B5EF4-FFF2-40B4-BE49-F238E27FC236}">
+                <a16:creationId xmlns:a16="http://schemas.microsoft.com/office/drawing/2014/main" id="{E9CD6EEE-B066-199F-85B4-ED652637F220}"/>
+              </a:ext>
+            </a:extLst>
+          </p:cNvPr>
+          <p:cNvSpPr>
+            <a:spLocks noGrp="1"/>
+          </p:cNvSpPr>
+          <p:nvPr>
+            <p:ph type="sldNum" sz="quarter" idx="12"/>
+          </p:nvPr>
+        </p:nvSpPr>
+        <p:spPr/>
+        <p:txBody>
+          <a:bodyPr/>
+          <a:lstStyle/>
+          <a:p>
+            <a:fld id="{7A78D7CD-E273-4158-B1CA-59F0920772DC}" type="slidenum">
+              <a:rPr lang="en-US" smtClean="0"/>
+              <a:t>5</a:t>
+            </a:fld>
+            <a:endParaRPr lang="en-US"/>
+          </a:p>
+        </p:txBody>
+      </p:sp>
+      <p:sp>
+        <p:nvSpPr>
+          <p:cNvPr id="18" name="Oval 17">
+            <a:extLst>
+              <a:ext uri="{FF2B5EF4-FFF2-40B4-BE49-F238E27FC236}">
+                <a16:creationId xmlns:a16="http://schemas.microsoft.com/office/drawing/2014/main" id="{39D105FF-C106-114B-A69E-EC8A5E1EAD1C}"/>
+              </a:ext>
+            </a:extLst>
+          </p:cNvPr>
+          <p:cNvSpPr/>
+          <p:nvPr/>
+        </p:nvSpPr>
+        <p:spPr>
+          <a:xfrm>
+            <a:off x="5555081" y="1416690"/>
+            <a:ext cx="914400" cy="914400"/>
+          </a:xfrm>
+          <a:prstGeom prst="ellipse">
+            <a:avLst/>
+          </a:prstGeom>
+          <a:noFill/>
+          <a:ln w="28575" cap="flat" cmpd="sng" algn="ctr">
+            <a:solidFill>
+              <a:schemeClr val="accent1"/>
+            </a:solidFill>
+            <a:prstDash val="solid"/>
+            <a:round/>
+            <a:headEnd type="none" w="med" len="med"/>
+            <a:tailEnd type="none" w="med" len="med"/>
+          </a:ln>
+        </p:spPr>
+        <p:style>
+          <a:lnRef idx="0">
+            <a:scrgbClr r="0" g="0" b="0"/>
+          </a:lnRef>
+          <a:fillRef idx="0">
+            <a:scrgbClr r="0" g="0" b="0"/>
+          </a:fillRef>
+          <a:effectRef idx="0">
+            <a:scrgbClr r="0" g="0" b="0"/>
+          </a:effectRef>
+          <a:fontRef idx="minor">
+            <a:schemeClr val="accent1"/>
+          </a:fontRef>
+        </p:style>
+        <p:txBody>
+          <a:bodyPr lIns="0" tIns="0" rIns="0" bIns="0" rtlCol="0" anchor="ctr"/>
+          <a:lstStyle/>
+          <a:p>
+            <a:pPr algn="ctr"/>
+            <a:r>
+              <a:rPr lang="en-US">
+                <a:solidFill>
+                  <a:schemeClr val="tx1"/>
+                </a:solidFill>
+              </a:rPr>
+              <a:t>A</a:t>
+            </a:r>
+          </a:p>
+        </p:txBody>
+      </p:sp>
+      <p:sp>
+        <p:nvSpPr>
+          <p:cNvPr id="2" name="Oval 1">
+            <a:extLst>
+              <a:ext uri="{FF2B5EF4-FFF2-40B4-BE49-F238E27FC236}">
+                <a16:creationId xmlns:a16="http://schemas.microsoft.com/office/drawing/2014/main" id="{3A3D444B-7653-805F-5143-D4CA1ED594CC}"/>
+              </a:ext>
+            </a:extLst>
+          </p:cNvPr>
+          <p:cNvSpPr/>
+          <p:nvPr/>
+        </p:nvSpPr>
+        <p:spPr>
+          <a:xfrm>
+            <a:off x="4339330" y="2331090"/>
+            <a:ext cx="914400" cy="914400"/>
+          </a:xfrm>
+          <a:prstGeom prst="ellipse">
+            <a:avLst/>
+          </a:prstGeom>
+          <a:noFill/>
+          <a:ln w="28575" cap="flat" cmpd="sng" algn="ctr">
+            <a:solidFill>
+              <a:schemeClr val="accent1"/>
+            </a:solidFill>
+            <a:prstDash val="solid"/>
+            <a:round/>
+            <a:headEnd type="none" w="med" len="med"/>
+            <a:tailEnd type="none" w="med" len="med"/>
+          </a:ln>
+        </p:spPr>
+        <p:style>
+          <a:lnRef idx="0">
+            <a:scrgbClr r="0" g="0" b="0"/>
+          </a:lnRef>
+          <a:fillRef idx="0">
+            <a:scrgbClr r="0" g="0" b="0"/>
+          </a:fillRef>
+          <a:effectRef idx="0">
+            <a:scrgbClr r="0" g="0" b="0"/>
+          </a:effectRef>
+          <a:fontRef idx="minor">
+            <a:schemeClr val="accent1"/>
+          </a:fontRef>
+        </p:style>
+        <p:txBody>
+          <a:bodyPr lIns="0" tIns="0" rIns="0" bIns="0" rtlCol="0" anchor="ctr"/>
+          <a:lstStyle/>
+          <a:p>
+            <a:pPr algn="ctr"/>
+            <a:r>
+              <a:rPr lang="en-US">
+                <a:solidFill>
+                  <a:schemeClr val="tx1"/>
+                </a:solidFill>
+              </a:rPr>
+              <a:t>B</a:t>
+            </a:r>
+          </a:p>
+        </p:txBody>
+      </p:sp>
+      <p:cxnSp>
+        <p:nvCxnSpPr>
+          <p:cNvPr id="8" name="Straight Arrow Connector 7">
+            <a:extLst>
+              <a:ext uri="{FF2B5EF4-FFF2-40B4-BE49-F238E27FC236}">
+                <a16:creationId xmlns:a16="http://schemas.microsoft.com/office/drawing/2014/main" id="{2A72EC5E-CFE5-35C7-37FD-77F0EDF44616}"/>
+              </a:ext>
+            </a:extLst>
+          </p:cNvPr>
+          <p:cNvCxnSpPr>
+            <a:cxnSpLocks/>
+            <a:stCxn id="18" idx="3"/>
+            <a:endCxn id="2" idx="7"/>
+          </p:cNvCxnSpPr>
+          <p:nvPr/>
+        </p:nvCxnSpPr>
+        <p:spPr>
+          <a:xfrm flipH="1">
+            <a:off x="5119819" y="2197179"/>
+            <a:ext cx="569173" cy="267822"/>
+          </a:xfrm>
+          <a:prstGeom prst="straightConnector1">
+            <a:avLst/>
+          </a:prstGeom>
+          <a:ln w="28575">
+            <a:solidFill>
+              <a:schemeClr val="accent4"/>
+            </a:solidFill>
+            <a:tailEnd type="triangle"/>
+          </a:ln>
+        </p:spPr>
+        <p:style>
+          <a:lnRef idx="2">
+            <a:schemeClr val="accent1"/>
+          </a:lnRef>
+          <a:fillRef idx="0">
+            <a:schemeClr val="accent1"/>
+          </a:fillRef>
+          <a:effectRef idx="1">
+            <a:schemeClr val="accent1"/>
+          </a:effectRef>
+          <a:fontRef idx="minor">
+            <a:schemeClr val="tx1"/>
+          </a:fontRef>
+        </p:style>
+      </p:cxnSp>
+      <p:sp>
+        <p:nvSpPr>
+          <p:cNvPr id="14" name="Oval 13">
+            <a:extLst>
+              <a:ext uri="{FF2B5EF4-FFF2-40B4-BE49-F238E27FC236}">
+                <a16:creationId xmlns:a16="http://schemas.microsoft.com/office/drawing/2014/main" id="{9DBC5BA8-6C3E-9CAD-E54D-D1564A777329}"/>
+              </a:ext>
+            </a:extLst>
+          </p:cNvPr>
+          <p:cNvSpPr/>
+          <p:nvPr/>
+        </p:nvSpPr>
+        <p:spPr>
+          <a:xfrm>
+            <a:off x="4339330" y="3528848"/>
+            <a:ext cx="914400" cy="914400"/>
+          </a:xfrm>
+          <a:prstGeom prst="ellipse">
+            <a:avLst/>
+          </a:prstGeom>
+          <a:noFill/>
+          <a:ln w="28575" cap="flat" cmpd="sng" algn="ctr">
+            <a:solidFill>
+              <a:schemeClr val="accent1"/>
+            </a:solidFill>
+            <a:prstDash val="solid"/>
+            <a:round/>
+            <a:headEnd type="none" w="med" len="med"/>
+            <a:tailEnd type="none" w="med" len="med"/>
+          </a:ln>
+        </p:spPr>
+        <p:style>
+          <a:lnRef idx="0">
+            <a:scrgbClr r="0" g="0" b="0"/>
+          </a:lnRef>
+          <a:fillRef idx="0">
+            <a:scrgbClr r="0" g="0" b="0"/>
+          </a:fillRef>
+          <a:effectRef idx="0">
+            <a:scrgbClr r="0" g="0" b="0"/>
+          </a:effectRef>
+          <a:fontRef idx="minor">
+            <a:schemeClr val="accent1"/>
+          </a:fontRef>
+        </p:style>
+        <p:txBody>
+          <a:bodyPr lIns="0" tIns="0" rIns="0" bIns="0" rtlCol="0" anchor="ctr"/>
+          <a:lstStyle/>
+          <a:p>
+            <a:pPr algn="ctr"/>
+            <a:r>
+              <a:rPr lang="en-US">
+                <a:solidFill>
+                  <a:schemeClr val="tx1"/>
+                </a:solidFill>
+              </a:rPr>
+              <a:t>D</a:t>
+            </a:r>
+          </a:p>
+        </p:txBody>
+      </p:sp>
+      <p:cxnSp>
+        <p:nvCxnSpPr>
+          <p:cNvPr id="15" name="Straight Arrow Connector 14">
+            <a:extLst>
+              <a:ext uri="{FF2B5EF4-FFF2-40B4-BE49-F238E27FC236}">
+                <a16:creationId xmlns:a16="http://schemas.microsoft.com/office/drawing/2014/main" id="{410CE6C2-AFEC-A438-B420-804B42E766E7}"/>
+              </a:ext>
+            </a:extLst>
+          </p:cNvPr>
+          <p:cNvCxnSpPr>
+            <a:cxnSpLocks/>
+            <a:stCxn id="2" idx="4"/>
+            <a:endCxn id="14" idx="0"/>
+          </p:cNvCxnSpPr>
+          <p:nvPr/>
+        </p:nvCxnSpPr>
+        <p:spPr>
+          <a:xfrm>
+            <a:off x="4796530" y="3245490"/>
+            <a:ext cx="0" cy="283358"/>
+          </a:xfrm>
+          <a:prstGeom prst="straightConnector1">
+            <a:avLst/>
+          </a:prstGeom>
+          <a:ln w="28575">
+            <a:solidFill>
+              <a:schemeClr val="accent4"/>
+            </a:solidFill>
+            <a:tailEnd type="triangle"/>
+          </a:ln>
+        </p:spPr>
+        <p:style>
+          <a:lnRef idx="2">
+            <a:schemeClr val="accent1"/>
+          </a:lnRef>
+          <a:fillRef idx="0">
+            <a:schemeClr val="accent1"/>
+          </a:fillRef>
+          <a:effectRef idx="1">
+            <a:schemeClr val="accent1"/>
+          </a:effectRef>
+          <a:fontRef idx="minor">
+            <a:schemeClr val="tx1"/>
+          </a:fontRef>
+        </p:style>
+      </p:cxnSp>
+      <p:sp>
+        <p:nvSpPr>
+          <p:cNvPr id="24" name="Oval 23">
+            <a:extLst>
+              <a:ext uri="{FF2B5EF4-FFF2-40B4-BE49-F238E27FC236}">
+                <a16:creationId xmlns:a16="http://schemas.microsoft.com/office/drawing/2014/main" id="{46D6DF3F-384A-E671-318F-6315855C678A}"/>
+              </a:ext>
+            </a:extLst>
+          </p:cNvPr>
+          <p:cNvSpPr/>
+          <p:nvPr/>
+        </p:nvSpPr>
+        <p:spPr>
+          <a:xfrm>
+            <a:off x="5421170" y="3528848"/>
+            <a:ext cx="914400" cy="914400"/>
+          </a:xfrm>
+          <a:prstGeom prst="ellipse">
+            <a:avLst/>
+          </a:prstGeom>
+          <a:noFill/>
+          <a:ln w="28575" cap="flat" cmpd="sng" algn="ctr">
+            <a:solidFill>
+              <a:schemeClr val="accent1"/>
+            </a:solidFill>
+            <a:prstDash val="solid"/>
+            <a:round/>
+            <a:headEnd type="none" w="med" len="med"/>
+            <a:tailEnd type="none" w="med" len="med"/>
+          </a:ln>
+        </p:spPr>
+        <p:style>
+          <a:lnRef idx="0">
+            <a:scrgbClr r="0" g="0" b="0"/>
+          </a:lnRef>
+          <a:fillRef idx="0">
+            <a:scrgbClr r="0" g="0" b="0"/>
+          </a:fillRef>
+          <a:effectRef idx="0">
+            <a:scrgbClr r="0" g="0" b="0"/>
+          </a:effectRef>
+          <a:fontRef idx="minor">
+            <a:schemeClr val="accent1"/>
+          </a:fontRef>
+        </p:style>
+        <p:txBody>
+          <a:bodyPr lIns="0" tIns="0" rIns="0" bIns="0" rtlCol="0" anchor="ctr"/>
+          <a:lstStyle/>
+          <a:p>
+            <a:pPr algn="ctr"/>
+            <a:r>
+              <a:rPr lang="en-US">
+                <a:solidFill>
+                  <a:schemeClr val="tx1"/>
+                </a:solidFill>
+              </a:rPr>
+              <a:t>E</a:t>
+            </a:r>
+          </a:p>
+        </p:txBody>
+      </p:sp>
+      <p:cxnSp>
+        <p:nvCxnSpPr>
+          <p:cNvPr id="25" name="Straight Arrow Connector 24">
+            <a:extLst>
+              <a:ext uri="{FF2B5EF4-FFF2-40B4-BE49-F238E27FC236}">
+                <a16:creationId xmlns:a16="http://schemas.microsoft.com/office/drawing/2014/main" id="{644CC03C-DF3F-3654-2890-B98694051067}"/>
+              </a:ext>
+            </a:extLst>
+          </p:cNvPr>
+          <p:cNvCxnSpPr>
+            <a:cxnSpLocks/>
+            <a:stCxn id="2" idx="5"/>
+            <a:endCxn id="24" idx="1"/>
+          </p:cNvCxnSpPr>
+          <p:nvPr/>
+        </p:nvCxnSpPr>
+        <p:spPr>
+          <a:xfrm>
+            <a:off x="5119819" y="3111579"/>
+            <a:ext cx="435262" cy="551180"/>
+          </a:xfrm>
+          <a:prstGeom prst="straightConnector1">
+            <a:avLst/>
+          </a:prstGeom>
+          <a:ln w="28575">
+            <a:solidFill>
+              <a:schemeClr val="accent4"/>
+            </a:solidFill>
+            <a:tailEnd type="triangle"/>
+          </a:ln>
+        </p:spPr>
+        <p:style>
+          <a:lnRef idx="2">
+            <a:schemeClr val="accent1"/>
+          </a:lnRef>
+          <a:fillRef idx="0">
+            <a:schemeClr val="accent1"/>
+          </a:fillRef>
+          <a:effectRef idx="1">
+            <a:schemeClr val="accent1"/>
+          </a:effectRef>
+          <a:fontRef idx="minor">
+            <a:schemeClr val="tx1"/>
+          </a:fontRef>
+        </p:style>
+      </p:cxnSp>
+      <p:sp>
+        <p:nvSpPr>
+          <p:cNvPr id="28" name="Oval 27">
+            <a:extLst>
+              <a:ext uri="{FF2B5EF4-FFF2-40B4-BE49-F238E27FC236}">
+                <a16:creationId xmlns:a16="http://schemas.microsoft.com/office/drawing/2014/main" id="{A5DE3468-01DB-540C-A417-2E344549A673}"/>
+              </a:ext>
+            </a:extLst>
+          </p:cNvPr>
+          <p:cNvSpPr/>
+          <p:nvPr/>
+        </p:nvSpPr>
+        <p:spPr>
+          <a:xfrm>
+            <a:off x="3257490" y="3528848"/>
+            <a:ext cx="914400" cy="914400"/>
+          </a:xfrm>
+          <a:prstGeom prst="ellipse">
+            <a:avLst/>
+          </a:prstGeom>
+          <a:noFill/>
+          <a:ln w="28575" cap="flat" cmpd="sng" algn="ctr">
+            <a:solidFill>
+              <a:schemeClr val="accent1"/>
+            </a:solidFill>
+            <a:prstDash val="solid"/>
+            <a:round/>
+            <a:headEnd type="none" w="med" len="med"/>
+            <a:tailEnd type="none" w="med" len="med"/>
+          </a:ln>
+        </p:spPr>
+        <p:style>
+          <a:lnRef idx="0">
+            <a:scrgbClr r="0" g="0" b="0"/>
+          </a:lnRef>
+          <a:fillRef idx="0">
+            <a:scrgbClr r="0" g="0" b="0"/>
+          </a:fillRef>
+          <a:effectRef idx="0">
+            <a:scrgbClr r="0" g="0" b="0"/>
+          </a:effectRef>
+          <a:fontRef idx="minor">
+            <a:schemeClr val="accent1"/>
+          </a:fontRef>
+        </p:style>
+        <p:txBody>
+          <a:bodyPr lIns="0" tIns="0" rIns="0" bIns="0" rtlCol="0" anchor="ctr"/>
+          <a:lstStyle/>
+          <a:p>
+            <a:pPr algn="ctr"/>
+            <a:r>
+              <a:rPr lang="en-US">
+                <a:solidFill>
+                  <a:schemeClr val="tx1"/>
+                </a:solidFill>
+              </a:rPr>
+              <a:t>C</a:t>
+            </a:r>
+          </a:p>
+        </p:txBody>
+      </p:sp>
+      <p:cxnSp>
+        <p:nvCxnSpPr>
+          <p:cNvPr id="29" name="Straight Arrow Connector 28">
+            <a:extLst>
+              <a:ext uri="{FF2B5EF4-FFF2-40B4-BE49-F238E27FC236}">
+                <a16:creationId xmlns:a16="http://schemas.microsoft.com/office/drawing/2014/main" id="{61611ECA-0469-CD7D-A3DB-F32AA86931CB}"/>
+              </a:ext>
+            </a:extLst>
+          </p:cNvPr>
+          <p:cNvCxnSpPr>
+            <a:cxnSpLocks/>
+            <a:stCxn id="2" idx="3"/>
+            <a:endCxn id="28" idx="7"/>
+          </p:cNvCxnSpPr>
+          <p:nvPr/>
+        </p:nvCxnSpPr>
+        <p:spPr>
+          <a:xfrm flipH="1">
+            <a:off x="4037979" y="3111579"/>
+            <a:ext cx="435262" cy="551180"/>
+          </a:xfrm>
+          <a:prstGeom prst="straightConnector1">
+            <a:avLst/>
+          </a:prstGeom>
+          <a:ln w="28575">
+            <a:solidFill>
+              <a:schemeClr val="accent4"/>
+            </a:solidFill>
+            <a:tailEnd type="triangle"/>
+          </a:ln>
+        </p:spPr>
+        <p:style>
+          <a:lnRef idx="2">
+            <a:schemeClr val="accent1"/>
+          </a:lnRef>
+          <a:fillRef idx="0">
+            <a:schemeClr val="accent1"/>
+          </a:fillRef>
+          <a:effectRef idx="1">
+            <a:schemeClr val="accent1"/>
+          </a:effectRef>
+          <a:fontRef idx="minor">
+            <a:schemeClr val="tx1"/>
+          </a:fontRef>
+        </p:style>
+      </p:cxnSp>
+      <p:sp>
+        <p:nvSpPr>
+          <p:cNvPr id="32" name="Oval 31">
+            <a:extLst>
+              <a:ext uri="{FF2B5EF4-FFF2-40B4-BE49-F238E27FC236}">
+                <a16:creationId xmlns:a16="http://schemas.microsoft.com/office/drawing/2014/main" id="{EB264408-0DE3-4CCE-71C4-782F489F5AB4}"/>
+              </a:ext>
+            </a:extLst>
+          </p:cNvPr>
+          <p:cNvSpPr/>
+          <p:nvPr/>
+        </p:nvSpPr>
+        <p:spPr>
+          <a:xfrm>
+            <a:off x="6469481" y="2331090"/>
+            <a:ext cx="914400" cy="914400"/>
+          </a:xfrm>
+          <a:prstGeom prst="ellipse">
+            <a:avLst/>
+          </a:prstGeom>
+          <a:noFill/>
+          <a:ln w="28575" cap="flat" cmpd="sng" algn="ctr">
+            <a:solidFill>
+              <a:schemeClr val="accent1"/>
+            </a:solidFill>
+            <a:prstDash val="solid"/>
+            <a:round/>
+            <a:headEnd type="none" w="med" len="med"/>
+            <a:tailEnd type="none" w="med" len="med"/>
+          </a:ln>
+        </p:spPr>
+        <p:style>
+          <a:lnRef idx="0">
+            <a:scrgbClr r="0" g="0" b="0"/>
+          </a:lnRef>
+          <a:fillRef idx="0">
+            <a:scrgbClr r="0" g="0" b="0"/>
+          </a:fillRef>
+          <a:effectRef idx="0">
+            <a:scrgbClr r="0" g="0" b="0"/>
+          </a:effectRef>
+          <a:fontRef idx="minor">
+            <a:schemeClr val="accent1"/>
+          </a:fontRef>
+        </p:style>
+        <p:txBody>
+          <a:bodyPr lIns="0" tIns="0" rIns="0" bIns="0" rtlCol="0" anchor="ctr"/>
+          <a:lstStyle/>
+          <a:p>
+            <a:pPr algn="ctr"/>
+            <a:r>
+              <a:rPr lang="en-US">
+                <a:solidFill>
+                  <a:schemeClr val="tx1"/>
+                </a:solidFill>
+              </a:rPr>
+              <a:t>F</a:t>
+            </a:r>
+          </a:p>
+        </p:txBody>
+      </p:sp>
+      <p:cxnSp>
+        <p:nvCxnSpPr>
+          <p:cNvPr id="33" name="Straight Arrow Connector 32">
+            <a:extLst>
+              <a:ext uri="{FF2B5EF4-FFF2-40B4-BE49-F238E27FC236}">
+                <a16:creationId xmlns:a16="http://schemas.microsoft.com/office/drawing/2014/main" id="{6737E082-919A-E4B0-B465-7016DB84BE21}"/>
+              </a:ext>
+            </a:extLst>
+          </p:cNvPr>
+          <p:cNvCxnSpPr>
+            <a:cxnSpLocks/>
+            <a:stCxn id="18" idx="5"/>
+            <a:endCxn id="32" idx="1"/>
+          </p:cNvCxnSpPr>
+          <p:nvPr/>
+        </p:nvCxnSpPr>
+        <p:spPr>
+          <a:xfrm>
+            <a:off x="6335570" y="2197179"/>
+            <a:ext cx="267822" cy="267822"/>
+          </a:xfrm>
+          <a:prstGeom prst="straightConnector1">
+            <a:avLst/>
+          </a:prstGeom>
+          <a:ln w="28575">
+            <a:solidFill>
+              <a:schemeClr val="accent4"/>
+            </a:solidFill>
+            <a:tailEnd type="triangle"/>
+          </a:ln>
+        </p:spPr>
+        <p:style>
+          <a:lnRef idx="2">
+            <a:schemeClr val="accent1"/>
+          </a:lnRef>
+          <a:fillRef idx="0">
+            <a:schemeClr val="accent1"/>
+          </a:fillRef>
+          <a:effectRef idx="1">
+            <a:schemeClr val="accent1"/>
+          </a:effectRef>
+          <a:fontRef idx="minor">
+            <a:schemeClr val="tx1"/>
+          </a:fontRef>
+        </p:style>
+      </p:cxnSp>
+      <p:sp>
+        <p:nvSpPr>
+          <p:cNvPr id="37" name="Oval 36">
+            <a:extLst>
+              <a:ext uri="{FF2B5EF4-FFF2-40B4-BE49-F238E27FC236}">
+                <a16:creationId xmlns:a16="http://schemas.microsoft.com/office/drawing/2014/main" id="{A7FBEC77-279B-56DC-2099-A20A5750B0AA}"/>
+              </a:ext>
+            </a:extLst>
+          </p:cNvPr>
+          <p:cNvSpPr/>
+          <p:nvPr/>
+        </p:nvSpPr>
+        <p:spPr>
+          <a:xfrm>
+            <a:off x="7383881" y="3245490"/>
+            <a:ext cx="914400" cy="914400"/>
+          </a:xfrm>
+          <a:prstGeom prst="ellipse">
+            <a:avLst/>
+          </a:prstGeom>
+          <a:noFill/>
+          <a:ln w="28575" cap="flat" cmpd="sng" algn="ctr">
+            <a:solidFill>
+              <a:schemeClr val="accent1"/>
+            </a:solidFill>
+            <a:prstDash val="solid"/>
+            <a:round/>
+            <a:headEnd type="none" w="med" len="med"/>
+            <a:tailEnd type="none" w="med" len="med"/>
+          </a:ln>
+        </p:spPr>
+        <p:style>
+          <a:lnRef idx="0">
+            <a:scrgbClr r="0" g="0" b="0"/>
+          </a:lnRef>
+          <a:fillRef idx="0">
+            <a:scrgbClr r="0" g="0" b="0"/>
+          </a:fillRef>
+          <a:effectRef idx="0">
+            <a:scrgbClr r="0" g="0" b="0"/>
+          </a:effectRef>
+          <a:fontRef idx="minor">
+            <a:schemeClr val="accent1"/>
+          </a:fontRef>
+        </p:style>
+        <p:txBody>
+          <a:bodyPr lIns="0" tIns="0" rIns="0" bIns="0" rtlCol="0" anchor="ctr"/>
+          <a:lstStyle/>
+          <a:p>
+            <a:pPr algn="ctr"/>
+            <a:r>
+              <a:rPr lang="en-US">
+                <a:solidFill>
+                  <a:schemeClr val="tx1"/>
+                </a:solidFill>
+              </a:rPr>
+              <a:t>G</a:t>
+            </a:r>
+          </a:p>
+        </p:txBody>
+      </p:sp>
+      <p:cxnSp>
+        <p:nvCxnSpPr>
+          <p:cNvPr id="38" name="Straight Arrow Connector 37">
+            <a:extLst>
+              <a:ext uri="{FF2B5EF4-FFF2-40B4-BE49-F238E27FC236}">
+                <a16:creationId xmlns:a16="http://schemas.microsoft.com/office/drawing/2014/main" id="{F56C2222-CB67-7F6D-5AAA-C9897686A3D0}"/>
+              </a:ext>
+            </a:extLst>
+          </p:cNvPr>
+          <p:cNvCxnSpPr>
+            <a:cxnSpLocks/>
+            <a:stCxn id="32" idx="5"/>
+            <a:endCxn id="37" idx="1"/>
+          </p:cNvCxnSpPr>
+          <p:nvPr/>
+        </p:nvCxnSpPr>
+        <p:spPr>
+          <a:xfrm>
+            <a:off x="7249970" y="3111579"/>
+            <a:ext cx="267822" cy="267822"/>
+          </a:xfrm>
+          <a:prstGeom prst="straightConnector1">
+            <a:avLst/>
+          </a:prstGeom>
+          <a:ln w="28575">
+            <a:solidFill>
+              <a:schemeClr val="accent4"/>
+            </a:solidFill>
+            <a:tailEnd type="triangle"/>
+          </a:ln>
+        </p:spPr>
+        <p:style>
+          <a:lnRef idx="2">
+            <a:schemeClr val="accent1"/>
+          </a:lnRef>
+          <a:fillRef idx="0">
+            <a:schemeClr val="accent1"/>
+          </a:fillRef>
+          <a:effectRef idx="1">
+            <a:schemeClr val="accent1"/>
+          </a:effectRef>
+          <a:fontRef idx="minor">
+            <a:schemeClr val="tx1"/>
+          </a:fontRef>
+        </p:style>
+      </p:cxnSp>
+      <p:sp>
+        <p:nvSpPr>
+          <p:cNvPr id="41" name="Oval 40">
+            <a:extLst>
+              <a:ext uri="{FF2B5EF4-FFF2-40B4-BE49-F238E27FC236}">
+                <a16:creationId xmlns:a16="http://schemas.microsoft.com/office/drawing/2014/main" id="{ACCE1DD6-3C6A-42E1-F238-FE11C624FF02}"/>
+              </a:ext>
+            </a:extLst>
+          </p:cNvPr>
+          <p:cNvSpPr/>
+          <p:nvPr/>
+        </p:nvSpPr>
+        <p:spPr>
+          <a:xfrm>
+            <a:off x="6469481" y="4159890"/>
+            <a:ext cx="914400" cy="914400"/>
+          </a:xfrm>
+          <a:prstGeom prst="ellipse">
+            <a:avLst/>
+          </a:prstGeom>
+          <a:noFill/>
+          <a:ln w="28575" cap="flat" cmpd="sng" algn="ctr">
+            <a:solidFill>
+              <a:schemeClr val="accent1"/>
+            </a:solidFill>
+            <a:prstDash val="solid"/>
+            <a:round/>
+            <a:headEnd type="none" w="med" len="med"/>
+            <a:tailEnd type="none" w="med" len="med"/>
+          </a:ln>
+        </p:spPr>
+        <p:style>
+          <a:lnRef idx="0">
+            <a:scrgbClr r="0" g="0" b="0"/>
+          </a:lnRef>
+          <a:fillRef idx="0">
+            <a:scrgbClr r="0" g="0" b="0"/>
+          </a:fillRef>
+          <a:effectRef idx="0">
+            <a:scrgbClr r="0" g="0" b="0"/>
+          </a:effectRef>
+          <a:fontRef idx="minor">
+            <a:schemeClr val="accent1"/>
+          </a:fontRef>
+        </p:style>
+        <p:txBody>
+          <a:bodyPr lIns="0" tIns="0" rIns="0" bIns="0" rtlCol="0" anchor="ctr"/>
+          <a:lstStyle/>
+          <a:p>
+            <a:pPr algn="ctr"/>
+            <a:r>
+              <a:rPr lang="en-US">
+                <a:solidFill>
+                  <a:schemeClr val="tx1"/>
+                </a:solidFill>
+              </a:rPr>
+              <a:t>H</a:t>
+            </a:r>
+          </a:p>
+        </p:txBody>
+      </p:sp>
+      <p:sp>
+        <p:nvSpPr>
+          <p:cNvPr id="42" name="Oval 41">
+            <a:extLst>
+              <a:ext uri="{FF2B5EF4-FFF2-40B4-BE49-F238E27FC236}">
+                <a16:creationId xmlns:a16="http://schemas.microsoft.com/office/drawing/2014/main" id="{C2F8C991-4047-2D72-EF62-9B86109D7AE7}"/>
+              </a:ext>
+            </a:extLst>
+          </p:cNvPr>
+          <p:cNvSpPr/>
+          <p:nvPr/>
+        </p:nvSpPr>
+        <p:spPr>
+          <a:xfrm>
+            <a:off x="8298281" y="4159890"/>
+            <a:ext cx="914400" cy="914400"/>
+          </a:xfrm>
+          <a:prstGeom prst="ellipse">
+            <a:avLst/>
+          </a:prstGeom>
+          <a:noFill/>
+          <a:ln w="28575" cap="flat" cmpd="sng" algn="ctr">
+            <a:solidFill>
+              <a:schemeClr val="accent1"/>
+            </a:solidFill>
+            <a:prstDash val="solid"/>
+            <a:round/>
+            <a:headEnd type="none" w="med" len="med"/>
+            <a:tailEnd type="none" w="med" len="med"/>
+          </a:ln>
+        </p:spPr>
+        <p:style>
+          <a:lnRef idx="0">
+            <a:scrgbClr r="0" g="0" b="0"/>
+          </a:lnRef>
+          <a:fillRef idx="0">
+            <a:scrgbClr r="0" g="0" b="0"/>
+          </a:fillRef>
+          <a:effectRef idx="0">
+            <a:scrgbClr r="0" g="0" b="0"/>
+          </a:effectRef>
+          <a:fontRef idx="minor">
+            <a:schemeClr val="accent1"/>
+          </a:fontRef>
+        </p:style>
+        <p:txBody>
+          <a:bodyPr lIns="0" tIns="0" rIns="0" bIns="0" rtlCol="0" anchor="ctr"/>
+          <a:lstStyle/>
+          <a:p>
+            <a:pPr algn="ctr"/>
+            <a:r>
+              <a:rPr lang="en-US">
+                <a:solidFill>
+                  <a:schemeClr val="tx1"/>
+                </a:solidFill>
+              </a:rPr>
+              <a:t>I</a:t>
+            </a:r>
+          </a:p>
+        </p:txBody>
+      </p:sp>
+      <p:cxnSp>
+        <p:nvCxnSpPr>
+          <p:cNvPr id="43" name="Straight Arrow Connector 42">
+            <a:extLst>
+              <a:ext uri="{FF2B5EF4-FFF2-40B4-BE49-F238E27FC236}">
+                <a16:creationId xmlns:a16="http://schemas.microsoft.com/office/drawing/2014/main" id="{7D9C322A-C468-DE70-3FBC-D4BC4004D55F}"/>
+              </a:ext>
+            </a:extLst>
+          </p:cNvPr>
+          <p:cNvCxnSpPr>
+            <a:cxnSpLocks/>
+            <a:stCxn id="37" idx="5"/>
+            <a:endCxn id="42" idx="1"/>
+          </p:cNvCxnSpPr>
+          <p:nvPr/>
+        </p:nvCxnSpPr>
+        <p:spPr>
+          <a:xfrm>
+            <a:off x="8164370" y="4025979"/>
+            <a:ext cx="267822" cy="267822"/>
+          </a:xfrm>
+          <a:prstGeom prst="straightConnector1">
+            <a:avLst/>
+          </a:prstGeom>
+          <a:ln w="28575">
+            <a:solidFill>
+              <a:schemeClr val="accent4"/>
+            </a:solidFill>
+            <a:tailEnd type="triangle"/>
+          </a:ln>
+        </p:spPr>
+        <p:style>
+          <a:lnRef idx="2">
+            <a:schemeClr val="accent1"/>
+          </a:lnRef>
+          <a:fillRef idx="0">
+            <a:schemeClr val="accent1"/>
+          </a:fillRef>
+          <a:effectRef idx="1">
+            <a:schemeClr val="accent1"/>
+          </a:effectRef>
+          <a:fontRef idx="minor">
+            <a:schemeClr val="tx1"/>
+          </a:fontRef>
+        </p:style>
+      </p:cxnSp>
+      <p:cxnSp>
+        <p:nvCxnSpPr>
+          <p:cNvPr id="50" name="Straight Arrow Connector 49">
+            <a:extLst>
+              <a:ext uri="{FF2B5EF4-FFF2-40B4-BE49-F238E27FC236}">
+                <a16:creationId xmlns:a16="http://schemas.microsoft.com/office/drawing/2014/main" id="{1503F611-F53A-4213-E43E-1BAC90FD2D98}"/>
+              </a:ext>
+            </a:extLst>
+          </p:cNvPr>
+          <p:cNvCxnSpPr>
+            <a:cxnSpLocks/>
+            <a:stCxn id="37" idx="3"/>
+            <a:endCxn id="41" idx="7"/>
+          </p:cNvCxnSpPr>
+          <p:nvPr/>
+        </p:nvCxnSpPr>
+        <p:spPr>
+          <a:xfrm flipH="1">
+            <a:off x="7249970" y="4025979"/>
+            <a:ext cx="267822" cy="267822"/>
+          </a:xfrm>
+          <a:prstGeom prst="straightConnector1">
+            <a:avLst/>
+          </a:prstGeom>
+          <a:ln w="28575">
+            <a:solidFill>
+              <a:schemeClr val="accent4"/>
+            </a:solidFill>
+            <a:tailEnd type="triangle"/>
+          </a:ln>
+        </p:spPr>
+        <p:style>
+          <a:lnRef idx="2">
+            <a:schemeClr val="accent1"/>
+          </a:lnRef>
+          <a:fillRef idx="0">
+            <a:schemeClr val="accent1"/>
+          </a:fillRef>
+          <a:effectRef idx="1">
+            <a:schemeClr val="accent1"/>
+          </a:effectRef>
+          <a:fontRef idx="minor">
+            <a:schemeClr val="tx1"/>
+          </a:fontRef>
+        </p:style>
+      </p:cxnSp>
+    </p:spTree>
+    <p:extLst>
+      <p:ext uri="{BB962C8B-B14F-4D97-AF65-F5344CB8AC3E}">
+        <p14:creationId xmlns:p14="http://schemas.microsoft.com/office/powerpoint/2010/main" val="4293951915"/>
+      </p:ext>
+    </p:extLst>
+  </p:cSld>
+  <p:clrMapOvr>
+    <a:masterClrMapping/>
+  </p:clrMapOvr>
+  <mc:AlternateContent xmlns:mc="http://schemas.openxmlformats.org/markup-compatibility/2006">
+    <mc:Choice xmlns:p14="http://schemas.microsoft.com/office/powerpoint/2010/main" Requires="p14">
+      <p:transition p14:dur="0"/>
+    </mc:Choice>
+    <mc:Fallback>
+      <p:transition/>
+    </mc:Fallback>
+  </mc:AlternateContent>
+</p:sld>
+</file>
+
+<file path=ppt/slides/slide6.xml><?xml version="1.0" encoding="utf-8"?>
 <p:sld xmlns:a="http://schemas.openxmlformats.org/drawingml/2006/main" xmlns:r="http://schemas.openxmlformats.org/officeDocument/2006/relationships" xmlns:p="http://schemas.openxmlformats.org/presentationml/2006/main">
   <p:cSld>
     <p:spTree>
@@ -4485,7 +9542,7 @@
           <a:p>
             <a:fld id="{7A78D7CD-E273-4158-B1CA-59F0920772DC}" type="slidenum">
               <a:rPr lang="en-US" smtClean="0"/>
-              <a:t>2</a:t>
+              <a:t>6</a:t>
             </a:fld>
             <a:endParaRPr lang="en-US"/>
           </a:p>
@@ -5664,7 +10721,7 @@
 </p:sld>
 </file>
 
-<file path=ppt/slides/slide3.xml><?xml version="1.0" encoding="utf-8"?>
+<file path=ppt/slides/slide7.xml><?xml version="1.0" encoding="utf-8"?>
 <p:sld xmlns:a="http://schemas.openxmlformats.org/drawingml/2006/main" xmlns:r="http://schemas.openxmlformats.org/officeDocument/2006/relationships" xmlns:p="http://schemas.openxmlformats.org/presentationml/2006/main">
   <p:cSld>
     <p:spTree>
@@ -5710,7 +10767,7 @@
           <a:p>
             <a:fld id="{7A78D7CD-E273-4158-B1CA-59F0920772DC}" type="slidenum">
               <a:rPr lang="en-US" smtClean="0"/>
-              <a:t>3</a:t>
+              <a:t>7</a:t>
             </a:fld>
             <a:endParaRPr lang="en-US"/>
           </a:p>
